--- a/computational_model/figures/methods.pptx
+++ b/computational_model/figures/methods.pptx
@@ -5,7 +5,7 @@
     <p:sldMasterId id="2147483648" r:id="rId1"/>
   </p:sldMasterIdLst>
   <p:notesMasterIdLst>
-    <p:notesMasterId r:id="rId12"/>
+    <p:notesMasterId r:id="rId13"/>
   </p:notesMasterIdLst>
   <p:sldIdLst>
     <p:sldId id="256" r:id="rId2"/>
@@ -16,8 +16,9 @@
     <p:sldId id="259" r:id="rId7"/>
     <p:sldId id="260" r:id="rId8"/>
     <p:sldId id="263" r:id="rId9"/>
-    <p:sldId id="261" r:id="rId10"/>
-    <p:sldId id="265" r:id="rId11"/>
+    <p:sldId id="266" r:id="rId10"/>
+    <p:sldId id="261" r:id="rId11"/>
+    <p:sldId id="265" r:id="rId12"/>
   </p:sldIdLst>
   <p:sldSz cx="16459200" cy="11174413"/>
   <p:notesSz cx="7559675" cy="10691813"/>
@@ -217,7 +218,7 @@
           <a:p>
             <a:fld id="{6BC1F42F-43AA-4447-B6D3-E607D8EF1737}" type="datetimeFigureOut">
               <a:rPr lang="en-DE" smtClean="0"/>
-              <a:t>09.05.22</a:t>
+              <a:t>10.05.22</a:t>
             </a:fld>
             <a:endParaRPr lang="en-DE"/>
           </a:p>
@@ -812,6 +813,90 @@
     <p:extLst>
       <p:ext uri="{BB962C8B-B14F-4D97-AF65-F5344CB8AC3E}">
         <p14:creationId xmlns:p14="http://schemas.microsoft.com/office/powerpoint/2010/main" val="1425214015"/>
+      </p:ext>
+    </p:extLst>
+  </p:cSld>
+  <p:clrMapOvr>
+    <a:masterClrMapping/>
+  </p:clrMapOvr>
+</p:notes>
+</file>
+
+<file path=ppt/notesSlides/notesSlide5.xml><?xml version="1.0" encoding="utf-8"?>
+<p:notes xmlns:a="http://schemas.openxmlformats.org/drawingml/2006/main" xmlns:r="http://schemas.openxmlformats.org/officeDocument/2006/relationships" xmlns:p="http://schemas.openxmlformats.org/presentationml/2006/main">
+  <p:cSld>
+    <p:spTree>
+      <p:nvGrpSpPr>
+        <p:cNvPr id="1" name=""/>
+        <p:cNvGrpSpPr/>
+        <p:nvPr/>
+      </p:nvGrpSpPr>
+      <p:grpSpPr>
+        <a:xfrm>
+          <a:off x="0" y="0"/>
+          <a:ext cx="0" cy="0"/>
+          <a:chOff x="0" y="0"/>
+          <a:chExt cx="0" cy="0"/>
+        </a:xfrm>
+      </p:grpSpPr>
+      <p:sp>
+        <p:nvSpPr>
+          <p:cNvPr id="2" name="Slide Image Placeholder 1"/>
+          <p:cNvSpPr>
+            <a:spLocks noGrp="1" noRot="1" noChangeAspect="1"/>
+          </p:cNvSpPr>
+          <p:nvPr>
+            <p:ph type="sldImg"/>
+          </p:nvPr>
+        </p:nvSpPr>
+        <p:spPr/>
+      </p:sp>
+      <p:sp>
+        <p:nvSpPr>
+          <p:cNvPr id="3" name="Notes Placeholder 2"/>
+          <p:cNvSpPr>
+            <a:spLocks noGrp="1"/>
+          </p:cNvSpPr>
+          <p:nvPr>
+            <p:ph type="body" idx="1"/>
+          </p:nvPr>
+        </p:nvSpPr>
+        <p:spPr/>
+        <p:txBody>
+          <a:bodyPr/>
+          <a:lstStyle/>
+          <a:p>
+            <a:endParaRPr lang="en-DE" dirty="0"/>
+          </a:p>
+        </p:txBody>
+      </p:sp>
+      <p:sp>
+        <p:nvSpPr>
+          <p:cNvPr id="4" name="Slide Number Placeholder 3"/>
+          <p:cNvSpPr>
+            <a:spLocks noGrp="1"/>
+          </p:cNvSpPr>
+          <p:nvPr>
+            <p:ph type="sldNum" sz="quarter" idx="5"/>
+          </p:nvPr>
+        </p:nvSpPr>
+        <p:spPr/>
+        <p:txBody>
+          <a:bodyPr/>
+          <a:lstStyle/>
+          <a:p>
+            <a:fld id="{AA2E9A8E-B70E-714C-A919-76294B7ED189}" type="slidenum">
+              <a:rPr lang="en-DE" smtClean="0"/>
+              <a:t>9</a:t>
+            </a:fld>
+            <a:endParaRPr lang="en-DE"/>
+          </a:p>
+        </p:txBody>
+      </p:sp>
+    </p:spTree>
+    <p:extLst>
+      <p:ext uri="{BB962C8B-B14F-4D97-AF65-F5344CB8AC3E}">
+        <p14:creationId xmlns:p14="http://schemas.microsoft.com/office/powerpoint/2010/main" val="1988110753"/>
       </p:ext>
     </p:extLst>
   </p:cSld>
@@ -10321,6 +10406,1525 @@
       </p:grpSpPr>
       <p:sp>
         <p:nvSpPr>
+          <p:cNvPr id="464" name="Line 7_2"/>
+          <p:cNvSpPr/>
+          <p:nvPr/>
+        </p:nvSpPr>
+        <p:spPr>
+          <a:xfrm>
+            <a:off x="5843520" y="3387600"/>
+            <a:ext cx="7867080" cy="8280"/>
+          </a:xfrm>
+          <a:prstGeom prst="line">
+            <a:avLst/>
+          </a:prstGeom>
+          <a:ln w="18360">
+            <a:noFill/>
+          </a:ln>
+        </p:spPr>
+        <p:style>
+          <a:lnRef idx="0">
+            <a:scrgbClr r="0" g="0" b="0"/>
+          </a:lnRef>
+          <a:fillRef idx="0">
+            <a:scrgbClr r="0" g="0" b="0"/>
+          </a:fillRef>
+          <a:effectRef idx="0">
+            <a:scrgbClr r="0" g="0" b="0"/>
+          </a:effectRef>
+          <a:fontRef idx="minor"/>
+        </p:style>
+      </p:sp>
+      <p:sp>
+        <p:nvSpPr>
+          <p:cNvPr id="465" name="Line 8_5"/>
+          <p:cNvSpPr/>
+          <p:nvPr/>
+        </p:nvSpPr>
+        <p:spPr>
+          <a:xfrm>
+            <a:off x="5843520" y="1171440"/>
+            <a:ext cx="7867080" cy="10080"/>
+          </a:xfrm>
+          <a:prstGeom prst="line">
+            <a:avLst/>
+          </a:prstGeom>
+          <a:ln w="18360">
+            <a:noFill/>
+          </a:ln>
+        </p:spPr>
+        <p:style>
+          <a:lnRef idx="0">
+            <a:scrgbClr r="0" g="0" b="0"/>
+          </a:lnRef>
+          <a:fillRef idx="0">
+            <a:scrgbClr r="0" g="0" b="0"/>
+          </a:fillRef>
+          <a:effectRef idx="0">
+            <a:scrgbClr r="0" g="0" b="0"/>
+          </a:effectRef>
+          <a:fontRef idx="minor"/>
+        </p:style>
+      </p:sp>
+      <p:sp>
+        <p:nvSpPr>
+          <p:cNvPr id="466" name="Line 9_2"/>
+          <p:cNvSpPr/>
+          <p:nvPr/>
+        </p:nvSpPr>
+        <p:spPr>
+          <a:xfrm>
+            <a:off x="5977080" y="1722240"/>
+            <a:ext cx="7733880" cy="16920"/>
+          </a:xfrm>
+          <a:prstGeom prst="line">
+            <a:avLst/>
+          </a:prstGeom>
+          <a:ln w="18360">
+            <a:noFill/>
+          </a:ln>
+        </p:spPr>
+        <p:style>
+          <a:lnRef idx="0">
+            <a:scrgbClr r="0" g="0" b="0"/>
+          </a:lnRef>
+          <a:fillRef idx="0">
+            <a:scrgbClr r="0" g="0" b="0"/>
+          </a:fillRef>
+          <a:effectRef idx="0">
+            <a:scrgbClr r="0" g="0" b="0"/>
+          </a:effectRef>
+          <a:fontRef idx="minor"/>
+        </p:style>
+      </p:sp>
+      <p:sp>
+        <p:nvSpPr>
+          <p:cNvPr id="467" name="Line 10_2"/>
+          <p:cNvSpPr/>
+          <p:nvPr/>
+        </p:nvSpPr>
+        <p:spPr>
+          <a:xfrm>
+            <a:off x="5843520" y="2849040"/>
+            <a:ext cx="7867080" cy="6120"/>
+          </a:xfrm>
+          <a:prstGeom prst="line">
+            <a:avLst/>
+          </a:prstGeom>
+          <a:ln w="18360">
+            <a:noFill/>
+          </a:ln>
+        </p:spPr>
+        <p:style>
+          <a:lnRef idx="0">
+            <a:scrgbClr r="0" g="0" b="0"/>
+          </a:lnRef>
+          <a:fillRef idx="0">
+            <a:scrgbClr r="0" g="0" b="0"/>
+          </a:fillRef>
+          <a:effectRef idx="0">
+            <a:scrgbClr r="0" g="0" b="0"/>
+          </a:effectRef>
+          <a:fontRef idx="minor"/>
+        </p:style>
+      </p:sp>
+      <p:pic>
+        <p:nvPicPr>
+          <p:cNvPr id="468" name="Imagen 274_3"/>
+          <p:cNvPicPr/>
+          <p:nvPr/>
+        </p:nvPicPr>
+        <p:blipFill>
+          <a:blip r:embed="rId2"/>
+          <a:stretch/>
+        </p:blipFill>
+        <p:spPr>
+          <a:xfrm>
+            <a:off x="914400" y="1794960"/>
+            <a:ext cx="1474200" cy="1130760"/>
+          </a:xfrm>
+          <a:prstGeom prst="rect">
+            <a:avLst/>
+          </a:prstGeom>
+          <a:ln w="0">
+            <a:noFill/>
+          </a:ln>
+        </p:spPr>
+      </p:pic>
+      <p:pic>
+        <p:nvPicPr>
+          <p:cNvPr id="469" name="Imagen 275_3"/>
+          <p:cNvPicPr/>
+          <p:nvPr/>
+        </p:nvPicPr>
+        <p:blipFill>
+          <a:blip r:embed="rId2"/>
+          <a:stretch/>
+        </p:blipFill>
+        <p:spPr>
+          <a:xfrm>
+            <a:off x="2414520" y="2514960"/>
+            <a:ext cx="1461240" cy="1136160"/>
+          </a:xfrm>
+          <a:prstGeom prst="rect">
+            <a:avLst/>
+          </a:prstGeom>
+          <a:ln w="0">
+            <a:noFill/>
+          </a:ln>
+        </p:spPr>
+      </p:pic>
+      <p:pic>
+        <p:nvPicPr>
+          <p:cNvPr id="470" name="Imagen 276_2"/>
+          <p:cNvPicPr/>
+          <p:nvPr/>
+        </p:nvPicPr>
+        <p:blipFill>
+          <a:blip r:embed="rId3"/>
+          <a:stretch/>
+        </p:blipFill>
+        <p:spPr>
+          <a:xfrm>
+            <a:off x="4794480" y="4530600"/>
+            <a:ext cx="1474200" cy="1130760"/>
+          </a:xfrm>
+          <a:prstGeom prst="rect">
+            <a:avLst/>
+          </a:prstGeom>
+          <a:ln w="0">
+            <a:noFill/>
+          </a:ln>
+        </p:spPr>
+      </p:pic>
+      <p:pic>
+        <p:nvPicPr>
+          <p:cNvPr id="471" name="Imagen 277_2"/>
+          <p:cNvPicPr/>
+          <p:nvPr/>
+        </p:nvPicPr>
+        <p:blipFill>
+          <a:blip r:embed="rId3"/>
+          <a:stretch/>
+        </p:blipFill>
+        <p:spPr>
+          <a:xfrm>
+            <a:off x="5367240" y="5021280"/>
+            <a:ext cx="1462320" cy="1136160"/>
+          </a:xfrm>
+          <a:prstGeom prst="rect">
+            <a:avLst/>
+          </a:prstGeom>
+          <a:ln w="0">
+            <a:noFill/>
+          </a:ln>
+        </p:spPr>
+      </p:pic>
+      <p:sp>
+        <p:nvSpPr>
+          <p:cNvPr id="472" name="Line 8_6"/>
+          <p:cNvSpPr/>
+          <p:nvPr/>
+        </p:nvSpPr>
+        <p:spPr>
+          <a:xfrm>
+            <a:off x="3615840" y="1812600"/>
+            <a:ext cx="2297880" cy="1704240"/>
+          </a:xfrm>
+          <a:prstGeom prst="line">
+            <a:avLst/>
+          </a:prstGeom>
+          <a:ln w="73080">
+            <a:noFill/>
+          </a:ln>
+        </p:spPr>
+        <p:style>
+          <a:lnRef idx="0">
+            <a:scrgbClr r="0" g="0" b="0"/>
+          </a:lnRef>
+          <a:fillRef idx="0">
+            <a:scrgbClr r="0" g="0" b="0"/>
+          </a:fillRef>
+          <a:effectRef idx="0">
+            <a:scrgbClr r="0" g="0" b="0"/>
+          </a:effectRef>
+          <a:fontRef idx="minor"/>
+        </p:style>
+      </p:sp>
+      <p:sp>
+        <p:nvSpPr>
+          <p:cNvPr id="473" name="CustomShape 11_9"/>
+          <p:cNvSpPr/>
+          <p:nvPr/>
+        </p:nvSpPr>
+        <p:spPr>
+          <a:xfrm>
+            <a:off x="2712600" y="2719800"/>
+            <a:ext cx="673200" cy="563040"/>
+          </a:xfrm>
+          <a:prstGeom prst="rect">
+            <a:avLst/>
+          </a:prstGeom>
+          <a:solidFill>
+            <a:srgbClr val="EEEEEE"/>
+          </a:solidFill>
+          <a:ln w="36720">
+            <a:noFill/>
+          </a:ln>
+        </p:spPr>
+        <p:style>
+          <a:lnRef idx="0">
+            <a:scrgbClr r="0" g="0" b="0"/>
+          </a:lnRef>
+          <a:fillRef idx="0">
+            <a:scrgbClr r="0" g="0" b="0"/>
+          </a:fillRef>
+          <a:effectRef idx="0">
+            <a:scrgbClr r="0" g="0" b="0"/>
+          </a:effectRef>
+          <a:fontRef idx="minor"/>
+        </p:style>
+      </p:sp>
+      <p:sp>
+        <p:nvSpPr>
+          <p:cNvPr id="474" name="CustomShape 12_9"/>
+          <p:cNvSpPr/>
+          <p:nvPr/>
+        </p:nvSpPr>
+        <p:spPr>
+          <a:xfrm>
+            <a:off x="1041120" y="1828080"/>
+            <a:ext cx="1188720" cy="457200"/>
+          </a:xfrm>
+          <a:prstGeom prst="rect">
+            <a:avLst/>
+          </a:prstGeom>
+          <a:solidFill>
+            <a:srgbClr val="EEEEEE"/>
+          </a:solidFill>
+          <a:ln w="36720">
+            <a:noFill/>
+          </a:ln>
+        </p:spPr>
+        <p:style>
+          <a:lnRef idx="0">
+            <a:scrgbClr r="0" g="0" b="0"/>
+          </a:lnRef>
+          <a:fillRef idx="0">
+            <a:scrgbClr r="0" g="0" b="0"/>
+          </a:fillRef>
+          <a:effectRef idx="0">
+            <a:scrgbClr r="0" g="0" b="0"/>
+          </a:effectRef>
+          <a:fontRef idx="minor"/>
+        </p:style>
+        <p:txBody>
+          <a:bodyPr lIns="87120" tIns="32760" rIns="87120" bIns="32760" anchor="t">
+            <a:noAutofit/>
+          </a:bodyPr>
+          <a:lstStyle/>
+          <a:p>
+            <a:pPr algn="ctr">
+              <a:lnSpc>
+                <a:spcPct val="100000"/>
+              </a:lnSpc>
+              <a:buNone/>
+            </a:pPr>
+            <a:r>
+              <a:rPr lang="en-US" sz="1450" b="0" strike="noStrike" spc="-1">
+                <a:solidFill>
+                  <a:srgbClr val="000000"/>
+                </a:solidFill>
+                <a:latin typeface="Arial"/>
+                <a:ea typeface="DejaVu Sans"/>
+              </a:rPr>
+              <a:t>Household Object</a:t>
+            </a:r>
+            <a:endParaRPr lang="en-US" sz="1450" b="0" strike="noStrike" spc="-1">
+              <a:latin typeface="Arial"/>
+            </a:endParaRPr>
+          </a:p>
+        </p:txBody>
+      </p:sp>
+      <p:sp>
+        <p:nvSpPr>
+          <p:cNvPr id="475" name="CustomShape 13_8"/>
+          <p:cNvSpPr/>
+          <p:nvPr/>
+        </p:nvSpPr>
+        <p:spPr>
+          <a:xfrm>
+            <a:off x="5450400" y="5123520"/>
+            <a:ext cx="400680" cy="334080"/>
+          </a:xfrm>
+          <a:prstGeom prst="rect">
+            <a:avLst/>
+          </a:prstGeom>
+          <a:solidFill>
+            <a:srgbClr val="EEEEEE"/>
+          </a:solidFill>
+          <a:ln w="36720">
+            <a:noFill/>
+          </a:ln>
+        </p:spPr>
+        <p:style>
+          <a:lnRef idx="0">
+            <a:scrgbClr r="0" g="0" b="0"/>
+          </a:lnRef>
+          <a:fillRef idx="0">
+            <a:scrgbClr r="0" g="0" b="0"/>
+          </a:fillRef>
+          <a:effectRef idx="0">
+            <a:scrgbClr r="0" g="0" b="0"/>
+          </a:effectRef>
+          <a:fontRef idx="minor"/>
+        </p:style>
+      </p:sp>
+      <p:sp>
+        <p:nvSpPr>
+          <p:cNvPr id="476" name="CustomShape 14_8"/>
+          <p:cNvSpPr/>
+          <p:nvPr/>
+        </p:nvSpPr>
+        <p:spPr>
+          <a:xfrm>
+            <a:off x="4902840" y="4665240"/>
+            <a:ext cx="400680" cy="335160"/>
+          </a:xfrm>
+          <a:prstGeom prst="rect">
+            <a:avLst/>
+          </a:prstGeom>
+          <a:solidFill>
+            <a:srgbClr val="EEEEEE"/>
+          </a:solidFill>
+          <a:ln w="36720">
+            <a:noFill/>
+          </a:ln>
+        </p:spPr>
+        <p:style>
+          <a:lnRef idx="0">
+            <a:scrgbClr r="0" g="0" b="0"/>
+          </a:lnRef>
+          <a:fillRef idx="0">
+            <a:scrgbClr r="0" g="0" b="0"/>
+          </a:fillRef>
+          <a:effectRef idx="0">
+            <a:scrgbClr r="0" g="0" b="0"/>
+          </a:effectRef>
+          <a:fontRef idx="minor"/>
+        </p:style>
+        <p:txBody>
+          <a:bodyPr lIns="87120" tIns="32760" rIns="87120" bIns="32760" anchor="t">
+            <a:noAutofit/>
+          </a:bodyPr>
+          <a:lstStyle/>
+          <a:p>
+            <a:pPr algn="ctr">
+              <a:lnSpc>
+                <a:spcPct val="100000"/>
+              </a:lnSpc>
+              <a:buNone/>
+            </a:pPr>
+            <a:r>
+              <a:rPr lang="en-US" sz="1450" b="0" strike="noStrike" spc="-1">
+                <a:solidFill>
+                  <a:srgbClr val="000000"/>
+                </a:solidFill>
+                <a:latin typeface="Arial"/>
+                <a:ea typeface="DejaVu Sans"/>
+              </a:rPr>
+              <a:t>?</a:t>
+            </a:r>
+            <a:endParaRPr lang="en-US" sz="1450" b="0" strike="noStrike" spc="-1">
+              <a:latin typeface="Arial"/>
+            </a:endParaRPr>
+          </a:p>
+        </p:txBody>
+      </p:sp>
+      <p:pic>
+        <p:nvPicPr>
+          <p:cNvPr id="477" name="Imagen 286_2"/>
+          <p:cNvPicPr/>
+          <p:nvPr/>
+        </p:nvPicPr>
+        <p:blipFill>
+          <a:blip r:embed="rId4"/>
+          <a:stretch/>
+        </p:blipFill>
+        <p:spPr>
+          <a:xfrm>
+            <a:off x="5529960" y="5195160"/>
+            <a:ext cx="240120" cy="212400"/>
+          </a:xfrm>
+          <a:prstGeom prst="rect">
+            <a:avLst/>
+          </a:prstGeom>
+          <a:ln w="0">
+            <a:noFill/>
+          </a:ln>
+        </p:spPr>
+      </p:pic>
+      <p:pic>
+        <p:nvPicPr>
+          <p:cNvPr id="478" name="Imagen 287_2"/>
+          <p:cNvPicPr/>
+          <p:nvPr/>
+        </p:nvPicPr>
+        <p:blipFill>
+          <a:blip r:embed="rId5"/>
+          <a:stretch/>
+        </p:blipFill>
+        <p:spPr>
+          <a:xfrm>
+            <a:off x="2787840" y="2787120"/>
+            <a:ext cx="537120" cy="472680"/>
+          </a:xfrm>
+          <a:prstGeom prst="rect">
+            <a:avLst/>
+          </a:prstGeom>
+          <a:ln w="0">
+            <a:noFill/>
+          </a:ln>
+        </p:spPr>
+      </p:pic>
+      <p:sp>
+        <p:nvSpPr>
+          <p:cNvPr id="479" name="CustomShape 18_8"/>
+          <p:cNvSpPr/>
+          <p:nvPr/>
+        </p:nvSpPr>
+        <p:spPr>
+          <a:xfrm>
+            <a:off x="1828800" y="914040"/>
+            <a:ext cx="3949560" cy="420840"/>
+          </a:xfrm>
+          <a:custGeom>
+            <a:avLst/>
+            <a:gdLst/>
+            <a:ahLst/>
+            <a:cxnLst/>
+            <a:rect l="l" t="t" r="r" b="b"/>
+            <a:pathLst>
+              <a:path w="21600" h="21600">
+                <a:moveTo>
+                  <a:pt x="0" y="0"/>
+                </a:moveTo>
+                <a:lnTo>
+                  <a:pt x="21600" y="0"/>
+                </a:lnTo>
+                <a:lnTo>
+                  <a:pt x="21600" y="21600"/>
+                </a:lnTo>
+                <a:lnTo>
+                  <a:pt x="0" y="21600"/>
+                </a:lnTo>
+                <a:lnTo>
+                  <a:pt x="0" y="0"/>
+                </a:lnTo>
+                <a:close/>
+              </a:path>
+            </a:pathLst>
+          </a:custGeom>
+          <a:noFill/>
+          <a:ln w="0">
+            <a:noFill/>
+          </a:ln>
+        </p:spPr>
+        <p:style>
+          <a:lnRef idx="0">
+            <a:scrgbClr r="0" g="0" b="0"/>
+          </a:lnRef>
+          <a:fillRef idx="0">
+            <a:scrgbClr r="0" g="0" b="0"/>
+          </a:fillRef>
+          <a:effectRef idx="0">
+            <a:scrgbClr r="0" g="0" b="0"/>
+          </a:effectRef>
+          <a:fontRef idx="minor"/>
+        </p:style>
+      </p:sp>
+      <p:sp>
+        <p:nvSpPr>
+          <p:cNvPr id="480" name="Rectangle 479"/>
+          <p:cNvSpPr/>
+          <p:nvPr/>
+        </p:nvSpPr>
+        <p:spPr>
+          <a:xfrm>
+            <a:off x="914400" y="1371240"/>
+            <a:ext cx="1463040" cy="2011320"/>
+          </a:xfrm>
+          <a:prstGeom prst="rect">
+            <a:avLst/>
+          </a:prstGeom>
+          <a:noFill/>
+          <a:ln w="0">
+            <a:solidFill>
+              <a:srgbClr val="3465A4"/>
+            </a:solidFill>
+          </a:ln>
+        </p:spPr>
+        <p:style>
+          <a:lnRef idx="0">
+            <a:scrgbClr r="0" g="0" b="0"/>
+          </a:lnRef>
+          <a:fillRef idx="0">
+            <a:scrgbClr r="0" g="0" b="0"/>
+          </a:fillRef>
+          <a:effectRef idx="0">
+            <a:scrgbClr r="0" g="0" b="0"/>
+          </a:effectRef>
+          <a:fontRef idx="minor"/>
+        </p:style>
+      </p:sp>
+      <p:sp>
+        <p:nvSpPr>
+          <p:cNvPr id="481" name="TextBox 480"/>
+          <p:cNvSpPr txBox="1"/>
+          <p:nvPr/>
+        </p:nvSpPr>
+        <p:spPr>
+          <a:xfrm>
+            <a:off x="1645920" y="289800"/>
+            <a:ext cx="2178360" cy="899640"/>
+          </a:xfrm>
+          <a:prstGeom prst="rect">
+            <a:avLst/>
+          </a:prstGeom>
+          <a:noFill/>
+          <a:ln w="0">
+            <a:noFill/>
+          </a:ln>
+        </p:spPr>
+        <p:txBody>
+          <a:bodyPr lIns="90000" tIns="45000" rIns="90000" bIns="45000" anchor="t">
+            <a:noAutofit/>
+          </a:bodyPr>
+          <a:lstStyle/>
+          <a:p>
+            <a:r>
+              <a:rPr lang="en-US" sz="1820" b="1" strike="noStrike" spc="-1">
+                <a:solidFill>
+                  <a:srgbClr val="000000"/>
+                </a:solidFill>
+                <a:latin typeface="Arial"/>
+                <a:ea typeface="DejaVu Sans"/>
+              </a:rPr>
+              <a:t>Phase2. Encoding</a:t>
+            </a:r>
+            <a:endParaRPr lang="en-US" sz="1820" b="0" strike="noStrike" spc="-1">
+              <a:latin typeface="Arial"/>
+            </a:endParaRPr>
+          </a:p>
+        </p:txBody>
+      </p:sp>
+      <p:sp>
+        <p:nvSpPr>
+          <p:cNvPr id="482" name="TextBox 481"/>
+          <p:cNvSpPr txBox="1"/>
+          <p:nvPr/>
+        </p:nvSpPr>
+        <p:spPr>
+          <a:xfrm>
+            <a:off x="1096560" y="914040"/>
+            <a:ext cx="1280160" cy="890280"/>
+          </a:xfrm>
+          <a:prstGeom prst="rect">
+            <a:avLst/>
+          </a:prstGeom>
+          <a:noFill/>
+          <a:ln w="0">
+            <a:noFill/>
+          </a:ln>
+        </p:spPr>
+        <p:txBody>
+          <a:bodyPr lIns="90000" tIns="45000" rIns="90000" bIns="45000" anchor="t">
+            <a:noAutofit/>
+          </a:bodyPr>
+          <a:lstStyle/>
+          <a:p>
+            <a:r>
+              <a:rPr lang="en-US" sz="1800" b="0" strike="noStrike" spc="-1">
+                <a:latin typeface="Arial"/>
+              </a:rPr>
+              <a:t>Prediction</a:t>
+            </a:r>
+          </a:p>
+        </p:txBody>
+      </p:sp>
+      <p:sp>
+        <p:nvSpPr>
+          <p:cNvPr id="483" name="TextBox 482"/>
+          <p:cNvSpPr txBox="1"/>
+          <p:nvPr/>
+        </p:nvSpPr>
+        <p:spPr>
+          <a:xfrm>
+            <a:off x="2648160" y="914040"/>
+            <a:ext cx="1280160" cy="890280"/>
+          </a:xfrm>
+          <a:prstGeom prst="rect">
+            <a:avLst/>
+          </a:prstGeom>
+          <a:noFill/>
+          <a:ln w="0">
+            <a:noFill/>
+          </a:ln>
+        </p:spPr>
+        <p:txBody>
+          <a:bodyPr lIns="90000" tIns="45000" rIns="90000" bIns="45000" anchor="t">
+            <a:noAutofit/>
+          </a:bodyPr>
+          <a:lstStyle/>
+          <a:p>
+            <a:r>
+              <a:rPr lang="en-US" sz="1800" b="0" strike="noStrike" spc="-1">
+                <a:latin typeface="Arial"/>
+              </a:rPr>
+              <a:t>Object</a:t>
+            </a:r>
+          </a:p>
+        </p:txBody>
+      </p:sp>
+      <p:sp>
+        <p:nvSpPr>
+          <p:cNvPr id="484" name="Rectangle 483"/>
+          <p:cNvSpPr/>
+          <p:nvPr/>
+        </p:nvSpPr>
+        <p:spPr>
+          <a:xfrm>
+            <a:off x="2413440" y="1371240"/>
+            <a:ext cx="1463040" cy="2479680"/>
+          </a:xfrm>
+          <a:prstGeom prst="rect">
+            <a:avLst/>
+          </a:prstGeom>
+          <a:noFill/>
+          <a:ln w="0">
+            <a:solidFill>
+              <a:srgbClr val="3465A4"/>
+            </a:solidFill>
+          </a:ln>
+        </p:spPr>
+        <p:style>
+          <a:lnRef idx="0">
+            <a:scrgbClr r="0" g="0" b="0"/>
+          </a:lnRef>
+          <a:fillRef idx="0">
+            <a:scrgbClr r="0" g="0" b="0"/>
+          </a:fillRef>
+          <a:effectRef idx="0">
+            <a:scrgbClr r="0" g="0" b="0"/>
+          </a:effectRef>
+          <a:fontRef idx="minor"/>
+        </p:style>
+      </p:sp>
+      <mc:AlternateContent xmlns:mc="http://schemas.openxmlformats.org/markup-compatibility/2006" xmlns:a14="http://schemas.microsoft.com/office/drawing/2010/main">
+        <mc:Choice Requires="a14">
+          <p:sp>
+            <p:nvSpPr>
+              <p:cNvPr id="485" name="TextBox 484"/>
+              <p:cNvSpPr txBox="1"/>
+              <p:nvPr/>
+            </p:nvSpPr>
+            <p:spPr>
+              <a:xfrm>
+                <a:off x="3958200" y="1828080"/>
+                <a:ext cx="2487600" cy="211680"/>
+              </a:xfrm>
+              <a:prstGeom prst="rect">
+                <a:avLst/>
+              </a:prstGeom>
+            </p:spPr>
+            <p:txBody>
+              <a:bodyPr/>
+              <a:lstStyle/>
+              <a:p>
+                <a:pPr/>
+                <a14:m>
+                  <m:oMathPara xmlns:m="http://schemas.openxmlformats.org/officeDocument/2006/math">
+                    <m:oMathParaPr>
+                      <m:jc m:val="centerGroup"/>
+                    </m:oMathParaPr>
+                    <m:oMath xmlns:m="http://schemas.openxmlformats.org/officeDocument/2006/math">
+                      <m:r>
+                        <a:rPr>
+                          <a:latin typeface="Cambria Math" panose="02040503050406030204" pitchFamily="18" charset="0"/>
+                        </a:rPr>
+                        <m:t>𝑃𝐸</m:t>
+                      </m:r>
+                      <m:r>
+                        <a:rPr>
+                          <a:latin typeface="Cambria Math" panose="02040503050406030204" pitchFamily="18" charset="0"/>
+                        </a:rPr>
+                        <m:t>=1−</m:t>
+                      </m:r>
+                      <m:sSubSup>
+                        <m:sSubSupPr>
+                          <m:ctrlPr>
+                            <a:rPr i="1">
+                              <a:latin typeface="Cambria Math" panose="02040503050406030204" pitchFamily="18" charset="0"/>
+                            </a:rPr>
+                          </m:ctrlPr>
+                        </m:sSubSupPr>
+                        <m:e>
+                          <m:r>
+                            <a:rPr>
+                              <a:latin typeface="Cambria Math" panose="02040503050406030204" pitchFamily="18" charset="0"/>
+                            </a:rPr>
+                            <m:t>𝑄</m:t>
+                          </m:r>
+                        </m:e>
+                        <m:sub>
+                          <m:r>
+                            <a:rPr>
+                              <a:latin typeface="Cambria Math" panose="02040503050406030204" pitchFamily="18" charset="0"/>
+                            </a:rPr>
+                            <m:t>𝑡</m:t>
+                          </m:r>
+                        </m:sub>
+                        <m:sup>
+                          <m:r>
+                            <a:rPr>
+                              <a:latin typeface="Cambria Math" panose="02040503050406030204" pitchFamily="18" charset="0"/>
+                            </a:rPr>
+                            <m:t>𝑀𝑢𝑠𝑖𝑐𝑎𝑙𝐼𝑛𝑠𝑡𝑟𝑢𝑚𝑒𝑛𝑡𝑠</m:t>
+                          </m:r>
+                        </m:sup>
+                      </m:sSubSup>
+                      <m:r>
+                        <a:rPr>
+                          <a:latin typeface="Cambria Math" panose="02040503050406030204" pitchFamily="18" charset="0"/>
+                        </a:rPr>
+                        <m:t>=1−0.70=0.30</m:t>
+                      </m:r>
+                    </m:oMath>
+                  </m:oMathPara>
+                </a14:m>
+                <a:endParaRPr/>
+              </a:p>
+            </p:txBody>
+          </p:sp>
+        </mc:Choice>
+        <mc:Fallback xmlns="" xmlns:p14="http://schemas.microsoft.com/office/powerpoint/2010/main" xmlns:p15="http://schemas.microsoft.com/office/powerpoint/2012/main"/>
+      </mc:AlternateContent>
+      <mc:AlternateContent xmlns:mc="http://schemas.openxmlformats.org/markup-compatibility/2006" xmlns:a14="http://schemas.microsoft.com/office/drawing/2010/main">
+        <mc:Choice Requires="a14">
+          <p:sp>
+            <p:nvSpPr>
+              <p:cNvPr id="486" name="TextBox 485"/>
+              <p:cNvSpPr txBox="1"/>
+              <p:nvPr/>
+            </p:nvSpPr>
+            <p:spPr>
+              <a:xfrm>
+                <a:off x="1005120" y="3233880"/>
+                <a:ext cx="1343880" cy="211680"/>
+              </a:xfrm>
+              <a:prstGeom prst="rect">
+                <a:avLst/>
+              </a:prstGeom>
+            </p:spPr>
+            <p:txBody>
+              <a:bodyPr/>
+              <a:lstStyle/>
+              <a:p>
+                <a:pPr/>
+                <a14:m>
+                  <m:oMathPara xmlns:m="http://schemas.openxmlformats.org/officeDocument/2006/math">
+                    <m:oMathParaPr>
+                      <m:jc m:val="centerGroup"/>
+                    </m:oMathParaPr>
+                    <m:oMath xmlns:m="http://schemas.openxmlformats.org/officeDocument/2006/math">
+                      <m:sSubSup>
+                        <m:sSubSupPr>
+                          <m:ctrlPr>
+                            <a:rPr i="1">
+                              <a:latin typeface="Cambria Math" panose="02040503050406030204" pitchFamily="18" charset="0"/>
+                            </a:rPr>
+                          </m:ctrlPr>
+                        </m:sSubSupPr>
+                        <m:e>
+                          <m:r>
+                            <a:rPr>
+                              <a:latin typeface="Cambria Math" panose="02040503050406030204" pitchFamily="18" charset="0"/>
+                            </a:rPr>
+                            <m:t>𝑄</m:t>
+                          </m:r>
+                        </m:e>
+                        <m:sub>
+                          <m:r>
+                            <a:rPr>
+                              <a:latin typeface="Cambria Math" panose="02040503050406030204" pitchFamily="18" charset="0"/>
+                            </a:rPr>
+                            <m:t>𝑡</m:t>
+                          </m:r>
+                        </m:sub>
+                        <m:sup>
+                          <m:r>
+                            <a:rPr>
+                              <a:latin typeface="Cambria Math" panose="02040503050406030204" pitchFamily="18" charset="0"/>
+                            </a:rPr>
+                            <m:t>𝑀𝑢𝑠𝑖𝑐𝑎𝑙𝐼𝑛𝑠𝑡𝑟𝑢𝑚𝑒𝑛𝑡𝑠</m:t>
+                          </m:r>
+                        </m:sup>
+                      </m:sSubSup>
+                      <m:r>
+                        <a:rPr>
+                          <a:latin typeface="Cambria Math" panose="02040503050406030204" pitchFamily="18" charset="0"/>
+                        </a:rPr>
+                        <m:t>=0.70</m:t>
+                      </m:r>
+                    </m:oMath>
+                  </m:oMathPara>
+                </a14:m>
+                <a:endParaRPr/>
+              </a:p>
+            </p:txBody>
+          </p:sp>
+        </mc:Choice>
+        <mc:Fallback xmlns="" xmlns:p14="http://schemas.microsoft.com/office/powerpoint/2010/main" xmlns:p15="http://schemas.microsoft.com/office/powerpoint/2012/main"/>
+      </mc:AlternateContent>
+      <p:pic>
+        <p:nvPicPr>
+          <p:cNvPr id="487" name="Imagen 274_4"/>
+          <p:cNvPicPr/>
+          <p:nvPr/>
+        </p:nvPicPr>
+        <p:blipFill>
+          <a:blip r:embed="rId2"/>
+          <a:stretch/>
+        </p:blipFill>
+        <p:spPr>
+          <a:xfrm>
+            <a:off x="914400" y="4675320"/>
+            <a:ext cx="1474200" cy="1130760"/>
+          </a:xfrm>
+          <a:prstGeom prst="rect">
+            <a:avLst/>
+          </a:prstGeom>
+          <a:ln w="0">
+            <a:noFill/>
+          </a:ln>
+        </p:spPr>
+      </p:pic>
+      <p:pic>
+        <p:nvPicPr>
+          <p:cNvPr id="488" name="Imagen 275_4"/>
+          <p:cNvPicPr/>
+          <p:nvPr/>
+        </p:nvPicPr>
+        <p:blipFill>
+          <a:blip r:embed="rId2"/>
+          <a:stretch/>
+        </p:blipFill>
+        <p:spPr>
+          <a:xfrm>
+            <a:off x="2414520" y="1241280"/>
+            <a:ext cx="1461240" cy="1136160"/>
+          </a:xfrm>
+          <a:prstGeom prst="rect">
+            <a:avLst/>
+          </a:prstGeom>
+          <a:ln w="0">
+            <a:noFill/>
+          </a:ln>
+        </p:spPr>
+      </p:pic>
+      <p:sp>
+        <p:nvSpPr>
+          <p:cNvPr id="489" name="CustomShape 11_10"/>
+          <p:cNvSpPr/>
+          <p:nvPr/>
+        </p:nvSpPr>
+        <p:spPr>
+          <a:xfrm>
+            <a:off x="2712600" y="1445400"/>
+            <a:ext cx="673200" cy="563040"/>
+          </a:xfrm>
+          <a:prstGeom prst="rect">
+            <a:avLst/>
+          </a:prstGeom>
+          <a:solidFill>
+            <a:srgbClr val="EEEEEE"/>
+          </a:solidFill>
+          <a:ln w="36720">
+            <a:noFill/>
+          </a:ln>
+        </p:spPr>
+        <p:style>
+          <a:lnRef idx="0">
+            <a:scrgbClr r="0" g="0" b="0"/>
+          </a:lnRef>
+          <a:fillRef idx="0">
+            <a:scrgbClr r="0" g="0" b="0"/>
+          </a:fillRef>
+          <a:effectRef idx="0">
+            <a:scrgbClr r="0" g="0" b="0"/>
+          </a:effectRef>
+          <a:fontRef idx="minor"/>
+        </p:style>
+      </p:sp>
+      <p:sp>
+        <p:nvSpPr>
+          <p:cNvPr id="490" name="CustomShape 12_10"/>
+          <p:cNvSpPr/>
+          <p:nvPr/>
+        </p:nvSpPr>
+        <p:spPr>
+          <a:xfrm>
+            <a:off x="1041120" y="4708800"/>
+            <a:ext cx="1188720" cy="457200"/>
+          </a:xfrm>
+          <a:prstGeom prst="rect">
+            <a:avLst/>
+          </a:prstGeom>
+          <a:solidFill>
+            <a:srgbClr val="EEEEEE"/>
+          </a:solidFill>
+          <a:ln w="36720">
+            <a:noFill/>
+          </a:ln>
+        </p:spPr>
+        <p:style>
+          <a:lnRef idx="0">
+            <a:scrgbClr r="0" g="0" b="0"/>
+          </a:lnRef>
+          <a:fillRef idx="0">
+            <a:scrgbClr r="0" g="0" b="0"/>
+          </a:fillRef>
+          <a:effectRef idx="0">
+            <a:scrgbClr r="0" g="0" b="0"/>
+          </a:effectRef>
+          <a:fontRef idx="minor"/>
+        </p:style>
+        <p:txBody>
+          <a:bodyPr lIns="87120" tIns="32760" rIns="87120" bIns="32760" anchor="t">
+            <a:noAutofit/>
+          </a:bodyPr>
+          <a:lstStyle/>
+          <a:p>
+            <a:pPr algn="ctr">
+              <a:lnSpc>
+                <a:spcPct val="100000"/>
+              </a:lnSpc>
+              <a:buNone/>
+            </a:pPr>
+            <a:r>
+              <a:rPr lang="en-US" sz="1450" b="0" strike="noStrike" spc="-1">
+                <a:solidFill>
+                  <a:srgbClr val="000000"/>
+                </a:solidFill>
+                <a:latin typeface="Arial"/>
+                <a:ea typeface="DejaVu Sans"/>
+              </a:rPr>
+              <a:t>Household Object</a:t>
+            </a:r>
+            <a:endParaRPr lang="en-US" sz="1450" b="0" strike="noStrike" spc="-1">
+              <a:latin typeface="Arial"/>
+            </a:endParaRPr>
+          </a:p>
+        </p:txBody>
+      </p:sp>
+      <p:sp>
+        <p:nvSpPr>
+          <p:cNvPr id="491" name="Rectangle 490"/>
+          <p:cNvSpPr/>
+          <p:nvPr/>
+        </p:nvSpPr>
+        <p:spPr>
+          <a:xfrm>
+            <a:off x="914400" y="4251600"/>
+            <a:ext cx="1463040" cy="2011320"/>
+          </a:xfrm>
+          <a:prstGeom prst="rect">
+            <a:avLst/>
+          </a:prstGeom>
+          <a:noFill/>
+          <a:ln w="0">
+            <a:solidFill>
+              <a:srgbClr val="3465A4"/>
+            </a:solidFill>
+          </a:ln>
+        </p:spPr>
+        <p:style>
+          <a:lnRef idx="0">
+            <a:scrgbClr r="0" g="0" b="0"/>
+          </a:lnRef>
+          <a:fillRef idx="0">
+            <a:scrgbClr r="0" g="0" b="0"/>
+          </a:fillRef>
+          <a:effectRef idx="0">
+            <a:scrgbClr r="0" g="0" b="0"/>
+          </a:effectRef>
+          <a:fontRef idx="minor"/>
+        </p:style>
+      </p:sp>
+      <p:sp>
+        <p:nvSpPr>
+          <p:cNvPr id="492" name="Rectangle 491"/>
+          <p:cNvSpPr/>
+          <p:nvPr/>
+        </p:nvSpPr>
+        <p:spPr>
+          <a:xfrm>
+            <a:off x="2413440" y="4251600"/>
+            <a:ext cx="1463040" cy="2011320"/>
+          </a:xfrm>
+          <a:prstGeom prst="rect">
+            <a:avLst/>
+          </a:prstGeom>
+          <a:noFill/>
+          <a:ln w="0">
+            <a:solidFill>
+              <a:srgbClr val="3465A4"/>
+            </a:solidFill>
+          </a:ln>
+        </p:spPr>
+        <p:style>
+          <a:lnRef idx="0">
+            <a:scrgbClr r="0" g="0" b="0"/>
+          </a:lnRef>
+          <a:fillRef idx="0">
+            <a:scrgbClr r="0" g="0" b="0"/>
+          </a:fillRef>
+          <a:effectRef idx="0">
+            <a:scrgbClr r="0" g="0" b="0"/>
+          </a:effectRef>
+          <a:fontRef idx="minor"/>
+        </p:style>
+      </p:sp>
+      <p:pic>
+        <p:nvPicPr>
+          <p:cNvPr id="493" name="Picture 13_1"/>
+          <p:cNvPicPr/>
+          <p:nvPr/>
+        </p:nvPicPr>
+        <p:blipFill>
+          <a:blip r:embed="rId6"/>
+          <a:stretch/>
+        </p:blipFill>
+        <p:spPr>
+          <a:xfrm>
+            <a:off x="2762280" y="1497600"/>
+            <a:ext cx="538560" cy="475200"/>
+          </a:xfrm>
+          <a:prstGeom prst="rect">
+            <a:avLst/>
+          </a:prstGeom>
+          <a:ln w="0">
+            <a:noFill/>
+          </a:ln>
+        </p:spPr>
+      </p:pic>
+      <p:sp>
+        <p:nvSpPr>
+          <p:cNvPr id="494" name="CustomShape 9_2"/>
+          <p:cNvSpPr/>
+          <p:nvPr/>
+        </p:nvSpPr>
+        <p:spPr>
+          <a:xfrm>
+            <a:off x="2799000" y="4388400"/>
+            <a:ext cx="401400" cy="334800"/>
+          </a:xfrm>
+          <a:prstGeom prst="rect">
+            <a:avLst/>
+          </a:prstGeom>
+          <a:solidFill>
+            <a:srgbClr val="EEEEEE"/>
+          </a:solidFill>
+          <a:ln w="36720">
+            <a:noFill/>
+          </a:ln>
+        </p:spPr>
+        <p:style>
+          <a:lnRef idx="0">
+            <a:scrgbClr r="0" g="0" b="0"/>
+          </a:lnRef>
+          <a:fillRef idx="0">
+            <a:scrgbClr r="0" g="0" b="0"/>
+          </a:fillRef>
+          <a:effectRef idx="0">
+            <a:scrgbClr r="0" g="0" b="0"/>
+          </a:effectRef>
+          <a:fontRef idx="minor"/>
+        </p:style>
+        <p:txBody>
+          <a:bodyPr lIns="90000" tIns="45000" rIns="90000" bIns="45000" anchor="t">
+            <a:noAutofit/>
+          </a:bodyPr>
+          <a:lstStyle/>
+          <a:p>
+            <a:r>
+              <a:rPr lang="en-US" sz="1800" b="0" strike="noStrike" spc="-1">
+                <a:latin typeface="Arial"/>
+              </a:rPr>
+              <a:t>#</a:t>
+            </a:r>
+          </a:p>
+        </p:txBody>
+      </p:sp>
+      <mc:AlternateContent xmlns:mc="http://schemas.openxmlformats.org/markup-compatibility/2006" xmlns:a14="http://schemas.microsoft.com/office/drawing/2010/main">
+        <mc:Choice Requires="a14">
+          <p:sp>
+            <p:nvSpPr>
+              <p:cNvPr id="495" name="TextBox 494"/>
+              <p:cNvSpPr txBox="1"/>
+              <p:nvPr/>
+            </p:nvSpPr>
+            <p:spPr>
+              <a:xfrm>
+                <a:off x="2336760" y="6491880"/>
+                <a:ext cx="2417760" cy="211680"/>
+              </a:xfrm>
+              <a:prstGeom prst="rect">
+                <a:avLst/>
+              </a:prstGeom>
+            </p:spPr>
+            <p:txBody>
+              <a:bodyPr/>
+              <a:lstStyle/>
+              <a:p>
+                <a:pPr/>
+                <a14:m>
+                  <m:oMathPara xmlns:m="http://schemas.openxmlformats.org/officeDocument/2006/math">
+                    <m:oMathParaPr>
+                      <m:jc m:val="centerGroup"/>
+                    </m:oMathParaPr>
+                    <m:oMath xmlns:m="http://schemas.openxmlformats.org/officeDocument/2006/math">
+                      <m:r>
+                        <a:rPr>
+                          <a:latin typeface="Cambria Math" panose="02040503050406030204" pitchFamily="18" charset="0"/>
+                        </a:rPr>
+                        <m:t>𝑃𝐸</m:t>
+                      </m:r>
+                      <m:r>
+                        <a:rPr>
+                          <a:latin typeface="Cambria Math" panose="02040503050406030204" pitchFamily="18" charset="0"/>
+                        </a:rPr>
+                        <m:t>=1−</m:t>
+                      </m:r>
+                      <m:sSubSup>
+                        <m:sSubSupPr>
+                          <m:ctrlPr>
+                            <a:rPr i="1">
+                              <a:latin typeface="Cambria Math" panose="02040503050406030204" pitchFamily="18" charset="0"/>
+                            </a:rPr>
+                          </m:ctrlPr>
+                        </m:sSubSupPr>
+                        <m:e>
+                          <m:r>
+                            <a:rPr>
+                              <a:latin typeface="Cambria Math" panose="02040503050406030204" pitchFamily="18" charset="0"/>
+                            </a:rPr>
+                            <m:t>𝑄</m:t>
+                          </m:r>
+                        </m:e>
+                        <m:sub>
+                          <m:r>
+                            <a:rPr>
+                              <a:latin typeface="Cambria Math" panose="02040503050406030204" pitchFamily="18" charset="0"/>
+                            </a:rPr>
+                            <m:t>𝑡</m:t>
+                          </m:r>
+                        </m:sub>
+                        <m:sup>
+                          <m:r>
+                            <a:rPr>
+                              <a:latin typeface="Cambria Math" panose="02040503050406030204" pitchFamily="18" charset="0"/>
+                            </a:rPr>
+                            <m:t>𝐻𝑜𝑢𝑠𝑒h𝑜𝑙𝑑𝑜𝑏𝑗𝑒𝑐𝑡𝑠</m:t>
+                          </m:r>
+                        </m:sup>
+                      </m:sSubSup>
+                      <m:r>
+                        <a:rPr>
+                          <a:latin typeface="Cambria Math" panose="02040503050406030204" pitchFamily="18" charset="0"/>
+                        </a:rPr>
+                        <m:t>=1−0.30=0.70</m:t>
+                      </m:r>
+                    </m:oMath>
+                  </m:oMathPara>
+                </a14:m>
+                <a:endParaRPr/>
+              </a:p>
+            </p:txBody>
+          </p:sp>
+        </mc:Choice>
+        <mc:Fallback xmlns="" xmlns:p14="http://schemas.microsoft.com/office/powerpoint/2010/main" xmlns:p15="http://schemas.microsoft.com/office/powerpoint/2012/main"/>
+      </mc:AlternateContent>
+      <mc:AlternateContent xmlns:mc="http://schemas.openxmlformats.org/markup-compatibility/2006" xmlns:a14="http://schemas.microsoft.com/office/drawing/2010/main">
+        <mc:Choice Requires="a14">
+          <p:sp>
+            <p:nvSpPr>
+              <p:cNvPr id="496" name="TextBox 495"/>
+              <p:cNvSpPr txBox="1"/>
+              <p:nvPr/>
+            </p:nvSpPr>
+            <p:spPr>
+              <a:xfrm>
+                <a:off x="976680" y="6511680"/>
+                <a:ext cx="1274040" cy="211680"/>
+              </a:xfrm>
+              <a:prstGeom prst="rect">
+                <a:avLst/>
+              </a:prstGeom>
+            </p:spPr>
+            <p:txBody>
+              <a:bodyPr/>
+              <a:lstStyle/>
+              <a:p>
+                <a:pPr/>
+                <a14:m>
+                  <m:oMathPara xmlns:m="http://schemas.openxmlformats.org/officeDocument/2006/math">
+                    <m:oMathParaPr>
+                      <m:jc m:val="centerGroup"/>
+                    </m:oMathParaPr>
+                    <m:oMath xmlns:m="http://schemas.openxmlformats.org/officeDocument/2006/math">
+                      <m:sSubSup>
+                        <m:sSubSupPr>
+                          <m:ctrlPr>
+                            <a:rPr i="1">
+                              <a:latin typeface="Cambria Math" panose="02040503050406030204" pitchFamily="18" charset="0"/>
+                            </a:rPr>
+                          </m:ctrlPr>
+                        </m:sSubSupPr>
+                        <m:e>
+                          <m:r>
+                            <a:rPr>
+                              <a:latin typeface="Cambria Math" panose="02040503050406030204" pitchFamily="18" charset="0"/>
+                            </a:rPr>
+                            <m:t>𝑄</m:t>
+                          </m:r>
+                        </m:e>
+                        <m:sub>
+                          <m:r>
+                            <a:rPr>
+                              <a:latin typeface="Cambria Math" panose="02040503050406030204" pitchFamily="18" charset="0"/>
+                            </a:rPr>
+                            <m:t>𝑡</m:t>
+                          </m:r>
+                        </m:sub>
+                        <m:sup>
+                          <m:r>
+                            <a:rPr>
+                              <a:latin typeface="Cambria Math" panose="02040503050406030204" pitchFamily="18" charset="0"/>
+                            </a:rPr>
+                            <m:t>𝐻𝑜𝑢𝑠𝑒h𝑜𝑙𝑑𝑜𝑏𝑗𝑒𝑐𝑡𝑠</m:t>
+                          </m:r>
+                        </m:sup>
+                      </m:sSubSup>
+                      <m:r>
+                        <a:rPr>
+                          <a:latin typeface="Cambria Math" panose="02040503050406030204" pitchFamily="18" charset="0"/>
+                        </a:rPr>
+                        <m:t>=0.70</m:t>
+                      </m:r>
+                    </m:oMath>
+                  </m:oMathPara>
+                </a14:m>
+                <a:endParaRPr/>
+              </a:p>
+            </p:txBody>
+          </p:sp>
+        </mc:Choice>
+        <mc:Fallback xmlns="" xmlns:p14="http://schemas.microsoft.com/office/powerpoint/2010/main" xmlns:p15="http://schemas.microsoft.com/office/powerpoint/2012/main"/>
+      </mc:AlternateContent>
+      <mc:AlternateContent xmlns:mc="http://schemas.openxmlformats.org/markup-compatibility/2006" xmlns:a14="http://schemas.microsoft.com/office/drawing/2010/main">
+        <mc:Choice Requires="a14">
+          <p:sp>
+            <p:nvSpPr>
+              <p:cNvPr id="497" name="TextBox 496"/>
+              <p:cNvSpPr txBox="1"/>
+              <p:nvPr/>
+            </p:nvSpPr>
+            <p:spPr>
+              <a:xfrm>
+                <a:off x="1005120" y="3536640"/>
+                <a:ext cx="1233000" cy="211680"/>
+              </a:xfrm>
+              <a:prstGeom prst="rect">
+                <a:avLst/>
+              </a:prstGeom>
+            </p:spPr>
+            <p:txBody>
+              <a:bodyPr/>
+              <a:lstStyle/>
+              <a:p>
+                <a:pPr/>
+                <a14:m>
+                  <m:oMathPara xmlns:m="http://schemas.openxmlformats.org/officeDocument/2006/math">
+                    <m:oMathParaPr>
+                      <m:jc m:val="centerGroup"/>
+                    </m:oMathParaPr>
+                    <m:oMath xmlns:m="http://schemas.openxmlformats.org/officeDocument/2006/math">
+                      <m:sSubSup>
+                        <m:sSubSupPr>
+                          <m:ctrlPr>
+                            <a:rPr i="1">
+                              <a:latin typeface="Cambria Math" panose="02040503050406030204" pitchFamily="18" charset="0"/>
+                            </a:rPr>
+                          </m:ctrlPr>
+                        </m:sSubSupPr>
+                        <m:e>
+                          <m:r>
+                            <a:rPr>
+                              <a:latin typeface="Cambria Math" panose="02040503050406030204" pitchFamily="18" charset="0"/>
+                            </a:rPr>
+                            <m:t>𝑄</m:t>
+                          </m:r>
+                        </m:e>
+                        <m:sub>
+                          <m:r>
+                            <a:rPr>
+                              <a:latin typeface="Cambria Math" panose="02040503050406030204" pitchFamily="18" charset="0"/>
+                            </a:rPr>
+                            <m:t>𝑡</m:t>
+                          </m:r>
+                        </m:sub>
+                        <m:sup>
+                          <m:r>
+                            <a:rPr>
+                              <a:latin typeface="Cambria Math" panose="02040503050406030204" pitchFamily="18" charset="0"/>
+                            </a:rPr>
+                            <m:t>𝐻𝑜𝑢𝑠h𝑜𝑙𝑑𝑜𝑏𝑗𝑒𝑐𝑡𝑠</m:t>
+                          </m:r>
+                        </m:sup>
+                      </m:sSubSup>
+                      <m:r>
+                        <a:rPr>
+                          <a:latin typeface="Cambria Math" panose="02040503050406030204" pitchFamily="18" charset="0"/>
+                        </a:rPr>
+                        <m:t>=0.30</m:t>
+                      </m:r>
+                    </m:oMath>
+                  </m:oMathPara>
+                </a14:m>
+                <a:endParaRPr/>
+              </a:p>
+            </p:txBody>
+          </p:sp>
+        </mc:Choice>
+        <mc:Fallback xmlns="" xmlns:p14="http://schemas.microsoft.com/office/powerpoint/2010/main" xmlns:p15="http://schemas.microsoft.com/office/powerpoint/2012/main"/>
+      </mc:AlternateContent>
+      <mc:AlternateContent xmlns:mc="http://schemas.openxmlformats.org/markup-compatibility/2006" xmlns:a14="http://schemas.microsoft.com/office/drawing/2010/main">
+        <mc:Choice Requires="a14">
+          <p:sp>
+            <p:nvSpPr>
+              <p:cNvPr id="498" name="TextBox 497"/>
+              <p:cNvSpPr txBox="1"/>
+              <p:nvPr/>
+            </p:nvSpPr>
+            <p:spPr>
+              <a:xfrm>
+                <a:off x="3931200" y="3079440"/>
+                <a:ext cx="2417760" cy="211680"/>
+              </a:xfrm>
+              <a:prstGeom prst="rect">
+                <a:avLst/>
+              </a:prstGeom>
+            </p:spPr>
+            <p:txBody>
+              <a:bodyPr/>
+              <a:lstStyle/>
+              <a:p>
+                <a:pPr/>
+                <a14:m>
+                  <m:oMathPara xmlns:m="http://schemas.openxmlformats.org/officeDocument/2006/math">
+                    <m:oMathParaPr>
+                      <m:jc m:val="centerGroup"/>
+                    </m:oMathParaPr>
+                    <m:oMath xmlns:m="http://schemas.openxmlformats.org/officeDocument/2006/math">
+                      <m:r>
+                        <a:rPr>
+                          <a:latin typeface="Cambria Math" panose="02040503050406030204" pitchFamily="18" charset="0"/>
+                        </a:rPr>
+                        <m:t>𝑃𝐸</m:t>
+                      </m:r>
+                      <m:r>
+                        <a:rPr>
+                          <a:latin typeface="Cambria Math" panose="02040503050406030204" pitchFamily="18" charset="0"/>
+                        </a:rPr>
+                        <m:t>=1−</m:t>
+                      </m:r>
+                      <m:sSubSup>
+                        <m:sSubSupPr>
+                          <m:ctrlPr>
+                            <a:rPr i="1">
+                              <a:latin typeface="Cambria Math" panose="02040503050406030204" pitchFamily="18" charset="0"/>
+                            </a:rPr>
+                          </m:ctrlPr>
+                        </m:sSubSupPr>
+                        <m:e>
+                          <m:r>
+                            <a:rPr>
+                              <a:latin typeface="Cambria Math" panose="02040503050406030204" pitchFamily="18" charset="0"/>
+                            </a:rPr>
+                            <m:t>𝑄</m:t>
+                          </m:r>
+                        </m:e>
+                        <m:sub>
+                          <m:r>
+                            <a:rPr>
+                              <a:latin typeface="Cambria Math" panose="02040503050406030204" pitchFamily="18" charset="0"/>
+                            </a:rPr>
+                            <m:t>𝑡</m:t>
+                          </m:r>
+                        </m:sub>
+                        <m:sup>
+                          <m:r>
+                            <a:rPr>
+                              <a:latin typeface="Cambria Math" panose="02040503050406030204" pitchFamily="18" charset="0"/>
+                            </a:rPr>
+                            <m:t>𝐻𝑜𝑢𝑠𝑒h𝑜𝑙𝑑𝑜𝑏𝑗𝑒𝑐𝑡𝑠</m:t>
+                          </m:r>
+                        </m:sup>
+                      </m:sSubSup>
+                      <m:r>
+                        <a:rPr>
+                          <a:latin typeface="Cambria Math" panose="02040503050406030204" pitchFamily="18" charset="0"/>
+                        </a:rPr>
+                        <m:t>=1−0.30=0.70</m:t>
+                      </m:r>
+                    </m:oMath>
+                  </m:oMathPara>
+                </a14:m>
+                <a:endParaRPr/>
+              </a:p>
+            </p:txBody>
+          </p:sp>
+        </mc:Choice>
+        <mc:Fallback xmlns="" xmlns:p14="http://schemas.microsoft.com/office/powerpoint/2010/main" xmlns:p15="http://schemas.microsoft.com/office/powerpoint/2012/main"/>
+      </mc:AlternateContent>
+    </p:spTree>
+  </p:cSld>
+  <p:clrMapOvr>
+    <a:masterClrMapping/>
+  </p:clrMapOvr>
+</p:sld>
+</file>
+
+<file path=ppt/slides/slide11.xml><?xml version="1.0" encoding="utf-8"?>
+<p:sld xmlns:a="http://schemas.openxmlformats.org/drawingml/2006/main" xmlns:r="http://schemas.openxmlformats.org/officeDocument/2006/relationships" xmlns:p="http://schemas.openxmlformats.org/presentationml/2006/main">
+  <p:cSld>
+    <p:spTree>
+      <p:nvGrpSpPr>
+        <p:cNvPr id="1" name=""/>
+        <p:cNvGrpSpPr/>
+        <p:nvPr/>
+      </p:nvGrpSpPr>
+      <p:grpSpPr>
+        <a:xfrm>
+          <a:off x="0" y="0"/>
+          <a:ext cx="0" cy="0"/>
+          <a:chOff x="0" y="0"/>
+          <a:chExt cx="0" cy="0"/>
+        </a:xfrm>
+      </p:grpSpPr>
+      <p:sp>
+        <p:nvSpPr>
           <p:cNvPr id="2" name="Title 1">
             <a:extLst>
               <a:ext uri="{FF2B5EF4-FFF2-40B4-BE49-F238E27FC236}">
@@ -37014,7 +38618,7 @@
           <a:lstStyle/>
           <a:p>
             <a:r>
-              <a:rPr lang="en-US" sz="1820" b="1" strike="noStrike" spc="-1">
+              <a:rPr lang="en-US" sz="1820" b="1" strike="noStrike" spc="-1" dirty="0">
                 <a:solidFill>
                   <a:srgbClr val="000000"/>
                 </a:solidFill>
@@ -37023,7 +38627,7 @@
               </a:rPr>
               <a:t>Encoding Phase</a:t>
             </a:r>
-            <a:endParaRPr lang="en-US" sz="1820" b="0" strike="noStrike" spc="-1">
+            <a:endParaRPr lang="en-US" sz="1820" b="0" strike="noStrike" spc="-1" dirty="0">
               <a:latin typeface="Arial"/>
             </a:endParaRPr>
           </a:p>
@@ -38008,7 +39612,7 @@
             </p:txBody>
           </p:sp>
         </mc:Choice>
-        <mc:Fallback xmlns:p15="http://schemas.microsoft.com/office/powerpoint/2012/main" xmlns:p14="http://schemas.microsoft.com/office/powerpoint/2010/main" xmlns=""/>
+        <mc:Fallback xmlns="" xmlns:p14="http://schemas.microsoft.com/office/powerpoint/2010/main" xmlns:p15="http://schemas.microsoft.com/office/powerpoint/2012/main"/>
       </mc:AlternateContent>
       <p:sp>
         <p:nvSpPr>
@@ -39216,7 +40820,7 @@
             </p:txBody>
           </p:sp>
         </mc:Choice>
-        <mc:Fallback xmlns:p15="http://schemas.microsoft.com/office/powerpoint/2012/main" xmlns:p14="http://schemas.microsoft.com/office/powerpoint/2010/main" xmlns=""/>
+        <mc:Fallback xmlns="" xmlns:p14="http://schemas.microsoft.com/office/powerpoint/2010/main" xmlns:p15="http://schemas.microsoft.com/office/powerpoint/2012/main"/>
       </mc:AlternateContent>
       <p:sp>
         <p:nvSpPr>
@@ -45708,306 +47312,128 @@
           <a:chExt cx="0" cy="0"/>
         </a:xfrm>
       </p:grpSpPr>
-      <p:sp>
+      <p:sp useBgFill="1">
         <p:nvSpPr>
-          <p:cNvPr id="464" name="Line 7_2"/>
+          <p:cNvPr id="101" name="Freeform 100">
+            <a:extLst>
+              <a:ext uri="{FF2B5EF4-FFF2-40B4-BE49-F238E27FC236}">
+                <a16:creationId xmlns:a16="http://schemas.microsoft.com/office/drawing/2014/main" id="{4D5B9426-F4F1-962D-C034-E60C4D565CD6}"/>
+              </a:ext>
+            </a:extLst>
+          </p:cNvPr>
           <p:cNvSpPr/>
           <p:nvPr/>
         </p:nvSpPr>
         <p:spPr>
           <a:xfrm>
-            <a:off x="5843520" y="3387600"/>
-            <a:ext cx="7867080" cy="8280"/>
-          </a:xfrm>
-          <a:prstGeom prst="line">
-            <a:avLst/>
-          </a:prstGeom>
-          <a:ln w="18360">
-            <a:noFill/>
-          </a:ln>
-        </p:spPr>
-        <p:style>
-          <a:lnRef idx="0">
-            <a:scrgbClr r="0" g="0" b="0"/>
-          </a:lnRef>
-          <a:fillRef idx="0">
-            <a:scrgbClr r="0" g="0" b="0"/>
-          </a:fillRef>
-          <a:effectRef idx="0">
-            <a:scrgbClr r="0" g="0" b="0"/>
-          </a:effectRef>
-          <a:fontRef idx="minor"/>
-        </p:style>
-      </p:sp>
-      <p:sp>
-        <p:nvSpPr>
-          <p:cNvPr id="465" name="Line 8_5"/>
-          <p:cNvSpPr/>
-          <p:nvPr/>
-        </p:nvSpPr>
-        <p:spPr>
-          <a:xfrm>
-            <a:off x="5843520" y="1171440"/>
-            <a:ext cx="7867080" cy="10080"/>
-          </a:xfrm>
-          <a:prstGeom prst="line">
-            <a:avLst/>
-          </a:prstGeom>
-          <a:ln w="18360">
-            <a:noFill/>
-          </a:ln>
-        </p:spPr>
-        <p:style>
-          <a:lnRef idx="0">
-            <a:scrgbClr r="0" g="0" b="0"/>
-          </a:lnRef>
-          <a:fillRef idx="0">
-            <a:scrgbClr r="0" g="0" b="0"/>
-          </a:fillRef>
-          <a:effectRef idx="0">
-            <a:scrgbClr r="0" g="0" b="0"/>
-          </a:effectRef>
-          <a:fontRef idx="minor"/>
-        </p:style>
-      </p:sp>
-      <p:sp>
-        <p:nvSpPr>
-          <p:cNvPr id="466" name="Line 9_2"/>
-          <p:cNvSpPr/>
-          <p:nvPr/>
-        </p:nvSpPr>
-        <p:spPr>
-          <a:xfrm>
-            <a:off x="5977080" y="1722240"/>
-            <a:ext cx="7733880" cy="16920"/>
-          </a:xfrm>
-          <a:prstGeom prst="line">
-            <a:avLst/>
-          </a:prstGeom>
-          <a:ln w="18360">
-            <a:noFill/>
-          </a:ln>
-        </p:spPr>
-        <p:style>
-          <a:lnRef idx="0">
-            <a:scrgbClr r="0" g="0" b="0"/>
-          </a:lnRef>
-          <a:fillRef idx="0">
-            <a:scrgbClr r="0" g="0" b="0"/>
-          </a:fillRef>
-          <a:effectRef idx="0">
-            <a:scrgbClr r="0" g="0" b="0"/>
-          </a:effectRef>
-          <a:fontRef idx="minor"/>
-        </p:style>
-      </p:sp>
-      <p:sp>
-        <p:nvSpPr>
-          <p:cNvPr id="467" name="Line 10_2"/>
-          <p:cNvSpPr/>
-          <p:nvPr/>
-        </p:nvSpPr>
-        <p:spPr>
-          <a:xfrm>
-            <a:off x="5843520" y="2849040"/>
-            <a:ext cx="7867080" cy="6120"/>
-          </a:xfrm>
-          <a:prstGeom prst="line">
-            <a:avLst/>
-          </a:prstGeom>
-          <a:ln w="18360">
-            <a:noFill/>
-          </a:ln>
-        </p:spPr>
-        <p:style>
-          <a:lnRef idx="0">
-            <a:scrgbClr r="0" g="0" b="0"/>
-          </a:lnRef>
-          <a:fillRef idx="0">
-            <a:scrgbClr r="0" g="0" b="0"/>
-          </a:fillRef>
-          <a:effectRef idx="0">
-            <a:scrgbClr r="0" g="0" b="0"/>
-          </a:effectRef>
-          <a:fontRef idx="minor"/>
-        </p:style>
-      </p:sp>
-      <p:pic>
-        <p:nvPicPr>
-          <p:cNvPr id="468" name="Imagen 274_3"/>
-          <p:cNvPicPr/>
-          <p:nvPr/>
-        </p:nvPicPr>
-        <p:blipFill>
-          <a:blip r:embed="rId2"/>
-          <a:stretch/>
-        </p:blipFill>
-        <p:spPr>
-          <a:xfrm>
-            <a:off x="914400" y="1794960"/>
-            <a:ext cx="1474200" cy="1130760"/>
-          </a:xfrm>
-          <a:prstGeom prst="rect">
-            <a:avLst/>
-          </a:prstGeom>
-          <a:ln w="0">
-            <a:noFill/>
-          </a:ln>
-        </p:spPr>
-      </p:pic>
-      <p:pic>
-        <p:nvPicPr>
-          <p:cNvPr id="469" name="Imagen 275_3"/>
-          <p:cNvPicPr/>
-          <p:nvPr/>
-        </p:nvPicPr>
-        <p:blipFill>
-          <a:blip r:embed="rId2"/>
-          <a:stretch/>
-        </p:blipFill>
-        <p:spPr>
-          <a:xfrm>
-            <a:off x="2414520" y="2514960"/>
-            <a:ext cx="1461240" cy="1136160"/>
-          </a:xfrm>
-          <a:prstGeom prst="rect">
-            <a:avLst/>
-          </a:prstGeom>
-          <a:ln w="0">
-            <a:noFill/>
-          </a:ln>
-        </p:spPr>
-      </p:pic>
-      <p:pic>
-        <p:nvPicPr>
-          <p:cNvPr id="470" name="Imagen 276_2"/>
-          <p:cNvPicPr/>
-          <p:nvPr/>
-        </p:nvPicPr>
-        <p:blipFill>
-          <a:blip r:embed="rId3"/>
-          <a:stretch/>
-        </p:blipFill>
-        <p:spPr>
-          <a:xfrm>
-            <a:off x="4794480" y="4530600"/>
-            <a:ext cx="1474200" cy="1130760"/>
-          </a:xfrm>
-          <a:prstGeom prst="rect">
-            <a:avLst/>
-          </a:prstGeom>
-          <a:ln w="0">
-            <a:noFill/>
-          </a:ln>
-        </p:spPr>
-      </p:pic>
-      <p:pic>
-        <p:nvPicPr>
-          <p:cNvPr id="471" name="Imagen 277_2"/>
-          <p:cNvPicPr/>
-          <p:nvPr/>
-        </p:nvPicPr>
-        <p:blipFill>
-          <a:blip r:embed="rId3"/>
-          <a:stretch/>
-        </p:blipFill>
-        <p:spPr>
-          <a:xfrm>
-            <a:off x="5367240" y="5021280"/>
-            <a:ext cx="1462320" cy="1136160"/>
-          </a:xfrm>
-          <a:prstGeom prst="rect">
-            <a:avLst/>
-          </a:prstGeom>
-          <a:ln w="0">
-            <a:noFill/>
-          </a:ln>
-        </p:spPr>
-      </p:pic>
-      <p:sp>
-        <p:nvSpPr>
-          <p:cNvPr id="472" name="Line 8_6"/>
-          <p:cNvSpPr/>
-          <p:nvPr/>
-        </p:nvSpPr>
-        <p:spPr>
-          <a:xfrm>
-            <a:off x="3615840" y="1812600"/>
-            <a:ext cx="2297880" cy="1704240"/>
-          </a:xfrm>
-          <a:prstGeom prst="line">
-            <a:avLst/>
-          </a:prstGeom>
-          <a:ln w="73080">
-            <a:noFill/>
-          </a:ln>
-        </p:spPr>
-        <p:style>
-          <a:lnRef idx="0">
-            <a:scrgbClr r="0" g="0" b="0"/>
-          </a:lnRef>
-          <a:fillRef idx="0">
-            <a:scrgbClr r="0" g="0" b="0"/>
-          </a:fillRef>
-          <a:effectRef idx="0">
-            <a:scrgbClr r="0" g="0" b="0"/>
-          </a:effectRef>
-          <a:fontRef idx="minor"/>
-        </p:style>
-      </p:sp>
-      <p:sp>
-        <p:nvSpPr>
-          <p:cNvPr id="473" name="CustomShape 11_9"/>
-          <p:cNvSpPr/>
-          <p:nvPr/>
-        </p:nvSpPr>
-        <p:spPr>
-          <a:xfrm>
-            <a:off x="2712600" y="2719800"/>
-            <a:ext cx="673200" cy="563040"/>
-          </a:xfrm>
-          <a:prstGeom prst="rect">
-            <a:avLst/>
-          </a:prstGeom>
-          <a:solidFill>
-            <a:srgbClr val="EEEEEE"/>
-          </a:solidFill>
-          <a:ln w="36720">
-            <a:noFill/>
-          </a:ln>
-        </p:spPr>
-        <p:style>
-          <a:lnRef idx="0">
-            <a:scrgbClr r="0" g="0" b="0"/>
-          </a:lnRef>
-          <a:fillRef idx="0">
-            <a:scrgbClr r="0" g="0" b="0"/>
-          </a:fillRef>
-          <a:effectRef idx="0">
-            <a:scrgbClr r="0" g="0" b="0"/>
-          </a:effectRef>
-          <a:fontRef idx="minor"/>
-        </p:style>
-      </p:sp>
-      <p:sp>
-        <p:nvSpPr>
-          <p:cNvPr id="474" name="CustomShape 12_9"/>
-          <p:cNvSpPr/>
-          <p:nvPr/>
-        </p:nvSpPr>
-        <p:spPr>
-          <a:xfrm>
-            <a:off x="1041120" y="1828080"/>
-            <a:ext cx="1188720" cy="457200"/>
-          </a:xfrm>
-          <a:prstGeom prst="rect">
-            <a:avLst/>
-          </a:prstGeom>
-          <a:solidFill>
-            <a:srgbClr val="EEEEEE"/>
-          </a:solidFill>
-          <a:ln w="36720">
-            <a:noFill/>
+            <a:off x="10107957" y="4120117"/>
+            <a:ext cx="4077800" cy="890402"/>
+          </a:xfrm>
+          <a:custGeom>
+            <a:avLst/>
+            <a:gdLst/>
+            <a:ahLst/>
+            <a:cxnLst/>
+            <a:rect l="0" t="0" r="r" b="b"/>
+            <a:pathLst>
+              <a:path w="13393" h="1780">
+                <a:moveTo>
+                  <a:pt x="296" y="0"/>
+                </a:moveTo>
+                <a:lnTo>
+                  <a:pt x="297" y="0"/>
+                </a:lnTo>
+                <a:cubicBezTo>
+                  <a:pt x="244" y="0"/>
+                  <a:pt x="193" y="14"/>
+                  <a:pt x="148" y="40"/>
+                </a:cubicBezTo>
+                <a:cubicBezTo>
+                  <a:pt x="103" y="66"/>
+                  <a:pt x="66" y="103"/>
+                  <a:pt x="40" y="148"/>
+                </a:cubicBezTo>
+                <a:cubicBezTo>
+                  <a:pt x="14" y="193"/>
+                  <a:pt x="0" y="244"/>
+                  <a:pt x="0" y="297"/>
+                </a:cubicBezTo>
+                <a:lnTo>
+                  <a:pt x="0" y="1482"/>
+                </a:lnTo>
+                <a:lnTo>
+                  <a:pt x="0" y="1483"/>
+                </a:lnTo>
+                <a:cubicBezTo>
+                  <a:pt x="0" y="1535"/>
+                  <a:pt x="14" y="1586"/>
+                  <a:pt x="40" y="1631"/>
+                </a:cubicBezTo>
+                <a:cubicBezTo>
+                  <a:pt x="66" y="1676"/>
+                  <a:pt x="103" y="1713"/>
+                  <a:pt x="148" y="1739"/>
+                </a:cubicBezTo>
+                <a:cubicBezTo>
+                  <a:pt x="193" y="1765"/>
+                  <a:pt x="244" y="1779"/>
+                  <a:pt x="297" y="1779"/>
+                </a:cubicBezTo>
+                <a:lnTo>
+                  <a:pt x="13095" y="1779"/>
+                </a:lnTo>
+                <a:lnTo>
+                  <a:pt x="13096" y="1779"/>
+                </a:lnTo>
+                <a:cubicBezTo>
+                  <a:pt x="13148" y="1779"/>
+                  <a:pt x="13199" y="1765"/>
+                  <a:pt x="13244" y="1739"/>
+                </a:cubicBezTo>
+                <a:cubicBezTo>
+                  <a:pt x="13289" y="1713"/>
+                  <a:pt x="13326" y="1676"/>
+                  <a:pt x="13352" y="1631"/>
+                </a:cubicBezTo>
+                <a:cubicBezTo>
+                  <a:pt x="13378" y="1586"/>
+                  <a:pt x="13392" y="1535"/>
+                  <a:pt x="13392" y="1483"/>
+                </a:cubicBezTo>
+                <a:lnTo>
+                  <a:pt x="13392" y="296"/>
+                </a:lnTo>
+                <a:lnTo>
+                  <a:pt x="13392" y="297"/>
+                </a:lnTo>
+                <a:lnTo>
+                  <a:pt x="13392" y="297"/>
+                </a:lnTo>
+                <a:cubicBezTo>
+                  <a:pt x="13392" y="244"/>
+                  <a:pt x="13378" y="193"/>
+                  <a:pt x="13352" y="148"/>
+                </a:cubicBezTo>
+                <a:cubicBezTo>
+                  <a:pt x="13326" y="103"/>
+                  <a:pt x="13289" y="66"/>
+                  <a:pt x="13244" y="40"/>
+                </a:cubicBezTo>
+                <a:cubicBezTo>
+                  <a:pt x="13199" y="14"/>
+                  <a:pt x="13148" y="0"/>
+                  <a:pt x="13096" y="0"/>
+                </a:cubicBezTo>
+                <a:lnTo>
+                  <a:pt x="296" y="0"/>
+                </a:lnTo>
+              </a:path>
+            </a:pathLst>
+          </a:custGeom>
+          <a:ln w="31750">
+            <a:solidFill>
+              <a:srgbClr val="000000"/>
+            </a:solidFill>
           </a:ln>
         </p:spPr>
         <p:style>
@@ -46023,28 +47449,48 @@
           <a:fontRef idx="minor"/>
         </p:style>
         <p:txBody>
-          <a:bodyPr lIns="87120" tIns="32760" rIns="87120" bIns="32760" anchor="t">
+          <a:bodyPr/>
+          <a:lstStyle/>
+          <a:p>
+            <a:endParaRPr lang="en-DE" sz="2000" dirty="0"/>
+          </a:p>
+        </p:txBody>
+      </p:sp>
+      <p:sp>
+        <p:nvSpPr>
+          <p:cNvPr id="433" name="TextBox 432"/>
+          <p:cNvSpPr txBox="1"/>
+          <p:nvPr/>
+        </p:nvSpPr>
+        <p:spPr>
+          <a:xfrm>
+            <a:off x="11922549" y="11897897"/>
+            <a:ext cx="2583720" cy="346320"/>
+          </a:xfrm>
+          <a:prstGeom prst="rect">
+            <a:avLst/>
+          </a:prstGeom>
+          <a:noFill/>
+          <a:ln w="0">
+            <a:noFill/>
+          </a:ln>
+        </p:spPr>
+        <p:txBody>
+          <a:bodyPr lIns="90000" tIns="45000" rIns="90000" bIns="45000" anchor="t">
             <a:noAutofit/>
           </a:bodyPr>
           <a:lstStyle/>
           <a:p>
             <a:pPr algn="ctr">
-              <a:lnSpc>
-                <a:spcPct val="100000"/>
-              </a:lnSpc>
               <a:buNone/>
             </a:pPr>
             <a:r>
-              <a:rPr lang="en-US" sz="1450" b="0" strike="noStrike" spc="-1">
-                <a:solidFill>
-                  <a:srgbClr val="000000"/>
-                </a:solidFill>
+              <a:rPr lang="en-US" sz="1800" b="1" strike="noStrike" spc="-1">
                 <a:latin typeface="Arial"/>
-                <a:ea typeface="DejaVu Sans"/>
               </a:rPr>
-              <a:t>Household Object</a:t>
+              <a:t>PE</a:t>
             </a:r>
-            <a:endParaRPr lang="en-US" sz="1450" b="0" strike="noStrike" spc="-1">
+            <a:endParaRPr lang="en-US" sz="1800" b="0" strike="noStrike" spc="-1">
               <a:latin typeface="Arial"/>
             </a:endParaRPr>
           </a:p>
@@ -46052,23 +47498,22 @@
       </p:sp>
       <p:sp>
         <p:nvSpPr>
-          <p:cNvPr id="475" name="CustomShape 13_8"/>
+          <p:cNvPr id="449" name="Straight Connector 448"/>
           <p:cNvSpPr/>
           <p:nvPr/>
         </p:nvSpPr>
         <p:spPr>
           <a:xfrm>
-            <a:off x="5450400" y="5123520"/>
-            <a:ext cx="400680" cy="334080"/>
-          </a:xfrm>
-          <a:prstGeom prst="rect">
-            <a:avLst/>
-          </a:prstGeom>
-          <a:solidFill>
-            <a:srgbClr val="EEEEEE"/>
-          </a:solidFill>
-          <a:ln w="36720">
-            <a:noFill/>
+            <a:off x="11493069" y="12524297"/>
+            <a:ext cx="0" cy="2008800"/>
+          </a:xfrm>
+          <a:prstGeom prst="line">
+            <a:avLst/>
+          </a:prstGeom>
+          <a:ln w="0">
+            <a:solidFill>
+              <a:srgbClr val="000000"/>
+            </a:solidFill>
           </a:ln>
         </p:spPr>
         <p:style>
@@ -46086,23 +47531,22 @@
       </p:sp>
       <p:sp>
         <p:nvSpPr>
-          <p:cNvPr id="476" name="CustomShape 14_8"/>
+          <p:cNvPr id="450" name="Straight Connector 449"/>
           <p:cNvSpPr/>
           <p:nvPr/>
         </p:nvSpPr>
         <p:spPr>
-          <a:xfrm>
-            <a:off x="4902840" y="4665240"/>
-            <a:ext cx="400680" cy="335160"/>
-          </a:xfrm>
-          <a:prstGeom prst="rect">
-            <a:avLst/>
-          </a:prstGeom>
-          <a:solidFill>
-            <a:srgbClr val="EEEEEE"/>
-          </a:solidFill>
-          <a:ln w="36720">
-            <a:noFill/>
+          <a:xfrm flipH="1">
+            <a:off x="11493069" y="14535257"/>
+            <a:ext cx="3545640" cy="0"/>
+          </a:xfrm>
+          <a:prstGeom prst="line">
+            <a:avLst/>
+          </a:prstGeom>
+          <a:ln w="0">
+            <a:solidFill>
+              <a:srgbClr val="000000"/>
+            </a:solidFill>
           </a:ln>
         </p:spPr>
         <p:style>
@@ -46117,29 +47561,39 @@
           </a:effectRef>
           <a:fontRef idx="minor"/>
         </p:style>
+      </p:sp>
+      <p:sp>
+        <p:nvSpPr>
+          <p:cNvPr id="451" name="TextBox 450"/>
+          <p:cNvSpPr txBox="1"/>
+          <p:nvPr/>
+        </p:nvSpPr>
+        <p:spPr>
+          <a:xfrm rot="16232400">
+            <a:off x="11098509" y="13088057"/>
+            <a:ext cx="832680" cy="814680"/>
+          </a:xfrm>
+          <a:prstGeom prst="rect">
+            <a:avLst/>
+          </a:prstGeom>
+          <a:noFill/>
+          <a:ln w="0">
+            <a:noFill/>
+          </a:ln>
+        </p:spPr>
         <p:txBody>
-          <a:bodyPr lIns="87120" tIns="32760" rIns="87120" bIns="32760" anchor="t">
+          <a:bodyPr lIns="90000" tIns="45000" rIns="90000" bIns="45000" anchor="t">
             <a:noAutofit/>
           </a:bodyPr>
           <a:lstStyle/>
           <a:p>
-            <a:pPr algn="ctr">
-              <a:lnSpc>
-                <a:spcPct val="100000"/>
-              </a:lnSpc>
-              <a:buNone/>
-            </a:pPr>
             <a:r>
-              <a:rPr lang="en-US" sz="1450" b="0" strike="noStrike" spc="-1">
-                <a:solidFill>
-                  <a:srgbClr val="000000"/>
-                </a:solidFill>
+              <a:rPr lang="en-US" sz="1800" b="1" strike="noStrike" spc="-1">
                 <a:latin typeface="Arial"/>
-                <a:ea typeface="DejaVu Sans"/>
               </a:rPr>
-              <a:t>?</a:t>
+              <a:t>p(Hit)</a:t>
             </a:r>
-            <a:endParaRPr lang="en-US" sz="1450" b="0" strike="noStrike" spc="-1">
+            <a:endParaRPr lang="en-US" sz="1800" b="0" strike="noStrike" spc="-1">
               <a:latin typeface="Arial"/>
             </a:endParaRPr>
           </a:p>
@@ -46147,41 +47601,19 @@
       </p:sp>
       <p:pic>
         <p:nvPicPr>
-          <p:cNvPr id="477" name="Imagen 286_2"/>
+          <p:cNvPr id="453" name="Picture 452"/>
           <p:cNvPicPr/>
           <p:nvPr/>
         </p:nvPicPr>
         <p:blipFill>
-          <a:blip r:embed="rId4"/>
+          <a:blip r:embed="rId3"/>
+          <a:srcRect l="38593" t="27069" r="16398" b="24703"/>
           <a:stretch/>
         </p:blipFill>
         <p:spPr>
-          <a:xfrm>
-            <a:off x="5529960" y="5195160"/>
-            <a:ext cx="240120" cy="212400"/>
-          </a:xfrm>
-          <a:prstGeom prst="rect">
-            <a:avLst/>
-          </a:prstGeom>
-          <a:ln w="0">
-            <a:noFill/>
-          </a:ln>
-        </p:spPr>
-      </p:pic>
-      <p:pic>
-        <p:nvPicPr>
-          <p:cNvPr id="478" name="Imagen 287_2"/>
-          <p:cNvPicPr/>
-          <p:nvPr/>
-        </p:nvPicPr>
-        <p:blipFill>
-          <a:blip r:embed="rId5"/>
-          <a:stretch/>
-        </p:blipFill>
-        <p:spPr>
-          <a:xfrm>
-            <a:off x="2787840" y="2787120"/>
-            <a:ext cx="537120" cy="472680"/>
+          <a:xfrm rot="5784737">
+            <a:off x="13590069" y="13011737"/>
+            <a:ext cx="1360440" cy="1465560"/>
           </a:xfrm>
           <a:prstGeom prst="rect">
             <a:avLst/>
@@ -46193,45 +47625,62 @@
       </p:pic>
       <p:sp>
         <p:nvSpPr>
-          <p:cNvPr id="479" name="CustomShape 18_8"/>
-          <p:cNvSpPr/>
+          <p:cNvPr id="454" name="TextBox 453"/>
+          <p:cNvSpPr txBox="1"/>
           <p:nvPr/>
         </p:nvSpPr>
         <p:spPr>
           <a:xfrm>
-            <a:off x="1828800" y="914040"/>
-            <a:ext cx="3949560" cy="420840"/>
-          </a:xfrm>
-          <a:custGeom>
-            <a:avLst/>
-            <a:gdLst/>
-            <a:ahLst/>
-            <a:cxnLst/>
-            <a:rect l="l" t="t" r="r" b="b"/>
-            <a:pathLst>
-              <a:path w="21600" h="21600">
-                <a:moveTo>
-                  <a:pt x="0" y="0"/>
-                </a:moveTo>
-                <a:lnTo>
-                  <a:pt x="21600" y="0"/>
-                </a:lnTo>
-                <a:lnTo>
-                  <a:pt x="21600" y="21600"/>
-                </a:lnTo>
-                <a:lnTo>
-                  <a:pt x="0" y="21600"/>
-                </a:lnTo>
-                <a:lnTo>
-                  <a:pt x="0" y="0"/>
-                </a:lnTo>
-                <a:close/>
-              </a:path>
-            </a:pathLst>
-          </a:custGeom>
+            <a:off x="11965029" y="14799137"/>
+            <a:ext cx="2583720" cy="346320"/>
+          </a:xfrm>
+          <a:prstGeom prst="rect">
+            <a:avLst/>
+          </a:prstGeom>
           <a:noFill/>
           <a:ln w="0">
             <a:noFill/>
+          </a:ln>
+        </p:spPr>
+        <p:txBody>
+          <a:bodyPr lIns="90000" tIns="45000" rIns="90000" bIns="45000" anchor="t">
+            <a:noAutofit/>
+          </a:bodyPr>
+          <a:lstStyle/>
+          <a:p>
+            <a:pPr algn="ctr">
+              <a:buNone/>
+            </a:pPr>
+            <a:r>
+              <a:rPr lang="en-US" sz="1800" b="1" strike="noStrike" spc="-1">
+                <a:latin typeface="Arial"/>
+              </a:rPr>
+              <a:t>PE</a:t>
+            </a:r>
+            <a:endParaRPr lang="en-US" sz="1800" b="0" strike="noStrike" spc="-1">
+              <a:latin typeface="Arial"/>
+            </a:endParaRPr>
+          </a:p>
+        </p:txBody>
+      </p:sp>
+      <p:sp>
+        <p:nvSpPr>
+          <p:cNvPr id="455" name="Straight Connector 454"/>
+          <p:cNvSpPr/>
+          <p:nvPr/>
+        </p:nvSpPr>
+        <p:spPr>
+          <a:xfrm>
+            <a:off x="13213869" y="12524297"/>
+            <a:ext cx="0" cy="2010960"/>
+          </a:xfrm>
+          <a:prstGeom prst="line">
+            <a:avLst/>
+          </a:prstGeom>
+          <a:ln w="0">
+            <a:solidFill>
+              <a:srgbClr val="000000"/>
+            </a:solidFill>
           </a:ln>
         </p:spPr>
         <p:style>
@@ -46249,48 +47698,14 @@
       </p:sp>
       <p:sp>
         <p:nvSpPr>
-          <p:cNvPr id="480" name="Rectangle 479"/>
-          <p:cNvSpPr/>
+          <p:cNvPr id="456" name="TextBox 455"/>
+          <p:cNvSpPr txBox="1"/>
           <p:nvPr/>
         </p:nvSpPr>
         <p:spPr>
           <a:xfrm>
-            <a:off x="914400" y="1371240"/>
-            <a:ext cx="1463040" cy="2011320"/>
-          </a:xfrm>
-          <a:prstGeom prst="rect">
-            <a:avLst/>
-          </a:prstGeom>
-          <a:noFill/>
-          <a:ln w="0">
-            <a:solidFill>
-              <a:srgbClr val="3465A4"/>
-            </a:solidFill>
-          </a:ln>
-        </p:spPr>
-        <p:style>
-          <a:lnRef idx="0">
-            <a:scrgbClr r="0" g="0" b="0"/>
-          </a:lnRef>
-          <a:fillRef idx="0">
-            <a:scrgbClr r="0" g="0" b="0"/>
-          </a:fillRef>
-          <a:effectRef idx="0">
-            <a:scrgbClr r="0" g="0" b="0"/>
-          </a:effectRef>
-          <a:fontRef idx="minor"/>
-        </p:style>
-      </p:sp>
-      <p:sp>
-        <p:nvSpPr>
-          <p:cNvPr id="481" name="TextBox 480"/>
-          <p:cNvSpPr txBox="1"/>
-          <p:nvPr/>
-        </p:nvSpPr>
-        <p:spPr>
-          <a:xfrm>
-            <a:off x="1645920" y="289800"/>
-            <a:ext cx="2178360" cy="899640"/>
+            <a:off x="11877549" y="12457337"/>
+            <a:ext cx="1089360" cy="602280"/>
           </a:xfrm>
           <a:prstGeom prst="rect">
             <a:avLst/>
@@ -46307,16 +47722,15 @@
           <a:lstStyle/>
           <a:p>
             <a:r>
-              <a:rPr lang="en-US" sz="1820" b="1" strike="noStrike" spc="-1">
-                <a:solidFill>
-                  <a:srgbClr val="000000"/>
-                </a:solidFill>
+              <a:rPr lang="en-US" sz="1800" b="0" strike="noStrike" spc="-1">
+                <a:highlight>
+                  <a:srgbClr val="FFFFFF"/>
+                </a:highlight>
                 <a:latin typeface="Arial"/>
-                <a:ea typeface="DejaVu Sans"/>
               </a:rPr>
-              <a:t>Phase2. Encoding</a:t>
+              <a:t>Incorrect</a:t>
             </a:r>
-            <a:endParaRPr lang="en-US" sz="1820" b="0" strike="noStrike" spc="-1">
+            <a:endParaRPr lang="en-US" sz="1800" b="0" strike="noStrike" spc="-1">
               <a:latin typeface="Arial"/>
             </a:endParaRPr>
           </a:p>
@@ -46324,14 +47738,94 @@
       </p:sp>
       <p:sp>
         <p:nvSpPr>
-          <p:cNvPr id="482" name="TextBox 481"/>
+          <p:cNvPr id="457" name="TextBox 456"/>
           <p:cNvSpPr txBox="1"/>
           <p:nvPr/>
         </p:nvSpPr>
         <p:spPr>
           <a:xfrm>
-            <a:off x="1096560" y="914040"/>
-            <a:ext cx="1280160" cy="890280"/>
+            <a:off x="13634709" y="12468137"/>
+            <a:ext cx="1161000" cy="602280"/>
+          </a:xfrm>
+          <a:prstGeom prst="rect">
+            <a:avLst/>
+          </a:prstGeom>
+          <a:noFill/>
+          <a:ln w="0">
+            <a:noFill/>
+          </a:ln>
+        </p:spPr>
+        <p:txBody>
+          <a:bodyPr lIns="90000" tIns="45000" rIns="90000" bIns="45000" anchor="t">
+            <a:noAutofit/>
+          </a:bodyPr>
+          <a:lstStyle/>
+          <a:p>
+            <a:r>
+              <a:rPr lang="en-US" sz="1800" b="0" strike="noStrike" spc="-1">
+                <a:highlight>
+                  <a:srgbClr val="FFFFFF"/>
+                </a:highlight>
+                <a:latin typeface="Arial"/>
+              </a:rPr>
+              <a:t>Correct</a:t>
+            </a:r>
+            <a:endParaRPr lang="en-US" sz="1800" b="0" strike="noStrike" spc="-1">
+              <a:latin typeface="Arial"/>
+            </a:endParaRPr>
+          </a:p>
+        </p:txBody>
+      </p:sp>
+      <p:sp>
+        <p:nvSpPr>
+          <p:cNvPr id="458" name="TextBox 457"/>
+          <p:cNvSpPr txBox="1"/>
+          <p:nvPr/>
+        </p:nvSpPr>
+        <p:spPr>
+          <a:xfrm>
+            <a:off x="12012549" y="12238817"/>
+            <a:ext cx="2583720" cy="346320"/>
+          </a:xfrm>
+          <a:prstGeom prst="rect">
+            <a:avLst/>
+          </a:prstGeom>
+          <a:noFill/>
+          <a:ln w="0">
+            <a:noFill/>
+          </a:ln>
+        </p:spPr>
+        <p:txBody>
+          <a:bodyPr lIns="90000" tIns="45000" rIns="90000" bIns="45000" anchor="t">
+            <a:noAutofit/>
+          </a:bodyPr>
+          <a:lstStyle/>
+          <a:p>
+            <a:pPr algn="ctr">
+              <a:buNone/>
+            </a:pPr>
+            <a:r>
+              <a:rPr lang="en-US" sz="1800" b="1" strike="noStrike" spc="-1" dirty="0">
+                <a:latin typeface="Arial"/>
+              </a:rPr>
+              <a:t>Prediction Outcome</a:t>
+            </a:r>
+            <a:endParaRPr lang="en-US" sz="1800" b="0" strike="noStrike" spc="-1" dirty="0">
+              <a:latin typeface="Arial"/>
+            </a:endParaRPr>
+          </a:p>
+        </p:txBody>
+      </p:sp>
+      <p:sp>
+        <p:nvSpPr>
+          <p:cNvPr id="459" name="TextBox 458"/>
+          <p:cNvSpPr txBox="1"/>
+          <p:nvPr/>
+        </p:nvSpPr>
+        <p:spPr>
+          <a:xfrm>
+            <a:off x="11471469" y="14584217"/>
+            <a:ext cx="2736720" cy="602280"/>
           </a:xfrm>
           <a:prstGeom prst="rect">
             <a:avLst/>
@@ -46351,21 +47845,21 @@
               <a:rPr lang="en-US" sz="1800" b="0" strike="noStrike" spc="-1">
                 <a:latin typeface="Arial"/>
               </a:rPr>
-              <a:t>Prediction</a:t>
+              <a:t>0			 1</a:t>
             </a:r>
           </a:p>
         </p:txBody>
       </p:sp>
       <p:sp>
         <p:nvSpPr>
-          <p:cNvPr id="483" name="TextBox 482"/>
+          <p:cNvPr id="460" name="TextBox 459"/>
           <p:cNvSpPr txBox="1"/>
           <p:nvPr/>
         </p:nvSpPr>
         <p:spPr>
           <a:xfrm>
-            <a:off x="2648160" y="914040"/>
-            <a:ext cx="1280160" cy="890280"/>
+            <a:off x="13225029" y="14584217"/>
+            <a:ext cx="3177720" cy="602280"/>
           </a:xfrm>
           <a:prstGeom prst="rect">
             <a:avLst/>
@@ -46385,276 +47879,29 @@
               <a:rPr lang="en-US" sz="1800" b="0" strike="noStrike" spc="-1">
                 <a:latin typeface="Arial"/>
               </a:rPr>
-              <a:t>Object</a:t>
+              <a:t>0			   1</a:t>
             </a:r>
           </a:p>
         </p:txBody>
       </p:sp>
       <p:sp>
         <p:nvSpPr>
-          <p:cNvPr id="484" name="Rectangle 483"/>
+          <p:cNvPr id="461" name="Straight Connector 460"/>
           <p:cNvSpPr/>
           <p:nvPr/>
         </p:nvSpPr>
         <p:spPr>
-          <a:xfrm>
-            <a:off x="2413440" y="1371240"/>
-            <a:ext cx="1463040" cy="2479680"/>
-          </a:xfrm>
-          <a:prstGeom prst="rect">
-            <a:avLst/>
-          </a:prstGeom>
-          <a:noFill/>
+          <a:xfrm flipH="1">
+            <a:off x="11493069" y="12760817"/>
+            <a:ext cx="3545640" cy="0"/>
+          </a:xfrm>
+          <a:prstGeom prst="line">
+            <a:avLst/>
+          </a:prstGeom>
           <a:ln w="0">
             <a:solidFill>
-              <a:srgbClr val="3465A4"/>
+              <a:srgbClr val="000000"/>
             </a:solidFill>
-          </a:ln>
-        </p:spPr>
-        <p:style>
-          <a:lnRef idx="0">
-            <a:scrgbClr r="0" g="0" b="0"/>
-          </a:lnRef>
-          <a:fillRef idx="0">
-            <a:scrgbClr r="0" g="0" b="0"/>
-          </a:fillRef>
-          <a:effectRef idx="0">
-            <a:scrgbClr r="0" g="0" b="0"/>
-          </a:effectRef>
-          <a:fontRef idx="minor"/>
-        </p:style>
-      </p:sp>
-      <mc:AlternateContent xmlns:mc="http://schemas.openxmlformats.org/markup-compatibility/2006" xmlns:a14="http://schemas.microsoft.com/office/drawing/2010/main">
-        <mc:Choice Requires="a14">
-          <p:sp>
-            <p:nvSpPr>
-              <p:cNvPr id="485" name="TextBox 484"/>
-              <p:cNvSpPr txBox="1"/>
-              <p:nvPr/>
-            </p:nvSpPr>
-            <p:spPr>
-              <a:xfrm>
-                <a:off x="3958200" y="1828080"/>
-                <a:ext cx="2487600" cy="211680"/>
-              </a:xfrm>
-              <a:prstGeom prst="rect">
-                <a:avLst/>
-              </a:prstGeom>
-            </p:spPr>
-            <p:txBody>
-              <a:bodyPr/>
-              <a:lstStyle/>
-              <a:p>
-                <a:pPr/>
-                <a14:m>
-                  <m:oMathPara xmlns:m="http://schemas.openxmlformats.org/officeDocument/2006/math">
-                    <m:oMathParaPr>
-                      <m:jc m:val="centerGroup"/>
-                    </m:oMathParaPr>
-                    <m:oMath xmlns:m="http://schemas.openxmlformats.org/officeDocument/2006/math">
-                      <m:r>
-                        <a:rPr>
-                          <a:latin typeface="Cambria Math" panose="02040503050406030204" pitchFamily="18" charset="0"/>
-                        </a:rPr>
-                        <m:t>𝑃𝐸</m:t>
-                      </m:r>
-                      <m:r>
-                        <a:rPr>
-                          <a:latin typeface="Cambria Math" panose="02040503050406030204" pitchFamily="18" charset="0"/>
-                        </a:rPr>
-                        <m:t>=1−</m:t>
-                      </m:r>
-                      <m:sSubSup>
-                        <m:sSubSupPr>
-                          <m:ctrlPr>
-                            <a:rPr i="1">
-                              <a:latin typeface="Cambria Math" panose="02040503050406030204" pitchFamily="18" charset="0"/>
-                            </a:rPr>
-                          </m:ctrlPr>
-                        </m:sSubSupPr>
-                        <m:e>
-                          <m:r>
-                            <a:rPr>
-                              <a:latin typeface="Cambria Math" panose="02040503050406030204" pitchFamily="18" charset="0"/>
-                            </a:rPr>
-                            <m:t>𝑄</m:t>
-                          </m:r>
-                        </m:e>
-                        <m:sub>
-                          <m:r>
-                            <a:rPr>
-                              <a:latin typeface="Cambria Math" panose="02040503050406030204" pitchFamily="18" charset="0"/>
-                            </a:rPr>
-                            <m:t>𝑡</m:t>
-                          </m:r>
-                        </m:sub>
-                        <m:sup>
-                          <m:r>
-                            <a:rPr>
-                              <a:latin typeface="Cambria Math" panose="02040503050406030204" pitchFamily="18" charset="0"/>
-                            </a:rPr>
-                            <m:t>𝑀𝑢𝑠𝑖𝑐𝑎𝑙𝐼𝑛𝑠𝑡𝑟𝑢𝑚𝑒𝑛𝑡𝑠</m:t>
-                          </m:r>
-                        </m:sup>
-                      </m:sSubSup>
-                      <m:r>
-                        <a:rPr>
-                          <a:latin typeface="Cambria Math" panose="02040503050406030204" pitchFamily="18" charset="0"/>
-                        </a:rPr>
-                        <m:t>=1−0.70=0.30</m:t>
-                      </m:r>
-                    </m:oMath>
-                  </m:oMathPara>
-                </a14:m>
-                <a:endParaRPr/>
-              </a:p>
-            </p:txBody>
-          </p:sp>
-        </mc:Choice>
-        <mc:Fallback xmlns:p15="http://schemas.microsoft.com/office/powerpoint/2012/main" xmlns:p14="http://schemas.microsoft.com/office/powerpoint/2010/main" xmlns=""/>
-      </mc:AlternateContent>
-      <mc:AlternateContent xmlns:mc="http://schemas.openxmlformats.org/markup-compatibility/2006" xmlns:a14="http://schemas.microsoft.com/office/drawing/2010/main">
-        <mc:Choice Requires="a14">
-          <p:sp>
-            <p:nvSpPr>
-              <p:cNvPr id="486" name="TextBox 485"/>
-              <p:cNvSpPr txBox="1"/>
-              <p:nvPr/>
-            </p:nvSpPr>
-            <p:spPr>
-              <a:xfrm>
-                <a:off x="1005120" y="3233880"/>
-                <a:ext cx="1343880" cy="211680"/>
-              </a:xfrm>
-              <a:prstGeom prst="rect">
-                <a:avLst/>
-              </a:prstGeom>
-            </p:spPr>
-            <p:txBody>
-              <a:bodyPr/>
-              <a:lstStyle/>
-              <a:p>
-                <a:pPr/>
-                <a14:m>
-                  <m:oMathPara xmlns:m="http://schemas.openxmlformats.org/officeDocument/2006/math">
-                    <m:oMathParaPr>
-                      <m:jc m:val="centerGroup"/>
-                    </m:oMathParaPr>
-                    <m:oMath xmlns:m="http://schemas.openxmlformats.org/officeDocument/2006/math">
-                      <m:sSubSup>
-                        <m:sSubSupPr>
-                          <m:ctrlPr>
-                            <a:rPr i="1">
-                              <a:latin typeface="Cambria Math" panose="02040503050406030204" pitchFamily="18" charset="0"/>
-                            </a:rPr>
-                          </m:ctrlPr>
-                        </m:sSubSupPr>
-                        <m:e>
-                          <m:r>
-                            <a:rPr>
-                              <a:latin typeface="Cambria Math" panose="02040503050406030204" pitchFamily="18" charset="0"/>
-                            </a:rPr>
-                            <m:t>𝑄</m:t>
-                          </m:r>
-                        </m:e>
-                        <m:sub>
-                          <m:r>
-                            <a:rPr>
-                              <a:latin typeface="Cambria Math" panose="02040503050406030204" pitchFamily="18" charset="0"/>
-                            </a:rPr>
-                            <m:t>𝑡</m:t>
-                          </m:r>
-                        </m:sub>
-                        <m:sup>
-                          <m:r>
-                            <a:rPr>
-                              <a:latin typeface="Cambria Math" panose="02040503050406030204" pitchFamily="18" charset="0"/>
-                            </a:rPr>
-                            <m:t>𝑀𝑢𝑠𝑖𝑐𝑎𝑙𝐼𝑛𝑠𝑡𝑟𝑢𝑚𝑒𝑛𝑡𝑠</m:t>
-                          </m:r>
-                        </m:sup>
-                      </m:sSubSup>
-                      <m:r>
-                        <a:rPr>
-                          <a:latin typeface="Cambria Math" panose="02040503050406030204" pitchFamily="18" charset="0"/>
-                        </a:rPr>
-                        <m:t>=0.70</m:t>
-                      </m:r>
-                    </m:oMath>
-                  </m:oMathPara>
-                </a14:m>
-                <a:endParaRPr/>
-              </a:p>
-            </p:txBody>
-          </p:sp>
-        </mc:Choice>
-        <mc:Fallback xmlns:p15="http://schemas.microsoft.com/office/powerpoint/2012/main" xmlns:p14="http://schemas.microsoft.com/office/powerpoint/2010/main" xmlns=""/>
-      </mc:AlternateContent>
-      <p:pic>
-        <p:nvPicPr>
-          <p:cNvPr id="487" name="Imagen 274_4"/>
-          <p:cNvPicPr/>
-          <p:nvPr/>
-        </p:nvPicPr>
-        <p:blipFill>
-          <a:blip r:embed="rId2"/>
-          <a:stretch/>
-        </p:blipFill>
-        <p:spPr>
-          <a:xfrm>
-            <a:off x="914400" y="4675320"/>
-            <a:ext cx="1474200" cy="1130760"/>
-          </a:xfrm>
-          <a:prstGeom prst="rect">
-            <a:avLst/>
-          </a:prstGeom>
-          <a:ln w="0">
-            <a:noFill/>
-          </a:ln>
-        </p:spPr>
-      </p:pic>
-      <p:pic>
-        <p:nvPicPr>
-          <p:cNvPr id="488" name="Imagen 275_4"/>
-          <p:cNvPicPr/>
-          <p:nvPr/>
-        </p:nvPicPr>
-        <p:blipFill>
-          <a:blip r:embed="rId2"/>
-          <a:stretch/>
-        </p:blipFill>
-        <p:spPr>
-          <a:xfrm>
-            <a:off x="2414520" y="1241280"/>
-            <a:ext cx="1461240" cy="1136160"/>
-          </a:xfrm>
-          <a:prstGeom prst="rect">
-            <a:avLst/>
-          </a:prstGeom>
-          <a:ln w="0">
-            <a:noFill/>
-          </a:ln>
-        </p:spPr>
-      </p:pic>
-      <p:sp>
-        <p:nvSpPr>
-          <p:cNvPr id="489" name="CustomShape 11_10"/>
-          <p:cNvSpPr/>
-          <p:nvPr/>
-        </p:nvSpPr>
-        <p:spPr>
-          <a:xfrm>
-            <a:off x="2712600" y="1445400"/>
-            <a:ext cx="673200" cy="563040"/>
-          </a:xfrm>
-          <a:prstGeom prst="rect">
-            <a:avLst/>
-          </a:prstGeom>
-          <a:solidFill>
-            <a:srgbClr val="EEEEEE"/>
-          </a:solidFill>
-          <a:ln w="36720">
-            <a:noFill/>
           </a:ln>
         </p:spPr>
         <p:style>
@@ -46672,83 +47919,21 @@
       </p:sp>
       <p:sp>
         <p:nvSpPr>
-          <p:cNvPr id="490" name="CustomShape 12_10"/>
+          <p:cNvPr id="462" name="Straight Connector 461"/>
           <p:cNvSpPr/>
           <p:nvPr/>
         </p:nvSpPr>
         <p:spPr>
-          <a:xfrm>
-            <a:off x="1041120" y="4708800"/>
-            <a:ext cx="1188720" cy="457200"/>
-          </a:xfrm>
-          <a:prstGeom prst="rect">
-            <a:avLst/>
-          </a:prstGeom>
-          <a:solidFill>
-            <a:srgbClr val="EEEEEE"/>
-          </a:solidFill>
-          <a:ln w="36720">
-            <a:noFill/>
-          </a:ln>
-        </p:spPr>
-        <p:style>
-          <a:lnRef idx="0">
-            <a:scrgbClr r="0" g="0" b="0"/>
-          </a:lnRef>
-          <a:fillRef idx="0">
-            <a:scrgbClr r="0" g="0" b="0"/>
-          </a:fillRef>
-          <a:effectRef idx="0">
-            <a:scrgbClr r="0" g="0" b="0"/>
-          </a:effectRef>
-          <a:fontRef idx="minor"/>
-        </p:style>
-        <p:txBody>
-          <a:bodyPr lIns="87120" tIns="32760" rIns="87120" bIns="32760" anchor="t">
-            <a:noAutofit/>
-          </a:bodyPr>
-          <a:lstStyle/>
-          <a:p>
-            <a:pPr algn="ctr">
-              <a:lnSpc>
-                <a:spcPct val="100000"/>
-              </a:lnSpc>
-              <a:buNone/>
-            </a:pPr>
-            <a:r>
-              <a:rPr lang="en-US" sz="1450" b="0" strike="noStrike" spc="-1">
-                <a:solidFill>
-                  <a:srgbClr val="000000"/>
-                </a:solidFill>
-                <a:latin typeface="Arial"/>
-                <a:ea typeface="DejaVu Sans"/>
-              </a:rPr>
-              <a:t>Household Object</a:t>
-            </a:r>
-            <a:endParaRPr lang="en-US" sz="1450" b="0" strike="noStrike" spc="-1">
-              <a:latin typeface="Arial"/>
-            </a:endParaRPr>
-          </a:p>
-        </p:txBody>
-      </p:sp>
-      <p:sp>
-        <p:nvSpPr>
-          <p:cNvPr id="491" name="Rectangle 490"/>
-          <p:cNvSpPr/>
-          <p:nvPr/>
-        </p:nvSpPr>
-        <p:spPr>
-          <a:xfrm>
-            <a:off x="914400" y="4251600"/>
-            <a:ext cx="1463040" cy="2011320"/>
-          </a:xfrm>
-          <a:prstGeom prst="rect">
-            <a:avLst/>
-          </a:prstGeom>
-          <a:noFill/>
+          <a:xfrm flipH="1">
+            <a:off x="11493069" y="12524297"/>
+            <a:ext cx="3545640" cy="0"/>
+          </a:xfrm>
+          <a:prstGeom prst="line">
+            <a:avLst/>
+          </a:prstGeom>
           <a:ln w="0">
             <a:solidFill>
-              <a:srgbClr val="3465A4"/>
+              <a:srgbClr val="000000"/>
             </a:solidFill>
           </a:ln>
         </p:spPr>
@@ -46767,22 +47952,21 @@
       </p:sp>
       <p:sp>
         <p:nvSpPr>
-          <p:cNvPr id="492" name="Rectangle 491"/>
+          <p:cNvPr id="463" name="Straight Connector 462"/>
           <p:cNvSpPr/>
           <p:nvPr/>
         </p:nvSpPr>
         <p:spPr>
           <a:xfrm>
-            <a:off x="2413440" y="4251600"/>
-            <a:ext cx="1463040" cy="2011320"/>
-          </a:xfrm>
-          <a:prstGeom prst="rect">
-            <a:avLst/>
-          </a:prstGeom>
-          <a:noFill/>
+            <a:off x="15016749" y="12524297"/>
+            <a:ext cx="0" cy="2010960"/>
+          </a:xfrm>
+          <a:prstGeom prst="line">
+            <a:avLst/>
+          </a:prstGeom>
           <a:ln w="0">
             <a:solidFill>
-              <a:srgbClr val="3465A4"/>
+              <a:srgbClr val="000000"/>
             </a:solidFill>
           </a:ln>
         </p:spPr>
@@ -46799,410 +47983,4380 @@
           <a:fontRef idx="minor"/>
         </p:style>
       </p:sp>
-      <p:pic>
-        <p:nvPicPr>
-          <p:cNvPr id="493" name="Picture 13_1"/>
-          <p:cNvPicPr/>
-          <p:nvPr/>
-        </p:nvPicPr>
-        <p:blipFill>
-          <a:blip r:embed="rId6"/>
-          <a:stretch/>
-        </p:blipFill>
-        <p:spPr>
-          <a:xfrm>
-            <a:off x="2762280" y="1497600"/>
-            <a:ext cx="538560" cy="475200"/>
-          </a:xfrm>
-          <a:prstGeom prst="rect">
-            <a:avLst/>
-          </a:prstGeom>
-          <a:ln w="0">
-            <a:noFill/>
-          </a:ln>
-        </p:spPr>
-      </p:pic>
-      <p:sp>
-        <p:nvSpPr>
-          <p:cNvPr id="494" name="CustomShape 9_2"/>
-          <p:cNvSpPr/>
-          <p:nvPr/>
-        </p:nvSpPr>
-        <p:spPr>
-          <a:xfrm>
-            <a:off x="2799000" y="4388400"/>
-            <a:ext cx="401400" cy="334800"/>
-          </a:xfrm>
-          <a:prstGeom prst="rect">
-            <a:avLst/>
-          </a:prstGeom>
-          <a:solidFill>
-            <a:srgbClr val="EEEEEE"/>
-          </a:solidFill>
-          <a:ln w="36720">
-            <a:noFill/>
-          </a:ln>
-        </p:spPr>
-        <p:style>
-          <a:lnRef idx="0">
-            <a:scrgbClr r="0" g="0" b="0"/>
-          </a:lnRef>
-          <a:fillRef idx="0">
-            <a:scrgbClr r="0" g="0" b="0"/>
-          </a:fillRef>
-          <a:effectRef idx="0">
-            <a:scrgbClr r="0" g="0" b="0"/>
-          </a:effectRef>
-          <a:fontRef idx="minor"/>
-        </p:style>
-        <p:txBody>
-          <a:bodyPr lIns="90000" tIns="45000" rIns="90000" bIns="45000" anchor="t">
-            <a:noAutofit/>
-          </a:bodyPr>
-          <a:lstStyle/>
-          <a:p>
-            <a:r>
-              <a:rPr lang="en-US" sz="1800" b="0" strike="noStrike" spc="-1">
+      <p:grpSp>
+        <p:nvGrpSpPr>
+          <p:cNvPr id="2" name="Group 1">
+            <a:extLst>
+              <a:ext uri="{FF2B5EF4-FFF2-40B4-BE49-F238E27FC236}">
+                <a16:creationId xmlns:a16="http://schemas.microsoft.com/office/drawing/2014/main" id="{A9B4D82A-8B87-1F9E-7BC7-A5BA7B6B727D}"/>
+              </a:ext>
+            </a:extLst>
+          </p:cNvPr>
+          <p:cNvGrpSpPr/>
+          <p:nvPr/>
+        </p:nvGrpSpPr>
+        <p:grpSpPr>
+          <a:xfrm>
+            <a:off x="1252800" y="343633"/>
+            <a:ext cx="15591886" cy="10421490"/>
+            <a:chOff x="1252800" y="343633"/>
+            <a:chExt cx="15591886" cy="10421490"/>
+          </a:xfrm>
+        </p:grpSpPr>
+        <p:sp>
+          <p:nvSpPr>
+            <p:cNvPr id="384" name="Rectangle 383"/>
+            <p:cNvSpPr/>
+            <p:nvPr/>
+          </p:nvSpPr>
+          <p:spPr>
+            <a:xfrm>
+              <a:off x="4761105" y="1500227"/>
+              <a:ext cx="2250988" cy="3837301"/>
+            </a:xfrm>
+            <a:prstGeom prst="rect">
+              <a:avLst/>
+            </a:prstGeom>
+            <a:solidFill>
+              <a:srgbClr val="CC6577">
+                <a:alpha val="50000"/>
+              </a:srgbClr>
+            </a:solidFill>
+            <a:ln w="0">
+              <a:solidFill>
+                <a:srgbClr val="FFFFFF"/>
+              </a:solidFill>
+            </a:ln>
+          </p:spPr>
+          <p:style>
+            <a:lnRef idx="0">
+              <a:scrgbClr r="0" g="0" b="0"/>
+            </a:lnRef>
+            <a:fillRef idx="0">
+              <a:scrgbClr r="0" g="0" b="0"/>
+            </a:fillRef>
+            <a:effectRef idx="0">
+              <a:scrgbClr r="0" g="0" b="0"/>
+            </a:effectRef>
+            <a:fontRef idx="minor"/>
+          </p:style>
+        </p:sp>
+        <p:sp>
+          <p:nvSpPr>
+            <p:cNvPr id="383" name="Rectangle 382"/>
+            <p:cNvSpPr/>
+            <p:nvPr/>
+          </p:nvSpPr>
+          <p:spPr>
+            <a:xfrm>
+              <a:off x="7272841" y="1500227"/>
+              <a:ext cx="2250988" cy="3872492"/>
+            </a:xfrm>
+            <a:prstGeom prst="rect">
+              <a:avLst/>
+            </a:prstGeom>
+            <a:solidFill>
+              <a:srgbClr val="92D050">
+                <a:alpha val="50000"/>
+              </a:srgbClr>
+            </a:solidFill>
+            <a:ln w="0">
+              <a:solidFill>
+                <a:srgbClr val="FFFFFF"/>
+              </a:solidFill>
+            </a:ln>
+          </p:spPr>
+          <p:style>
+            <a:lnRef idx="0">
+              <a:scrgbClr r="0" g="0" b="0"/>
+            </a:lnRef>
+            <a:fillRef idx="0">
+              <a:scrgbClr r="0" g="0" b="0"/>
+            </a:fillRef>
+            <a:effectRef idx="0">
+              <a:scrgbClr r="0" g="0" b="0"/>
+            </a:effectRef>
+            <a:fontRef idx="minor"/>
+          </p:style>
+        </p:sp>
+        <p:sp>
+          <p:nvSpPr>
+            <p:cNvPr id="385" name="Straight Connector 384"/>
+            <p:cNvSpPr/>
+            <p:nvPr/>
+          </p:nvSpPr>
+          <p:spPr>
+            <a:xfrm>
+              <a:off x="1713186" y="3286800"/>
+              <a:ext cx="13027014" cy="4680"/>
+            </a:xfrm>
+            <a:prstGeom prst="line">
+              <a:avLst/>
+            </a:prstGeom>
+            <a:ln w="31750">
+              <a:solidFill>
+                <a:srgbClr val="000000"/>
+              </a:solidFill>
+              <a:round/>
+              <a:tailEnd type="triangle" w="med" len="med"/>
+            </a:ln>
+          </p:spPr>
+          <p:style>
+            <a:lnRef idx="0">
+              <a:scrgbClr r="0" g="0" b="0"/>
+            </a:lnRef>
+            <a:fillRef idx="0">
+              <a:scrgbClr r="0" g="0" b="0"/>
+            </a:fillRef>
+            <a:effectRef idx="0">
+              <a:scrgbClr r="0" g="0" b="0"/>
+            </a:effectRef>
+            <a:fontRef idx="minor"/>
+          </p:style>
+          <p:txBody>
+            <a:bodyPr/>
+            <a:lstStyle/>
+            <a:p>
+              <a:endParaRPr lang="en-DE" sz="2000" dirty="0"/>
+            </a:p>
+          </p:txBody>
+        </p:sp>
+        <p:sp>
+          <p:nvSpPr>
+            <p:cNvPr id="386" name="Rectangle 385"/>
+            <p:cNvSpPr/>
+            <p:nvPr/>
+          </p:nvSpPr>
+          <p:spPr>
+            <a:xfrm>
+              <a:off x="2154923" y="1500227"/>
+              <a:ext cx="2450821" cy="3837301"/>
+            </a:xfrm>
+            <a:prstGeom prst="rect">
+              <a:avLst/>
+            </a:prstGeom>
+            <a:solidFill>
+              <a:srgbClr val="88CCEE">
+                <a:alpha val="50000"/>
+              </a:srgbClr>
+            </a:solidFill>
+            <a:ln w="0">
+              <a:solidFill>
+                <a:srgbClr val="FFFFFF"/>
+              </a:solidFill>
+            </a:ln>
+          </p:spPr>
+          <p:style>
+            <a:lnRef idx="0">
+              <a:scrgbClr r="0" g="0" b="0"/>
+            </a:lnRef>
+            <a:fillRef idx="0">
+              <a:scrgbClr r="0" g="0" b="0"/>
+            </a:fillRef>
+            <a:effectRef idx="0">
+              <a:scrgbClr r="0" g="0" b="0"/>
+            </a:effectRef>
+            <a:fontRef idx="minor"/>
+          </p:style>
+        </p:sp>
+        <p:sp>
+          <p:nvSpPr>
+            <p:cNvPr id="387" name="Line 7_1"/>
+            <p:cNvSpPr/>
+            <p:nvPr/>
+          </p:nvSpPr>
+          <p:spPr>
+            <a:xfrm>
+              <a:off x="7255704" y="3492957"/>
+              <a:ext cx="7867080" cy="8280"/>
+            </a:xfrm>
+            <a:prstGeom prst="line">
+              <a:avLst/>
+            </a:prstGeom>
+            <a:ln w="18360">
+              <a:noFill/>
+            </a:ln>
+          </p:spPr>
+          <p:style>
+            <a:lnRef idx="0">
+              <a:scrgbClr r="0" g="0" b="0"/>
+            </a:lnRef>
+            <a:fillRef idx="0">
+              <a:scrgbClr r="0" g="0" b="0"/>
+            </a:fillRef>
+            <a:effectRef idx="0">
+              <a:scrgbClr r="0" g="0" b="0"/>
+            </a:effectRef>
+            <a:fontRef idx="minor"/>
+          </p:style>
+        </p:sp>
+        <p:sp>
+          <p:nvSpPr>
+            <p:cNvPr id="388" name="Line 8_3"/>
+            <p:cNvSpPr/>
+            <p:nvPr/>
+          </p:nvSpPr>
+          <p:spPr>
+            <a:xfrm>
+              <a:off x="6959880" y="1171440"/>
+              <a:ext cx="7867080" cy="10080"/>
+            </a:xfrm>
+            <a:prstGeom prst="line">
+              <a:avLst/>
+            </a:prstGeom>
+            <a:ln w="18360">
+              <a:noFill/>
+            </a:ln>
+          </p:spPr>
+          <p:style>
+            <a:lnRef idx="0">
+              <a:scrgbClr r="0" g="0" b="0"/>
+            </a:lnRef>
+            <a:fillRef idx="0">
+              <a:scrgbClr r="0" g="0" b="0"/>
+            </a:fillRef>
+            <a:effectRef idx="0">
+              <a:scrgbClr r="0" g="0" b="0"/>
+            </a:effectRef>
+            <a:fontRef idx="minor"/>
+          </p:style>
+        </p:sp>
+        <p:sp>
+          <p:nvSpPr>
+            <p:cNvPr id="389" name="Line 9_1"/>
+            <p:cNvSpPr/>
+            <p:nvPr/>
+          </p:nvSpPr>
+          <p:spPr>
+            <a:xfrm>
+              <a:off x="7093440" y="1722240"/>
+              <a:ext cx="7733880" cy="16920"/>
+            </a:xfrm>
+            <a:prstGeom prst="line">
+              <a:avLst/>
+            </a:prstGeom>
+            <a:ln w="18360">
+              <a:noFill/>
+            </a:ln>
+          </p:spPr>
+          <p:style>
+            <a:lnRef idx="0">
+              <a:scrgbClr r="0" g="0" b="0"/>
+            </a:lnRef>
+            <a:fillRef idx="0">
+              <a:scrgbClr r="0" g="0" b="0"/>
+            </a:fillRef>
+            <a:effectRef idx="0">
+              <a:scrgbClr r="0" g="0" b="0"/>
+            </a:effectRef>
+            <a:fontRef idx="minor"/>
+          </p:style>
+        </p:sp>
+        <p:sp>
+          <p:nvSpPr>
+            <p:cNvPr id="390" name="Line 10_1"/>
+            <p:cNvSpPr/>
+            <p:nvPr/>
+          </p:nvSpPr>
+          <p:spPr>
+            <a:xfrm>
+              <a:off x="6959880" y="2849040"/>
+              <a:ext cx="7867080" cy="6120"/>
+            </a:xfrm>
+            <a:prstGeom prst="line">
+              <a:avLst/>
+            </a:prstGeom>
+            <a:ln w="18360">
+              <a:noFill/>
+            </a:ln>
+          </p:spPr>
+          <p:style>
+            <a:lnRef idx="0">
+              <a:scrgbClr r="0" g="0" b="0"/>
+            </a:lnRef>
+            <a:fillRef idx="0">
+              <a:scrgbClr r="0" g="0" b="0"/>
+            </a:fillRef>
+            <a:effectRef idx="0">
+              <a:scrgbClr r="0" g="0" b="0"/>
+            </a:effectRef>
+            <a:fontRef idx="minor"/>
+          </p:style>
+        </p:sp>
+        <p:pic>
+          <p:nvPicPr>
+            <p:cNvPr id="391" name="Imagen 274_1"/>
+            <p:cNvPicPr/>
+            <p:nvPr/>
+          </p:nvPicPr>
+          <p:blipFill>
+            <a:blip r:embed="rId4"/>
+            <a:stretch/>
+          </p:blipFill>
+          <p:spPr>
+            <a:xfrm>
+              <a:off x="2400365" y="2446241"/>
+              <a:ext cx="2012497" cy="1500120"/>
+            </a:xfrm>
+            <a:prstGeom prst="rect">
+              <a:avLst/>
+            </a:prstGeom>
+            <a:ln w="0">
+              <a:noFill/>
+            </a:ln>
+          </p:spPr>
+        </p:pic>
+        <p:sp>
+          <p:nvSpPr>
+            <p:cNvPr id="393" name="Line 8_4"/>
+            <p:cNvSpPr/>
+            <p:nvPr/>
+          </p:nvSpPr>
+          <p:spPr>
+            <a:xfrm>
+              <a:off x="8223840" y="2676960"/>
+              <a:ext cx="2297880" cy="1704240"/>
+            </a:xfrm>
+            <a:prstGeom prst="line">
+              <a:avLst/>
+            </a:prstGeom>
+            <a:ln w="73080">
+              <a:noFill/>
+            </a:ln>
+          </p:spPr>
+          <p:style>
+            <a:lnRef idx="0">
+              <a:scrgbClr r="0" g="0" b="0"/>
+            </a:lnRef>
+            <a:fillRef idx="0">
+              <a:scrgbClr r="0" g="0" b="0"/>
+            </a:fillRef>
+            <a:effectRef idx="0">
+              <a:scrgbClr r="0" g="0" b="0"/>
+            </a:effectRef>
+            <a:fontRef idx="minor"/>
+          </p:style>
+        </p:sp>
+        <p:sp>
+          <p:nvSpPr>
+            <p:cNvPr id="396" name="CustomShape 18_7"/>
+            <p:cNvSpPr/>
+            <p:nvPr/>
+          </p:nvSpPr>
+          <p:spPr>
+            <a:xfrm>
+              <a:off x="1828800" y="914040"/>
+              <a:ext cx="3949560" cy="420840"/>
+            </a:xfrm>
+            <a:custGeom>
+              <a:avLst/>
+              <a:gdLst/>
+              <a:ahLst/>
+              <a:cxnLst/>
+              <a:rect l="l" t="t" r="r" b="b"/>
+              <a:pathLst>
+                <a:path w="21600" h="21600">
+                  <a:moveTo>
+                    <a:pt x="0" y="0"/>
+                  </a:moveTo>
+                  <a:lnTo>
+                    <a:pt x="21600" y="0"/>
+                  </a:lnTo>
+                  <a:lnTo>
+                    <a:pt x="21600" y="21600"/>
+                  </a:lnTo>
+                  <a:lnTo>
+                    <a:pt x="0" y="21600"/>
+                  </a:lnTo>
+                  <a:lnTo>
+                    <a:pt x="0" y="0"/>
+                  </a:lnTo>
+                  <a:close/>
+                </a:path>
+              </a:pathLst>
+            </a:custGeom>
+            <a:noFill/>
+            <a:ln w="0">
+              <a:noFill/>
+            </a:ln>
+          </p:spPr>
+          <p:style>
+            <a:lnRef idx="0">
+              <a:scrgbClr r="0" g="0" b="0"/>
+            </a:lnRef>
+            <a:fillRef idx="0">
+              <a:scrgbClr r="0" g="0" b="0"/>
+            </a:fillRef>
+            <a:effectRef idx="0">
+              <a:scrgbClr r="0" g="0" b="0"/>
+            </a:effectRef>
+            <a:fontRef idx="minor"/>
+          </p:style>
+        </p:sp>
+        <p:sp>
+          <p:nvSpPr>
+            <p:cNvPr id="397" name="TextBox 396"/>
+            <p:cNvSpPr txBox="1"/>
+            <p:nvPr/>
+          </p:nvSpPr>
+          <p:spPr>
+            <a:xfrm>
+              <a:off x="6524748" y="343633"/>
+              <a:ext cx="3747173" cy="899640"/>
+            </a:xfrm>
+            <a:prstGeom prst="rect">
+              <a:avLst/>
+            </a:prstGeom>
+            <a:noFill/>
+            <a:ln w="0">
+              <a:noFill/>
+            </a:ln>
+          </p:spPr>
+          <p:txBody>
+            <a:bodyPr lIns="90000" tIns="45000" rIns="90000" bIns="45000" anchor="t">
+              <a:noAutofit/>
+            </a:bodyPr>
+            <a:lstStyle/>
+            <a:p>
+              <a:r>
+                <a:rPr lang="en-US" sz="2000" b="1" strike="noStrike" spc="-1" dirty="0">
+                  <a:solidFill>
+                    <a:srgbClr val="000000"/>
+                  </a:solidFill>
+                  <a:latin typeface="Arial"/>
+                  <a:ea typeface="DejaVu Sans"/>
+                </a:rPr>
+                <a:t>Encoding Phase</a:t>
+              </a:r>
+              <a:endParaRPr lang="en-US" sz="2000" b="0" strike="noStrike" spc="-1" dirty="0">
                 <a:latin typeface="Arial"/>
-              </a:rPr>
-              <a:t>#</a:t>
-            </a:r>
-          </a:p>
-        </p:txBody>
-      </p:sp>
-      <mc:AlternateContent xmlns:mc="http://schemas.openxmlformats.org/markup-compatibility/2006" xmlns:a14="http://schemas.microsoft.com/office/drawing/2010/main">
-        <mc:Choice Requires="a14">
-          <p:sp>
-            <p:nvSpPr>
-              <p:cNvPr id="495" name="TextBox 494"/>
-              <p:cNvSpPr txBox="1"/>
-              <p:nvPr/>
-            </p:nvSpPr>
-            <p:spPr>
-              <a:xfrm>
-                <a:off x="2336760" y="6491880"/>
-                <a:ext cx="2417760" cy="211680"/>
-              </a:xfrm>
-              <a:prstGeom prst="rect">
-                <a:avLst/>
-              </a:prstGeom>
-            </p:spPr>
-            <p:txBody>
-              <a:bodyPr/>
-              <a:lstStyle/>
-              <a:p>
-                <a:pPr/>
-                <a14:m>
-                  <m:oMathPara xmlns:m="http://schemas.openxmlformats.org/officeDocument/2006/math">
-                    <m:oMathParaPr>
-                      <m:jc m:val="centerGroup"/>
-                    </m:oMathParaPr>
+              </a:endParaRPr>
+            </a:p>
+          </p:txBody>
+        </p:sp>
+        <p:sp>
+          <p:nvSpPr>
+            <p:cNvPr id="398" name="TextBox 397"/>
+            <p:cNvSpPr txBox="1"/>
+            <p:nvPr/>
+          </p:nvSpPr>
+          <p:spPr>
+            <a:xfrm>
+              <a:off x="2708488" y="1018877"/>
+              <a:ext cx="2142831" cy="637920"/>
+            </a:xfrm>
+            <a:prstGeom prst="rect">
+              <a:avLst/>
+            </a:prstGeom>
+            <a:noFill/>
+            <a:ln w="0">
+              <a:noFill/>
+            </a:ln>
+          </p:spPr>
+          <p:txBody>
+            <a:bodyPr lIns="90000" tIns="45000" rIns="90000" bIns="45000" anchor="t">
+              <a:noAutofit/>
+            </a:bodyPr>
+            <a:lstStyle/>
+            <a:p>
+              <a:r>
+                <a:rPr lang="en-US" sz="2000" b="0" strike="noStrike" spc="-1" dirty="0">
+                  <a:latin typeface="Arial"/>
+                </a:rPr>
+                <a:t>Prediction</a:t>
+              </a:r>
+            </a:p>
+          </p:txBody>
+        </p:sp>
+        <p:sp>
+          <p:nvSpPr>
+            <p:cNvPr id="399" name="TextBox 398"/>
+            <p:cNvSpPr txBox="1"/>
+            <p:nvPr/>
+          </p:nvSpPr>
+          <p:spPr>
+            <a:xfrm>
+              <a:off x="6693920" y="956975"/>
+              <a:ext cx="3509140" cy="602280"/>
+            </a:xfrm>
+            <a:prstGeom prst="rect">
+              <a:avLst/>
+            </a:prstGeom>
+            <a:noFill/>
+            <a:ln w="0">
+              <a:noFill/>
+            </a:ln>
+          </p:spPr>
+          <p:txBody>
+            <a:bodyPr lIns="90000" tIns="45000" rIns="90000" bIns="45000" anchor="t">
+              <a:noAutofit/>
+            </a:bodyPr>
+            <a:lstStyle/>
+            <a:p>
+              <a:pPr algn="ctr">
+                <a:buNone/>
+              </a:pPr>
+              <a:r>
+                <a:rPr lang="en-US" sz="2000" b="0" strike="noStrike" spc="-1" dirty="0">
+                  <a:latin typeface="Arial"/>
+                </a:rPr>
+                <a:t>Prediction Outcome</a:t>
+              </a:r>
+            </a:p>
+          </p:txBody>
+        </p:sp>
+        <p:sp>
+          <p:nvSpPr>
+            <p:cNvPr id="403" name="CustomShape 11_12"/>
+            <p:cNvSpPr/>
+            <p:nvPr/>
+          </p:nvSpPr>
+          <p:spPr>
+            <a:xfrm>
+              <a:off x="3013630" y="2716570"/>
+              <a:ext cx="673200" cy="430560"/>
+            </a:xfrm>
+            <a:prstGeom prst="rect">
+              <a:avLst/>
+            </a:prstGeom>
+            <a:solidFill>
+              <a:srgbClr val="EEEEEE"/>
+            </a:solidFill>
+            <a:ln w="36720">
+              <a:noFill/>
+            </a:ln>
+          </p:spPr>
+          <p:style>
+            <a:lnRef idx="0">
+              <a:scrgbClr r="0" g="0" b="0"/>
+            </a:lnRef>
+            <a:fillRef idx="0">
+              <a:scrgbClr r="0" g="0" b="0"/>
+            </a:fillRef>
+            <a:effectRef idx="0">
+              <a:scrgbClr r="0" g="0" b="0"/>
+            </a:effectRef>
+            <a:fontRef idx="minor"/>
+          </p:style>
+          <p:txBody>
+            <a:bodyPr lIns="90000" tIns="45000" rIns="90000" bIns="45000" anchor="t">
+              <a:noAutofit/>
+            </a:bodyPr>
+            <a:lstStyle/>
+            <a:p>
+              <a:r>
+                <a:rPr lang="en-US" sz="2000" b="0" strike="noStrike" spc="-1" dirty="0">
+                  <a:latin typeface="Arial"/>
+                </a:rPr>
+                <a:t>   ?</a:t>
+              </a:r>
+            </a:p>
+          </p:txBody>
+        </p:sp>
+        <p:sp>
+          <p:nvSpPr>
+            <p:cNvPr id="415" name="Freeform 414"/>
+            <p:cNvSpPr/>
+            <p:nvPr/>
+          </p:nvSpPr>
+          <p:spPr>
+            <a:xfrm>
+              <a:off x="2979289" y="4485387"/>
+              <a:ext cx="3683399" cy="998148"/>
+            </a:xfrm>
+            <a:custGeom>
+              <a:avLst/>
+              <a:gdLst/>
+              <a:ahLst/>
+              <a:cxnLst/>
+              <a:rect l="0" t="0" r="r" b="b"/>
+              <a:pathLst>
+                <a:path w="8332" h="3304">
+                  <a:moveTo>
+                    <a:pt x="550" y="0"/>
+                  </a:moveTo>
+                  <a:lnTo>
+                    <a:pt x="551" y="0"/>
+                  </a:lnTo>
+                  <a:cubicBezTo>
+                    <a:pt x="454" y="0"/>
+                    <a:pt x="359" y="25"/>
+                    <a:pt x="275" y="74"/>
+                  </a:cubicBezTo>
+                  <a:cubicBezTo>
+                    <a:pt x="192" y="122"/>
+                    <a:pt x="122" y="192"/>
+                    <a:pt x="74" y="275"/>
+                  </a:cubicBezTo>
+                  <a:cubicBezTo>
+                    <a:pt x="25" y="359"/>
+                    <a:pt x="0" y="454"/>
+                    <a:pt x="0" y="551"/>
+                  </a:cubicBezTo>
+                  <a:lnTo>
+                    <a:pt x="0" y="2752"/>
+                  </a:lnTo>
+                  <a:lnTo>
+                    <a:pt x="0" y="2753"/>
+                  </a:lnTo>
+                  <a:cubicBezTo>
+                    <a:pt x="0" y="2849"/>
+                    <a:pt x="25" y="2944"/>
+                    <a:pt x="74" y="3028"/>
+                  </a:cubicBezTo>
+                  <a:cubicBezTo>
+                    <a:pt x="122" y="3111"/>
+                    <a:pt x="192" y="3181"/>
+                    <a:pt x="275" y="3229"/>
+                  </a:cubicBezTo>
+                  <a:cubicBezTo>
+                    <a:pt x="359" y="3278"/>
+                    <a:pt x="454" y="3303"/>
+                    <a:pt x="551" y="3303"/>
+                  </a:cubicBezTo>
+                  <a:lnTo>
+                    <a:pt x="7780" y="3303"/>
+                  </a:lnTo>
+                  <a:lnTo>
+                    <a:pt x="7781" y="3303"/>
+                  </a:lnTo>
+                  <a:cubicBezTo>
+                    <a:pt x="7877" y="3303"/>
+                    <a:pt x="7972" y="3278"/>
+                    <a:pt x="8056" y="3229"/>
+                  </a:cubicBezTo>
+                  <a:cubicBezTo>
+                    <a:pt x="8139" y="3181"/>
+                    <a:pt x="8209" y="3111"/>
+                    <a:pt x="8257" y="3028"/>
+                  </a:cubicBezTo>
+                  <a:cubicBezTo>
+                    <a:pt x="8306" y="2944"/>
+                    <a:pt x="8331" y="2849"/>
+                    <a:pt x="8331" y="2753"/>
+                  </a:cubicBezTo>
+                  <a:lnTo>
+                    <a:pt x="8331" y="550"/>
+                  </a:lnTo>
+                  <a:lnTo>
+                    <a:pt x="8331" y="551"/>
+                  </a:lnTo>
+                  <a:lnTo>
+                    <a:pt x="8331" y="551"/>
+                  </a:lnTo>
+                  <a:cubicBezTo>
+                    <a:pt x="8331" y="454"/>
+                    <a:pt x="8306" y="359"/>
+                    <a:pt x="8257" y="275"/>
+                  </a:cubicBezTo>
+                  <a:cubicBezTo>
+                    <a:pt x="8209" y="192"/>
+                    <a:pt x="8139" y="122"/>
+                    <a:pt x="8056" y="74"/>
+                  </a:cubicBezTo>
+                  <a:cubicBezTo>
+                    <a:pt x="7972" y="25"/>
+                    <a:pt x="7877" y="0"/>
+                    <a:pt x="7781" y="0"/>
+                  </a:cubicBezTo>
+                  <a:lnTo>
+                    <a:pt x="550" y="0"/>
+                  </a:lnTo>
+                </a:path>
+              </a:pathLst>
+            </a:custGeom>
+            <a:solidFill>
+              <a:srgbClr val="FFFFFF"/>
+            </a:solidFill>
+            <a:ln w="31750">
+              <a:solidFill>
+                <a:srgbClr val="000000"/>
+              </a:solidFill>
+            </a:ln>
+          </p:spPr>
+          <p:style>
+            <a:lnRef idx="0">
+              <a:scrgbClr r="0" g="0" b="0"/>
+            </a:lnRef>
+            <a:fillRef idx="0">
+              <a:scrgbClr r="0" g="0" b="0"/>
+            </a:fillRef>
+            <a:effectRef idx="0">
+              <a:scrgbClr r="0" g="0" b="0"/>
+            </a:effectRef>
+            <a:fontRef idx="minor"/>
+          </p:style>
+        </p:sp>
+        <mc:AlternateContent xmlns:mc="http://schemas.openxmlformats.org/markup-compatibility/2006">
+          <mc:Choice xmlns:a14="http://schemas.microsoft.com/office/drawing/2010/main" Requires="a14">
+            <p:sp>
+              <p:nvSpPr>
+                <p:cNvPr id="416" name="TextBox 415"/>
+                <p:cNvSpPr txBox="1"/>
+                <p:nvPr/>
+              </p:nvSpPr>
+              <p:spPr>
+                <a:xfrm>
+                  <a:off x="2938497" y="4975382"/>
+                  <a:ext cx="3868106" cy="677435"/>
+                </a:xfrm>
+                <a:prstGeom prst="rect">
+                  <a:avLst/>
+                </a:prstGeom>
+              </p:spPr>
+              <p:txBody>
+                <a:bodyPr/>
+                <a:lstStyle/>
+                <a:p>
+                  <a:pPr/>
+                  <a14:m>
+                    <m:oMathPara xmlns:m="http://schemas.openxmlformats.org/officeDocument/2006/math">
+                      <m:oMathParaPr>
+                        <m:jc m:val="centerGroup"/>
+                      </m:oMathParaPr>
+                      <m:oMath xmlns:m="http://schemas.openxmlformats.org/officeDocument/2006/math">
+                        <m:sSubSup>
+                          <m:sSubSupPr>
+                            <m:ctrlPr>
+                              <a:rPr sz="2000" i="1">
+                                <a:latin typeface="Cambria Math" panose="02040503050406030204" pitchFamily="18" charset="0"/>
+                              </a:rPr>
+                            </m:ctrlPr>
+                          </m:sSubSupPr>
+                          <m:e>
+                            <m:r>
+                              <a:rPr sz="2000">
+                                <a:latin typeface="Cambria Math" panose="02040503050406030204" pitchFamily="18" charset="0"/>
+                              </a:rPr>
+                              <m:t>𝑄</m:t>
+                            </m:r>
+                          </m:e>
+                          <m:sub>
+                            <m:r>
+                              <a:rPr sz="2000">
+                                <a:latin typeface="Cambria Math" panose="02040503050406030204" pitchFamily="18" charset="0"/>
+                              </a:rPr>
+                              <m:t>𝑡</m:t>
+                            </m:r>
+                          </m:sub>
+                          <m:sup>
+                            <m:r>
+                              <a:rPr sz="2000">
+                                <a:latin typeface="Cambria Math" panose="02040503050406030204" pitchFamily="18" charset="0"/>
+                              </a:rPr>
+                              <m:t>𝐻𝑜𝑢𝑠h𝑜𝑙𝑑𝑜𝑏𝑗𝑒𝑐𝑡𝑠</m:t>
+                            </m:r>
+                          </m:sup>
+                        </m:sSubSup>
+                        <m:r>
+                          <a:rPr sz="2000">
+                            <a:latin typeface="Cambria Math" panose="02040503050406030204" pitchFamily="18" charset="0"/>
+                          </a:rPr>
+                          <m:t>=0.30</m:t>
+                        </m:r>
+                      </m:oMath>
+                    </m:oMathPara>
+                  </a14:m>
+                  <a:endParaRPr sz="2000" dirty="0"/>
+                </a:p>
+              </p:txBody>
+            </p:sp>
+          </mc:Choice>
+          <mc:Fallback>
+            <p:sp>
+              <p:nvSpPr>
+                <p:cNvPr id="416" name="TextBox 415"/>
+                <p:cNvSpPr txBox="1">
+                  <a:spLocks noRot="1" noChangeAspect="1" noMove="1" noResize="1" noEditPoints="1" noAdjustHandles="1" noChangeArrowheads="1" noChangeShapeType="1" noTextEdit="1"/>
+                </p:cNvSpPr>
+                <p:nvPr/>
+              </p:nvSpPr>
+              <p:spPr>
+                <a:xfrm>
+                  <a:off x="2938497" y="4975382"/>
+                  <a:ext cx="3868106" cy="677435"/>
+                </a:xfrm>
+                <a:prstGeom prst="rect">
+                  <a:avLst/>
+                </a:prstGeom>
+                <a:blipFill>
+                  <a:blip r:embed="rId5"/>
+                  <a:stretch>
+                    <a:fillRect/>
+                  </a:stretch>
+                </a:blipFill>
+              </p:spPr>
+              <p:txBody>
+                <a:bodyPr/>
+                <a:lstStyle/>
+                <a:p>
+                  <a:r>
+                    <a:rPr lang="en-DE">
+                      <a:noFill/>
+                    </a:rPr>
+                    <a:t> </a:t>
+                  </a:r>
+                </a:p>
+              </p:txBody>
+            </p:sp>
+          </mc:Fallback>
+        </mc:AlternateContent>
+        <p:sp>
+          <p:nvSpPr>
+            <p:cNvPr id="417" name="TextBox 416"/>
+            <p:cNvSpPr txBox="1"/>
+            <p:nvPr/>
+          </p:nvSpPr>
+          <p:spPr>
+            <a:xfrm>
+              <a:off x="5426901" y="1007473"/>
+              <a:ext cx="1985551" cy="602280"/>
+            </a:xfrm>
+            <a:prstGeom prst="rect">
+              <a:avLst/>
+            </a:prstGeom>
+            <a:noFill/>
+            <a:ln w="0">
+              <a:noFill/>
+            </a:ln>
+          </p:spPr>
+          <p:txBody>
+            <a:bodyPr lIns="90000" tIns="45000" rIns="90000" bIns="45000" anchor="t">
+              <a:noAutofit/>
+            </a:bodyPr>
+            <a:lstStyle/>
+            <a:p>
+              <a:r>
+                <a:rPr lang="en-US" sz="2000" b="0" strike="noStrike" spc="-1" dirty="0">
+                  <a:latin typeface="Arial"/>
+                </a:rPr>
+                <a:t>Choice</a:t>
+              </a:r>
+            </a:p>
+          </p:txBody>
+        </p:sp>
+        <p:sp>
+          <p:nvSpPr>
+            <p:cNvPr id="418" name="TextBox 417"/>
+            <p:cNvSpPr txBox="1"/>
+            <p:nvPr/>
+          </p:nvSpPr>
+          <p:spPr>
+            <a:xfrm>
+              <a:off x="7757107" y="2899545"/>
+              <a:ext cx="1554480" cy="385920"/>
+            </a:xfrm>
+            <a:prstGeom prst="rect">
+              <a:avLst/>
+            </a:prstGeom>
+            <a:noFill/>
+            <a:ln w="0">
+              <a:noFill/>
+            </a:ln>
+          </p:spPr>
+          <p:txBody>
+            <a:bodyPr lIns="90000" tIns="45000" rIns="90000" bIns="45000" anchor="t">
+              <a:noAutofit/>
+            </a:bodyPr>
+            <a:lstStyle/>
+            <a:p>
+              <a:r>
+                <a:rPr lang="en-US" sz="2000" b="1" strike="noStrike" spc="-1" dirty="0">
+                  <a:latin typeface="Arial"/>
+                </a:rPr>
+                <a:t>Incorrect</a:t>
+              </a:r>
+              <a:endParaRPr lang="en-US" sz="2000" b="0" strike="noStrike" spc="-1" dirty="0">
+                <a:latin typeface="Arial"/>
+              </a:endParaRPr>
+            </a:p>
+          </p:txBody>
+        </p:sp>
+        <p:sp>
+          <p:nvSpPr>
+            <p:cNvPr id="419" name="TextBox 418"/>
+            <p:cNvSpPr txBox="1"/>
+            <p:nvPr/>
+          </p:nvSpPr>
+          <p:spPr>
+            <a:xfrm>
+              <a:off x="7840878" y="4911826"/>
+              <a:ext cx="1554480" cy="385920"/>
+            </a:xfrm>
+            <a:prstGeom prst="rect">
+              <a:avLst/>
+            </a:prstGeom>
+            <a:noFill/>
+            <a:ln w="0">
+              <a:noFill/>
+            </a:ln>
+          </p:spPr>
+          <p:txBody>
+            <a:bodyPr lIns="90000" tIns="45000" rIns="90000" bIns="45000" anchor="t">
+              <a:noAutofit/>
+            </a:bodyPr>
+            <a:lstStyle/>
+            <a:p>
+              <a:r>
+                <a:rPr lang="en-US" sz="2000" b="1" strike="noStrike" spc="-1" dirty="0">
+                  <a:latin typeface="Arial"/>
+                </a:rPr>
+                <a:t>Correct</a:t>
+              </a:r>
+              <a:endParaRPr lang="en-US" sz="2000" b="0" strike="noStrike" spc="-1" dirty="0">
+                <a:latin typeface="Arial"/>
+              </a:endParaRPr>
+            </a:p>
+          </p:txBody>
+        </p:sp>
+        <p:sp>
+          <p:nvSpPr>
+            <p:cNvPr id="422" name="TextBox 421"/>
+            <p:cNvSpPr txBox="1"/>
+            <p:nvPr/>
+          </p:nvSpPr>
+          <p:spPr>
+            <a:xfrm>
+              <a:off x="9187560" y="2469960"/>
+              <a:ext cx="3691440" cy="319680"/>
+            </a:xfrm>
+            <a:prstGeom prst="rect">
+              <a:avLst/>
+            </a:prstGeom>
+          </p:spPr>
+          <p:txBody>
+            <a:bodyPr/>
+            <a:lstStyle/>
+            <a:p>
+              <a:endParaRPr sz="2000" dirty="0"/>
+            </a:p>
+          </p:txBody>
+        </p:sp>
+        <p:sp useBgFill="1">
+          <p:nvSpPr>
+            <p:cNvPr id="425" name="Freeform 424"/>
+            <p:cNvSpPr/>
+            <p:nvPr/>
+          </p:nvSpPr>
+          <p:spPr>
+            <a:xfrm>
+              <a:off x="10057787" y="1550666"/>
+              <a:ext cx="4063027" cy="890402"/>
+            </a:xfrm>
+            <a:custGeom>
+              <a:avLst/>
+              <a:gdLst/>
+              <a:ahLst/>
+              <a:cxnLst/>
+              <a:rect l="0" t="0" r="r" b="b"/>
+              <a:pathLst>
+                <a:path w="13393" h="1780">
+                  <a:moveTo>
+                    <a:pt x="296" y="0"/>
+                  </a:moveTo>
+                  <a:lnTo>
+                    <a:pt x="297" y="0"/>
+                  </a:lnTo>
+                  <a:cubicBezTo>
+                    <a:pt x="244" y="0"/>
+                    <a:pt x="193" y="14"/>
+                    <a:pt x="148" y="40"/>
+                  </a:cubicBezTo>
+                  <a:cubicBezTo>
+                    <a:pt x="103" y="66"/>
+                    <a:pt x="66" y="103"/>
+                    <a:pt x="40" y="148"/>
+                  </a:cubicBezTo>
+                  <a:cubicBezTo>
+                    <a:pt x="14" y="193"/>
+                    <a:pt x="0" y="244"/>
+                    <a:pt x="0" y="297"/>
+                  </a:cubicBezTo>
+                  <a:lnTo>
+                    <a:pt x="0" y="1482"/>
+                  </a:lnTo>
+                  <a:lnTo>
+                    <a:pt x="0" y="1483"/>
+                  </a:lnTo>
+                  <a:cubicBezTo>
+                    <a:pt x="0" y="1535"/>
+                    <a:pt x="14" y="1586"/>
+                    <a:pt x="40" y="1631"/>
+                  </a:cubicBezTo>
+                  <a:cubicBezTo>
+                    <a:pt x="66" y="1676"/>
+                    <a:pt x="103" y="1713"/>
+                    <a:pt x="148" y="1739"/>
+                  </a:cubicBezTo>
+                  <a:cubicBezTo>
+                    <a:pt x="193" y="1765"/>
+                    <a:pt x="244" y="1779"/>
+                    <a:pt x="297" y="1779"/>
+                  </a:cubicBezTo>
+                  <a:lnTo>
+                    <a:pt x="13095" y="1779"/>
+                  </a:lnTo>
+                  <a:lnTo>
+                    <a:pt x="13096" y="1779"/>
+                  </a:lnTo>
+                  <a:cubicBezTo>
+                    <a:pt x="13148" y="1779"/>
+                    <a:pt x="13199" y="1765"/>
+                    <a:pt x="13244" y="1739"/>
+                  </a:cubicBezTo>
+                  <a:cubicBezTo>
+                    <a:pt x="13289" y="1713"/>
+                    <a:pt x="13326" y="1676"/>
+                    <a:pt x="13352" y="1631"/>
+                  </a:cubicBezTo>
+                  <a:cubicBezTo>
+                    <a:pt x="13378" y="1586"/>
+                    <a:pt x="13392" y="1535"/>
+                    <a:pt x="13392" y="1483"/>
+                  </a:cubicBezTo>
+                  <a:lnTo>
+                    <a:pt x="13392" y="296"/>
+                  </a:lnTo>
+                  <a:lnTo>
+                    <a:pt x="13392" y="297"/>
+                  </a:lnTo>
+                  <a:lnTo>
+                    <a:pt x="13392" y="297"/>
+                  </a:lnTo>
+                  <a:cubicBezTo>
+                    <a:pt x="13392" y="244"/>
+                    <a:pt x="13378" y="193"/>
+                    <a:pt x="13352" y="148"/>
+                  </a:cubicBezTo>
+                  <a:cubicBezTo>
+                    <a:pt x="13326" y="103"/>
+                    <a:pt x="13289" y="66"/>
+                    <a:pt x="13244" y="40"/>
+                  </a:cubicBezTo>
+                  <a:cubicBezTo>
+                    <a:pt x="13199" y="14"/>
+                    <a:pt x="13148" y="0"/>
+                    <a:pt x="13096" y="0"/>
+                  </a:cubicBezTo>
+                  <a:lnTo>
+                    <a:pt x="296" y="0"/>
+                  </a:lnTo>
+                </a:path>
+              </a:pathLst>
+            </a:custGeom>
+            <a:ln w="31750">
+              <a:solidFill>
+                <a:srgbClr val="000000"/>
+              </a:solidFill>
+            </a:ln>
+          </p:spPr>
+          <p:style>
+            <a:lnRef idx="0">
+              <a:scrgbClr r="0" g="0" b="0"/>
+            </a:lnRef>
+            <a:fillRef idx="0">
+              <a:scrgbClr r="0" g="0" b="0"/>
+            </a:fillRef>
+            <a:effectRef idx="0">
+              <a:scrgbClr r="0" g="0" b="0"/>
+            </a:effectRef>
+            <a:fontRef idx="minor"/>
+          </p:style>
+          <p:txBody>
+            <a:bodyPr/>
+            <a:lstStyle/>
+            <a:p>
+              <a:endParaRPr lang="en-DE" sz="2000" dirty="0"/>
+            </a:p>
+          </p:txBody>
+        </p:sp>
+        <mc:AlternateContent xmlns:mc="http://schemas.openxmlformats.org/markup-compatibility/2006">
+          <mc:Choice xmlns:a14="http://schemas.microsoft.com/office/drawing/2010/main" Requires="a14">
+            <p:sp>
+              <p:nvSpPr>
+                <p:cNvPr id="426" name="TextBox 425"/>
+                <p:cNvSpPr txBox="1"/>
+                <p:nvPr/>
+              </p:nvSpPr>
+              <p:spPr>
+                <a:xfrm>
+                  <a:off x="8137509" y="1613942"/>
+                  <a:ext cx="7480080" cy="991795"/>
+                </a:xfrm>
+                <a:prstGeom prst="rect">
+                  <a:avLst/>
+                </a:prstGeom>
+              </p:spPr>
+              <p:txBody>
+                <a:bodyPr/>
+                <a:lstStyle/>
+                <a:p>
+                  <a:pPr/>
+                  <a14:m>
+                    <m:oMathPara xmlns:m="http://schemas.openxmlformats.org/officeDocument/2006/math">
+                      <m:oMathParaPr>
+                        <m:jc m:val="centerGroup"/>
+                      </m:oMathParaPr>
+                      <m:oMath xmlns:m="http://schemas.openxmlformats.org/officeDocument/2006/math">
+                        <m:r>
+                          <a:rPr lang="ar-AE" sz="2000" smtClean="0">
+                            <a:latin typeface="Cambria Math" panose="02040503050406030204" pitchFamily="18" charset="0"/>
+                          </a:rPr>
+                          <m:t>𝑃𝐸</m:t>
+                        </m:r>
+                        <m:r>
+                          <a:rPr lang="ar-AE" sz="2000" smtClean="0">
+                            <a:latin typeface="Cambria Math" panose="02040503050406030204" pitchFamily="18" charset="0"/>
+                          </a:rPr>
+                          <m:t>=1−</m:t>
+                        </m:r>
+                        <m:sSubSup>
+                          <m:sSubSupPr>
+                            <m:ctrlPr>
+                              <a:rPr lang="ar-AE" sz="2000" i="1">
+                                <a:latin typeface="Cambria Math" panose="02040503050406030204" pitchFamily="18" charset="0"/>
+                              </a:rPr>
+                            </m:ctrlPr>
+                          </m:sSubSupPr>
+                          <m:e>
+                            <m:r>
+                              <a:rPr lang="ar-AE" sz="2000">
+                                <a:latin typeface="Cambria Math" panose="02040503050406030204" pitchFamily="18" charset="0"/>
+                              </a:rPr>
+                              <m:t>𝑄</m:t>
+                            </m:r>
+                          </m:e>
+                          <m:sub>
+                            <m:r>
+                              <a:rPr lang="ar-AE" sz="2000">
+                                <a:latin typeface="Cambria Math" panose="02040503050406030204" pitchFamily="18" charset="0"/>
+                              </a:rPr>
+                              <m:t>𝑡</m:t>
+                            </m:r>
+                          </m:sub>
+                          <m:sup>
+                            <m:r>
+                              <a:rPr lang="ar-AE" sz="2000">
+                                <a:latin typeface="Cambria Math" panose="02040503050406030204" pitchFamily="18" charset="0"/>
+                              </a:rPr>
+                              <m:t>𝐻𝑜𝑢𝑠𝑒h𝑜𝑙𝑑𝑜𝑏𝑗𝑒𝑐𝑡𝑠</m:t>
+                            </m:r>
+                          </m:sup>
+                        </m:sSubSup>
+                        <m:r>
+                          <a:rPr lang="en-US" sz="2000" b="0" i="0" smtClean="0">
+                            <a:latin typeface="Cambria Math" panose="02040503050406030204" pitchFamily="18" charset="0"/>
+                          </a:rPr>
+                          <m:t>=</m:t>
+                        </m:r>
+                      </m:oMath>
+                    </m:oMathPara>
+                  </a14:m>
+                  <a:endParaRPr lang="en-US" sz="2000" b="0" i="0" dirty="0">
+                    <a:latin typeface="Cambria Math" panose="02040503050406030204" pitchFamily="18" charset="0"/>
+                  </a:endParaRPr>
+                </a:p>
+                <a:p>
+                  <a:pPr/>
+                  <a14:m>
+                    <m:oMathPara xmlns:m="http://schemas.openxmlformats.org/officeDocument/2006/math">
+                      <m:oMathParaPr>
+                        <m:jc m:val="centerGroup"/>
+                      </m:oMathParaPr>
+                      <m:oMath xmlns:m="http://schemas.openxmlformats.org/officeDocument/2006/math">
+                        <m:r>
+                          <a:rPr lang="ar-AE" sz="2000">
+                            <a:latin typeface="Cambria Math" panose="02040503050406030204" pitchFamily="18" charset="0"/>
+                          </a:rPr>
+                          <m:t>1−0.30=</m:t>
+                        </m:r>
+                        <m:r>
+                          <a:rPr lang="ar-AE" sz="2000" smtClean="0">
+                            <a:solidFill>
+                              <a:srgbClr val="FF0000"/>
+                            </a:solidFill>
+                            <a:latin typeface="Cambria Math" panose="02040503050406030204" pitchFamily="18" charset="0"/>
+                          </a:rPr>
+                          <m:t>0.70</m:t>
+                        </m:r>
+                      </m:oMath>
+                    </m:oMathPara>
+                  </a14:m>
+                  <a:endParaRPr sz="2000" dirty="0"/>
+                </a:p>
+              </p:txBody>
+            </p:sp>
+          </mc:Choice>
+          <mc:Fallback>
+            <p:sp>
+              <p:nvSpPr>
+                <p:cNvPr id="426" name="TextBox 425"/>
+                <p:cNvSpPr txBox="1">
+                  <a:spLocks noRot="1" noChangeAspect="1" noMove="1" noResize="1" noEditPoints="1" noAdjustHandles="1" noChangeArrowheads="1" noChangeShapeType="1" noTextEdit="1"/>
+                </p:cNvSpPr>
+                <p:nvPr/>
+              </p:nvSpPr>
+              <p:spPr>
+                <a:xfrm>
+                  <a:off x="8137509" y="1613942"/>
+                  <a:ext cx="7480080" cy="991795"/>
+                </a:xfrm>
+                <a:prstGeom prst="rect">
+                  <a:avLst/>
+                </a:prstGeom>
+                <a:blipFill>
+                  <a:blip r:embed="rId6"/>
+                  <a:stretch>
+                    <a:fillRect/>
+                  </a:stretch>
+                </a:blipFill>
+              </p:spPr>
+              <p:txBody>
+                <a:bodyPr/>
+                <a:lstStyle/>
+                <a:p>
+                  <a:r>
+                    <a:rPr lang="en-DE">
+                      <a:noFill/>
+                    </a:rPr>
+                    <a:t> </a:t>
+                  </a:r>
+                </a:p>
+              </p:txBody>
+            </p:sp>
+          </mc:Fallback>
+        </mc:AlternateContent>
+        <p:sp>
+          <p:nvSpPr>
+            <p:cNvPr id="430" name="TextBox 429"/>
+            <p:cNvSpPr txBox="1"/>
+            <p:nvPr/>
+          </p:nvSpPr>
+          <p:spPr>
+            <a:xfrm rot="16232400">
+              <a:off x="2235290" y="6824825"/>
+              <a:ext cx="2054401" cy="1544382"/>
+            </a:xfrm>
+            <a:prstGeom prst="rect">
+              <a:avLst/>
+            </a:prstGeom>
+            <a:noFill/>
+            <a:ln w="0">
+              <a:noFill/>
+            </a:ln>
+          </p:spPr>
+          <p:txBody>
+            <a:bodyPr lIns="90000" tIns="45000" rIns="90000" bIns="45000" anchor="t">
+              <a:noAutofit/>
+            </a:bodyPr>
+            <a:lstStyle/>
+            <a:p>
+              <a:r>
+                <a:rPr lang="en-US" sz="2000" strike="noStrike" spc="-1" dirty="0">
+                  <a:latin typeface="Arial"/>
+                </a:rPr>
+                <a:t>p(Hit)</a:t>
+              </a:r>
+            </a:p>
+          </p:txBody>
+        </p:sp>
+        <p:sp>
+          <p:nvSpPr>
+            <p:cNvPr id="437" name="TextBox 436"/>
+            <p:cNvSpPr txBox="1"/>
+            <p:nvPr/>
+          </p:nvSpPr>
+          <p:spPr>
+            <a:xfrm>
+              <a:off x="3760347" y="5912039"/>
+              <a:ext cx="3946199" cy="840321"/>
+            </a:xfrm>
+            <a:prstGeom prst="rect">
+              <a:avLst/>
+            </a:prstGeom>
+            <a:noFill/>
+            <a:ln w="0">
+              <a:noFill/>
+            </a:ln>
+          </p:spPr>
+          <p:txBody>
+            <a:bodyPr lIns="90000" tIns="45000" rIns="90000" bIns="45000" anchor="t">
+              <a:noAutofit/>
+            </a:bodyPr>
+            <a:lstStyle/>
+            <a:p>
+              <a:pPr algn="ctr">
+                <a:buNone/>
+              </a:pPr>
+              <a:r>
+                <a:rPr lang="en-US" sz="2000" strike="noStrike" spc="-1" dirty="0">
+                  <a:latin typeface="Arial"/>
+                </a:rPr>
+                <a:t>Prediction Outcome</a:t>
+              </a:r>
+            </a:p>
+          </p:txBody>
+        </p:sp>
+        <p:sp>
+          <p:nvSpPr>
+            <p:cNvPr id="440" name="TextBox 439"/>
+            <p:cNvSpPr txBox="1"/>
+            <p:nvPr/>
+          </p:nvSpPr>
+          <p:spPr>
+            <a:xfrm rot="16233600">
+              <a:off x="1371005" y="7673855"/>
+              <a:ext cx="3383182" cy="1042421"/>
+            </a:xfrm>
+            <a:prstGeom prst="rect">
+              <a:avLst/>
+            </a:prstGeom>
+            <a:noFill/>
+            <a:ln w="0">
+              <a:noFill/>
+            </a:ln>
+          </p:spPr>
+          <p:txBody>
+            <a:bodyPr lIns="90000" tIns="45000" rIns="90000" bIns="45000" anchor="t">
+              <a:noAutofit/>
+            </a:bodyPr>
+            <a:lstStyle/>
+            <a:p>
+              <a:r>
+                <a:rPr lang="en-US" sz="2000" b="0" strike="noStrike" spc="-1" dirty="0">
+                  <a:latin typeface="Arial"/>
+                </a:rPr>
+                <a:t>0		              1</a:t>
+              </a:r>
+            </a:p>
+          </p:txBody>
+        </p:sp>
+        <p:sp>
+          <p:nvSpPr>
+            <p:cNvPr id="428" name="Straight Connector 427"/>
+            <p:cNvSpPr/>
+            <p:nvPr/>
+          </p:nvSpPr>
+          <p:spPr>
+            <a:xfrm>
+              <a:off x="3094335" y="6442586"/>
+              <a:ext cx="0" cy="3300032"/>
+            </a:xfrm>
+            <a:prstGeom prst="line">
+              <a:avLst/>
+            </a:prstGeom>
+            <a:ln w="31750">
+              <a:solidFill>
+                <a:srgbClr val="000000"/>
+              </a:solidFill>
+            </a:ln>
+          </p:spPr>
+          <p:style>
+            <a:lnRef idx="0">
+              <a:scrgbClr r="0" g="0" b="0"/>
+            </a:lnRef>
+            <a:fillRef idx="0">
+              <a:scrgbClr r="0" g="0" b="0"/>
+            </a:fillRef>
+            <a:effectRef idx="0">
+              <a:scrgbClr r="0" g="0" b="0"/>
+            </a:effectRef>
+            <a:fontRef idx="minor"/>
+          </p:style>
+          <p:txBody>
+            <a:bodyPr/>
+            <a:lstStyle/>
+            <a:p>
+              <a:endParaRPr lang="en-DE" sz="2000" dirty="0"/>
+            </a:p>
+          </p:txBody>
+        </p:sp>
+        <p:sp>
+          <p:nvSpPr>
+            <p:cNvPr id="429" name="Straight Connector 428"/>
+            <p:cNvSpPr/>
+            <p:nvPr/>
+          </p:nvSpPr>
+          <p:spPr>
+            <a:xfrm flipH="1">
+              <a:off x="3094334" y="9740048"/>
+              <a:ext cx="2470035" cy="6118"/>
+            </a:xfrm>
+            <a:prstGeom prst="line">
+              <a:avLst/>
+            </a:prstGeom>
+            <a:ln w="31750">
+              <a:solidFill>
+                <a:srgbClr val="000000"/>
+              </a:solidFill>
+            </a:ln>
+          </p:spPr>
+          <p:style>
+            <a:lnRef idx="0">
+              <a:scrgbClr r="0" g="0" b="0"/>
+            </a:lnRef>
+            <a:fillRef idx="0">
+              <a:scrgbClr r="0" g="0" b="0"/>
+            </a:fillRef>
+            <a:effectRef idx="0">
+              <a:scrgbClr r="0" g="0" b="0"/>
+            </a:effectRef>
+            <a:fontRef idx="minor"/>
+          </p:style>
+        </p:sp>
+        <p:pic>
+          <p:nvPicPr>
+            <p:cNvPr id="431" name="Picture 430"/>
+            <p:cNvPicPr/>
+            <p:nvPr/>
+          </p:nvPicPr>
+          <p:blipFill>
+            <a:blip r:embed="rId3"/>
+            <a:srcRect l="38593" t="27069" r="16398" b="24703"/>
+            <a:stretch/>
+          </p:blipFill>
+          <p:spPr>
+            <a:xfrm rot="927000">
+              <a:off x="3508420" y="6975692"/>
+              <a:ext cx="2124000" cy="2665456"/>
+            </a:xfrm>
+            <a:prstGeom prst="rect">
+              <a:avLst/>
+            </a:prstGeom>
+            <a:ln w="0">
+              <a:noFill/>
+            </a:ln>
+          </p:spPr>
+        </p:pic>
+        <p:pic>
+          <p:nvPicPr>
+            <p:cNvPr id="432" name="Picture 431"/>
+            <p:cNvPicPr>
+              <a:picLocks noChangeAspect="1"/>
+            </p:cNvPicPr>
+            <p:nvPr/>
+          </p:nvPicPr>
+          <p:blipFill>
+            <a:blip r:embed="rId3"/>
+            <a:srcRect l="38593" t="27069" r="16398" b="24703"/>
+            <a:stretch/>
+          </p:blipFill>
+          <p:spPr>
+            <a:xfrm rot="937800">
+              <a:off x="6348015" y="7035957"/>
+              <a:ext cx="2124000" cy="2664864"/>
+            </a:xfrm>
+            <a:prstGeom prst="rect">
+              <a:avLst/>
+            </a:prstGeom>
+            <a:ln w="0">
+              <a:noFill/>
+            </a:ln>
+          </p:spPr>
+        </p:pic>
+        <p:sp>
+          <p:nvSpPr>
+            <p:cNvPr id="434" name="Straight Connector 433"/>
+            <p:cNvSpPr/>
+            <p:nvPr/>
+          </p:nvSpPr>
+          <p:spPr>
+            <a:xfrm>
+              <a:off x="5564386" y="6442586"/>
+              <a:ext cx="0" cy="3303580"/>
+            </a:xfrm>
+            <a:prstGeom prst="line">
+              <a:avLst/>
+            </a:prstGeom>
+            <a:ln w="31750">
+              <a:solidFill>
+                <a:srgbClr val="000000"/>
+              </a:solidFill>
+            </a:ln>
+          </p:spPr>
+          <p:style>
+            <a:lnRef idx="0">
+              <a:scrgbClr r="0" g="0" b="0"/>
+            </a:lnRef>
+            <a:fillRef idx="0">
+              <a:scrgbClr r="0" g="0" b="0"/>
+            </a:fillRef>
+            <a:effectRef idx="0">
+              <a:scrgbClr r="0" g="0" b="0"/>
+            </a:effectRef>
+            <a:fontRef idx="minor"/>
+          </p:style>
+        </p:sp>
+        <p:sp>
+          <p:nvSpPr>
+            <p:cNvPr id="435" name="TextBox 434"/>
+            <p:cNvSpPr txBox="1"/>
+            <p:nvPr/>
+          </p:nvSpPr>
+          <p:spPr>
+            <a:xfrm>
+              <a:off x="3800327" y="6476341"/>
+              <a:ext cx="1563676" cy="989418"/>
+            </a:xfrm>
+            <a:prstGeom prst="rect">
+              <a:avLst/>
+            </a:prstGeom>
+            <a:noFill/>
+            <a:ln w="0">
+              <a:noFill/>
+            </a:ln>
+          </p:spPr>
+          <p:txBody>
+            <a:bodyPr lIns="90000" tIns="45000" rIns="90000" bIns="45000" anchor="t">
+              <a:noAutofit/>
+            </a:bodyPr>
+            <a:lstStyle/>
+            <a:p>
+              <a:r>
+                <a:rPr lang="en-US" sz="2000" b="0" strike="noStrike" spc="-1" dirty="0">
+                  <a:highlight>
+                    <a:srgbClr val="FFFFFF"/>
+                  </a:highlight>
+                  <a:latin typeface="Arial"/>
+                </a:rPr>
+                <a:t>Incorrect</a:t>
+              </a:r>
+              <a:endParaRPr lang="en-US" sz="2000" b="0" strike="noStrike" spc="-1" dirty="0">
+                <a:latin typeface="Arial"/>
+              </a:endParaRPr>
+            </a:p>
+          </p:txBody>
+        </p:sp>
+        <p:sp>
+          <p:nvSpPr>
+            <p:cNvPr id="436" name="TextBox 435"/>
+            <p:cNvSpPr txBox="1"/>
+            <p:nvPr/>
+          </p:nvSpPr>
+          <p:spPr>
+            <a:xfrm>
+              <a:off x="6662688" y="6447211"/>
+              <a:ext cx="1666509" cy="989418"/>
+            </a:xfrm>
+            <a:prstGeom prst="rect">
+              <a:avLst/>
+            </a:prstGeom>
+            <a:noFill/>
+            <a:ln w="0">
+              <a:noFill/>
+            </a:ln>
+          </p:spPr>
+          <p:txBody>
+            <a:bodyPr lIns="90000" tIns="45000" rIns="90000" bIns="45000" anchor="t">
+              <a:noAutofit/>
+            </a:bodyPr>
+            <a:lstStyle/>
+            <a:p>
+              <a:r>
+                <a:rPr lang="en-US" sz="2000" b="0" strike="noStrike" spc="-1" dirty="0">
+                  <a:highlight>
+                    <a:srgbClr val="FFFFFF"/>
+                  </a:highlight>
+                  <a:latin typeface="Arial"/>
+                </a:rPr>
+                <a:t>Correct</a:t>
+              </a:r>
+              <a:endParaRPr lang="en-US" sz="2000" b="0" strike="noStrike" spc="-1" dirty="0">
+                <a:latin typeface="Arial"/>
+              </a:endParaRPr>
+            </a:p>
+          </p:txBody>
+        </p:sp>
+        <p:sp>
+          <p:nvSpPr>
+            <p:cNvPr id="441" name="Straight Connector 440"/>
+            <p:cNvSpPr/>
+            <p:nvPr/>
+          </p:nvSpPr>
+          <p:spPr>
+            <a:xfrm flipH="1">
+              <a:off x="3088971" y="6846888"/>
+              <a:ext cx="2486857" cy="6118"/>
+            </a:xfrm>
+            <a:prstGeom prst="line">
+              <a:avLst/>
+            </a:prstGeom>
+            <a:ln w="31750">
+              <a:solidFill>
+                <a:srgbClr val="000000"/>
+              </a:solidFill>
+            </a:ln>
+          </p:spPr>
+          <p:style>
+            <a:lnRef idx="0">
+              <a:scrgbClr r="0" g="0" b="0"/>
+            </a:lnRef>
+            <a:fillRef idx="0">
+              <a:scrgbClr r="0" g="0" b="0"/>
+            </a:fillRef>
+            <a:effectRef idx="0">
+              <a:scrgbClr r="0" g="0" b="0"/>
+            </a:effectRef>
+            <a:fontRef idx="minor"/>
+          </p:style>
+        </p:sp>
+        <p:sp>
+          <p:nvSpPr>
+            <p:cNvPr id="442" name="Straight Connector 441"/>
+            <p:cNvSpPr/>
+            <p:nvPr/>
+          </p:nvSpPr>
+          <p:spPr>
+            <a:xfrm flipH="1">
+              <a:off x="3094334" y="6440131"/>
+              <a:ext cx="2470045" cy="2455"/>
+            </a:xfrm>
+            <a:prstGeom prst="line">
+              <a:avLst/>
+            </a:prstGeom>
+            <a:ln w="31750">
+              <a:solidFill>
+                <a:srgbClr val="000000"/>
+              </a:solidFill>
+            </a:ln>
+          </p:spPr>
+          <p:style>
+            <a:lnRef idx="0">
+              <a:scrgbClr r="0" g="0" b="0"/>
+            </a:lnRef>
+            <a:fillRef idx="0">
+              <a:scrgbClr r="0" g="0" b="0"/>
+            </a:fillRef>
+            <a:effectRef idx="0">
+              <a:scrgbClr r="0" g="0" b="0"/>
+            </a:effectRef>
+            <a:fontRef idx="minor"/>
+          </p:style>
+          <p:txBody>
+            <a:bodyPr/>
+            <a:lstStyle/>
+            <a:p>
+              <a:endParaRPr lang="en-DE" sz="2000" dirty="0"/>
+            </a:p>
+          </p:txBody>
+        </p:sp>
+        <p:sp>
+          <p:nvSpPr>
+            <p:cNvPr id="444" name="TextBox 443"/>
+            <p:cNvSpPr txBox="1"/>
+            <p:nvPr/>
+          </p:nvSpPr>
+          <p:spPr>
+            <a:xfrm>
+              <a:off x="1331780" y="458752"/>
+              <a:ext cx="1152000" cy="971640"/>
+            </a:xfrm>
+            <a:prstGeom prst="rect">
+              <a:avLst/>
+            </a:prstGeom>
+            <a:noFill/>
+            <a:ln w="0">
+              <a:noFill/>
+            </a:ln>
+          </p:spPr>
+          <p:txBody>
+            <a:bodyPr lIns="90000" tIns="45000" rIns="90000" bIns="45000" anchor="t">
+              <a:noAutofit/>
+            </a:bodyPr>
+            <a:lstStyle/>
+            <a:p>
+              <a:r>
+                <a:rPr lang="en-US" sz="4000" b="1" spc="-1" dirty="0">
+                  <a:latin typeface="Arial"/>
+                </a:rPr>
+                <a:t>d</a:t>
+              </a:r>
+              <a:r>
+                <a:rPr lang="en-US" sz="4000" b="1" strike="noStrike" spc="-1" dirty="0">
+                  <a:latin typeface="Arial"/>
+                </a:rPr>
+                <a:t>)</a:t>
+              </a:r>
+              <a:endParaRPr lang="en-US" sz="4000" b="0" strike="noStrike" spc="-1" dirty="0">
+                <a:latin typeface="Arial"/>
+              </a:endParaRPr>
+            </a:p>
+          </p:txBody>
+        </p:sp>
+        <p:sp>
+          <p:nvSpPr>
+            <p:cNvPr id="445" name="TextBox 444"/>
+            <p:cNvSpPr txBox="1"/>
+            <p:nvPr/>
+          </p:nvSpPr>
+          <p:spPr>
+            <a:xfrm>
+              <a:off x="1252800" y="5711400"/>
+              <a:ext cx="1152000" cy="971640"/>
+            </a:xfrm>
+            <a:prstGeom prst="rect">
+              <a:avLst/>
+            </a:prstGeom>
+            <a:noFill/>
+            <a:ln w="0">
+              <a:noFill/>
+            </a:ln>
+          </p:spPr>
+          <p:txBody>
+            <a:bodyPr lIns="90000" tIns="45000" rIns="90000" bIns="45000" anchor="t">
+              <a:noAutofit/>
+            </a:bodyPr>
+            <a:lstStyle/>
+            <a:p>
+              <a:r>
+                <a:rPr lang="en-US" sz="4000" b="1" spc="-1" dirty="0">
+                  <a:latin typeface="Arial"/>
+                </a:rPr>
+                <a:t>e</a:t>
+              </a:r>
+              <a:r>
+                <a:rPr lang="en-US" sz="4000" b="1" strike="noStrike" spc="-1" dirty="0">
+                  <a:latin typeface="Arial"/>
+                </a:rPr>
+                <a:t>)</a:t>
+              </a:r>
+              <a:endParaRPr lang="en-US" sz="4000" b="0" strike="noStrike" spc="-1" dirty="0">
+                <a:latin typeface="Arial"/>
+              </a:endParaRPr>
+            </a:p>
+          </p:txBody>
+        </p:sp>
+        <mc:AlternateContent xmlns:mc="http://schemas.openxmlformats.org/markup-compatibility/2006">
+          <mc:Choice xmlns:a14="http://schemas.microsoft.com/office/drawing/2010/main" Requires="a14">
+            <p:sp>
+              <p:nvSpPr>
+                <p:cNvPr id="448" name="TextBox 447"/>
+                <p:cNvSpPr txBox="1"/>
+                <p:nvPr/>
+              </p:nvSpPr>
+              <p:spPr>
+                <a:xfrm>
+                  <a:off x="3184361" y="4575197"/>
+                  <a:ext cx="4365473" cy="866479"/>
+                </a:xfrm>
+                <a:prstGeom prst="rect">
+                  <a:avLst/>
+                </a:prstGeom>
+              </p:spPr>
+              <p:txBody>
+                <a:bodyPr/>
+                <a:lstStyle/>
+                <a:p>
+                  <a:pPr/>
+                  <a14:m>
+                    <m:oMathPara xmlns:m="http://schemas.openxmlformats.org/officeDocument/2006/math">
+                      <m:oMathParaPr>
+                        <m:jc m:val="left"/>
+                      </m:oMathParaPr>
+                      <m:oMath xmlns:m="http://schemas.openxmlformats.org/officeDocument/2006/math">
+                        <m:sSubSup>
+                          <m:sSubSupPr>
+                            <m:ctrlPr>
+                              <a:rPr sz="2000" i="1">
+                                <a:latin typeface="Cambria Math" panose="02040503050406030204" pitchFamily="18" charset="0"/>
+                              </a:rPr>
+                            </m:ctrlPr>
+                          </m:sSubSupPr>
+                          <m:e>
+                            <m:r>
+                              <a:rPr sz="2000">
+                                <a:latin typeface="Cambria Math" panose="02040503050406030204" pitchFamily="18" charset="0"/>
+                              </a:rPr>
+                              <m:t>𝑄</m:t>
+                            </m:r>
+                          </m:e>
+                          <m:sub>
+                            <m:r>
+                              <a:rPr sz="2000">
+                                <a:latin typeface="Cambria Math" panose="02040503050406030204" pitchFamily="18" charset="0"/>
+                              </a:rPr>
+                              <m:t>𝑡</m:t>
+                            </m:r>
+                          </m:sub>
+                          <m:sup>
+                            <m:r>
+                              <a:rPr sz="2000">
+                                <a:latin typeface="Cambria Math" panose="02040503050406030204" pitchFamily="18" charset="0"/>
+                              </a:rPr>
+                              <m:t>𝑀𝑢𝑠𝑖𝑐𝑎𝑙𝐼𝑛𝑠𝑡𝑟𝑢𝑚𝑒𝑛𝑡𝑠</m:t>
+                            </m:r>
+                          </m:sup>
+                        </m:sSubSup>
+                        <m:r>
+                          <a:rPr sz="2000">
+                            <a:latin typeface="Cambria Math" panose="02040503050406030204" pitchFamily="18" charset="0"/>
+                          </a:rPr>
+                          <m:t>=0.70</m:t>
+                        </m:r>
+                      </m:oMath>
+                    </m:oMathPara>
+                  </a14:m>
+                  <a:endParaRPr sz="2000" dirty="0"/>
+                </a:p>
+              </p:txBody>
+            </p:sp>
+          </mc:Choice>
+          <mc:Fallback>
+            <p:sp>
+              <p:nvSpPr>
+                <p:cNvPr id="448" name="TextBox 447"/>
+                <p:cNvSpPr txBox="1">
+                  <a:spLocks noRot="1" noChangeAspect="1" noMove="1" noResize="1" noEditPoints="1" noAdjustHandles="1" noChangeArrowheads="1" noChangeShapeType="1" noTextEdit="1"/>
+                </p:cNvSpPr>
+                <p:nvPr/>
+              </p:nvSpPr>
+              <p:spPr>
+                <a:xfrm>
+                  <a:off x="3184361" y="4575197"/>
+                  <a:ext cx="4365473" cy="866479"/>
+                </a:xfrm>
+                <a:prstGeom prst="rect">
+                  <a:avLst/>
+                </a:prstGeom>
+                <a:blipFill>
+                  <a:blip r:embed="rId7"/>
+                  <a:stretch>
+                    <a:fillRect l="-290"/>
+                  </a:stretch>
+                </a:blipFill>
+              </p:spPr>
+              <p:txBody>
+                <a:bodyPr/>
+                <a:lstStyle/>
+                <a:p>
+                  <a:r>
+                    <a:rPr lang="en-DE">
+                      <a:noFill/>
+                    </a:rPr>
+                    <a:t> </a:t>
+                  </a:r>
+                </a:p>
+              </p:txBody>
+            </p:sp>
+          </mc:Fallback>
+        </mc:AlternateContent>
+        <p:sp>
+          <p:nvSpPr>
+            <p:cNvPr id="85" name="Freeform 84">
+              <a:extLst>
+                <a:ext uri="{FF2B5EF4-FFF2-40B4-BE49-F238E27FC236}">
+                  <a16:creationId xmlns:a16="http://schemas.microsoft.com/office/drawing/2014/main" id="{2849146D-8416-696D-1F78-96995993496C}"/>
+                </a:ext>
+              </a:extLst>
+            </p:cNvPr>
+            <p:cNvSpPr/>
+            <p:nvPr/>
+          </p:nvSpPr>
+          <p:spPr>
+            <a:xfrm>
+              <a:off x="9779891" y="2578612"/>
+              <a:ext cx="423553" cy="221939"/>
+            </a:xfrm>
+            <a:custGeom>
+              <a:avLst/>
+              <a:gdLst/>
+              <a:ahLst/>
+              <a:cxnLst/>
+              <a:rect l="0" t="0" r="r" b="b"/>
+              <a:pathLst>
+                <a:path w="885" h="257">
+                  <a:moveTo>
+                    <a:pt x="42" y="0"/>
+                  </a:moveTo>
+                  <a:lnTo>
+                    <a:pt x="43" y="0"/>
+                  </a:lnTo>
+                  <a:cubicBezTo>
+                    <a:pt x="35" y="0"/>
+                    <a:pt x="28" y="2"/>
+                    <a:pt x="21" y="6"/>
+                  </a:cubicBezTo>
+                  <a:cubicBezTo>
+                    <a:pt x="15" y="9"/>
+                    <a:pt x="9" y="15"/>
+                    <a:pt x="6" y="21"/>
+                  </a:cubicBezTo>
+                  <a:cubicBezTo>
+                    <a:pt x="2" y="28"/>
+                    <a:pt x="0" y="35"/>
+                    <a:pt x="0" y="43"/>
+                  </a:cubicBezTo>
+                  <a:lnTo>
+                    <a:pt x="0" y="213"/>
+                  </a:lnTo>
+                  <a:lnTo>
+                    <a:pt x="0" y="213"/>
+                  </a:lnTo>
+                  <a:cubicBezTo>
+                    <a:pt x="0" y="221"/>
+                    <a:pt x="2" y="228"/>
+                    <a:pt x="6" y="235"/>
+                  </a:cubicBezTo>
+                  <a:cubicBezTo>
+                    <a:pt x="9" y="241"/>
+                    <a:pt x="15" y="247"/>
+                    <a:pt x="21" y="250"/>
+                  </a:cubicBezTo>
+                  <a:cubicBezTo>
+                    <a:pt x="28" y="254"/>
+                    <a:pt x="35" y="256"/>
+                    <a:pt x="43" y="256"/>
+                  </a:cubicBezTo>
+                  <a:lnTo>
+                    <a:pt x="841" y="256"/>
+                  </a:lnTo>
+                  <a:lnTo>
+                    <a:pt x="841" y="256"/>
+                  </a:lnTo>
+                  <a:cubicBezTo>
+                    <a:pt x="849" y="256"/>
+                    <a:pt x="856" y="254"/>
+                    <a:pt x="863" y="250"/>
+                  </a:cubicBezTo>
+                  <a:cubicBezTo>
+                    <a:pt x="869" y="247"/>
+                    <a:pt x="875" y="241"/>
+                    <a:pt x="878" y="235"/>
+                  </a:cubicBezTo>
+                  <a:cubicBezTo>
+                    <a:pt x="882" y="228"/>
+                    <a:pt x="884" y="221"/>
+                    <a:pt x="884" y="213"/>
+                  </a:cubicBezTo>
+                  <a:lnTo>
+                    <a:pt x="884" y="42"/>
+                  </a:lnTo>
+                  <a:lnTo>
+                    <a:pt x="884" y="43"/>
+                  </a:lnTo>
+                  <a:lnTo>
+                    <a:pt x="884" y="43"/>
+                  </a:lnTo>
+                  <a:cubicBezTo>
+                    <a:pt x="884" y="35"/>
+                    <a:pt x="882" y="28"/>
+                    <a:pt x="878" y="21"/>
+                  </a:cubicBezTo>
+                  <a:cubicBezTo>
+                    <a:pt x="875" y="15"/>
+                    <a:pt x="869" y="9"/>
+                    <a:pt x="863" y="6"/>
+                  </a:cubicBezTo>
+                  <a:cubicBezTo>
+                    <a:pt x="856" y="2"/>
+                    <a:pt x="849" y="0"/>
+                    <a:pt x="841" y="0"/>
+                  </a:cubicBezTo>
+                  <a:lnTo>
+                    <a:pt x="42" y="0"/>
+                  </a:lnTo>
+                </a:path>
+              </a:pathLst>
+            </a:custGeom>
+            <a:solidFill>
+              <a:srgbClr val="FFFFFF"/>
+            </a:solidFill>
+            <a:ln w="31750">
+              <a:solidFill>
+                <a:srgbClr val="000000"/>
+              </a:solidFill>
+            </a:ln>
+          </p:spPr>
+          <p:style>
+            <a:lnRef idx="0">
+              <a:scrgbClr r="0" g="0" b="0"/>
+            </a:lnRef>
+            <a:fillRef idx="0">
+              <a:scrgbClr r="0" g="0" b="0"/>
+            </a:fillRef>
+            <a:effectRef idx="0">
+              <a:scrgbClr r="0" g="0" b="0"/>
+            </a:effectRef>
+            <a:fontRef idx="minor"/>
+          </p:style>
+        </p:sp>
+        <p:sp>
+          <p:nvSpPr>
+            <p:cNvPr id="86" name="Freeform 85">
+              <a:extLst>
+                <a:ext uri="{FF2B5EF4-FFF2-40B4-BE49-F238E27FC236}">
+                  <a16:creationId xmlns:a16="http://schemas.microsoft.com/office/drawing/2014/main" id="{BFECAF3F-000D-F28C-8E6D-0D325A419A5D}"/>
+                </a:ext>
+              </a:extLst>
+            </p:cNvPr>
+            <p:cNvSpPr/>
+            <p:nvPr/>
+          </p:nvSpPr>
+          <p:spPr>
+            <a:xfrm>
+              <a:off x="9540965" y="2938481"/>
+              <a:ext cx="423553" cy="221939"/>
+            </a:xfrm>
+            <a:custGeom>
+              <a:avLst/>
+              <a:gdLst/>
+              <a:ahLst/>
+              <a:cxnLst/>
+              <a:rect l="0" t="0" r="r" b="b"/>
+              <a:pathLst>
+                <a:path w="885" h="257">
+                  <a:moveTo>
+                    <a:pt x="42" y="0"/>
+                  </a:moveTo>
+                  <a:lnTo>
+                    <a:pt x="43" y="0"/>
+                  </a:lnTo>
+                  <a:cubicBezTo>
+                    <a:pt x="35" y="0"/>
+                    <a:pt x="28" y="2"/>
+                    <a:pt x="21" y="6"/>
+                  </a:cubicBezTo>
+                  <a:cubicBezTo>
+                    <a:pt x="15" y="9"/>
+                    <a:pt x="9" y="15"/>
+                    <a:pt x="6" y="21"/>
+                  </a:cubicBezTo>
+                  <a:cubicBezTo>
+                    <a:pt x="2" y="28"/>
+                    <a:pt x="0" y="35"/>
+                    <a:pt x="0" y="43"/>
+                  </a:cubicBezTo>
+                  <a:lnTo>
+                    <a:pt x="0" y="213"/>
+                  </a:lnTo>
+                  <a:lnTo>
+                    <a:pt x="0" y="213"/>
+                  </a:lnTo>
+                  <a:cubicBezTo>
+                    <a:pt x="0" y="221"/>
+                    <a:pt x="2" y="228"/>
+                    <a:pt x="6" y="235"/>
+                  </a:cubicBezTo>
+                  <a:cubicBezTo>
+                    <a:pt x="9" y="241"/>
+                    <a:pt x="15" y="247"/>
+                    <a:pt x="21" y="250"/>
+                  </a:cubicBezTo>
+                  <a:cubicBezTo>
+                    <a:pt x="28" y="254"/>
+                    <a:pt x="35" y="256"/>
+                    <a:pt x="43" y="256"/>
+                  </a:cubicBezTo>
+                  <a:lnTo>
+                    <a:pt x="841" y="256"/>
+                  </a:lnTo>
+                  <a:lnTo>
+                    <a:pt x="841" y="256"/>
+                  </a:lnTo>
+                  <a:cubicBezTo>
+                    <a:pt x="849" y="256"/>
+                    <a:pt x="856" y="254"/>
+                    <a:pt x="863" y="250"/>
+                  </a:cubicBezTo>
+                  <a:cubicBezTo>
+                    <a:pt x="869" y="247"/>
+                    <a:pt x="875" y="241"/>
+                    <a:pt x="878" y="235"/>
+                  </a:cubicBezTo>
+                  <a:cubicBezTo>
+                    <a:pt x="882" y="228"/>
+                    <a:pt x="884" y="221"/>
+                    <a:pt x="884" y="213"/>
+                  </a:cubicBezTo>
+                  <a:lnTo>
+                    <a:pt x="884" y="42"/>
+                  </a:lnTo>
+                  <a:lnTo>
+                    <a:pt x="884" y="43"/>
+                  </a:lnTo>
+                  <a:lnTo>
+                    <a:pt x="884" y="43"/>
+                  </a:lnTo>
+                  <a:cubicBezTo>
+                    <a:pt x="884" y="35"/>
+                    <a:pt x="882" y="28"/>
+                    <a:pt x="878" y="21"/>
+                  </a:cubicBezTo>
+                  <a:cubicBezTo>
+                    <a:pt x="875" y="15"/>
+                    <a:pt x="869" y="9"/>
+                    <a:pt x="863" y="6"/>
+                  </a:cubicBezTo>
+                  <a:cubicBezTo>
+                    <a:pt x="856" y="2"/>
+                    <a:pt x="849" y="0"/>
+                    <a:pt x="841" y="0"/>
+                  </a:cubicBezTo>
+                  <a:lnTo>
+                    <a:pt x="42" y="0"/>
+                  </a:lnTo>
+                </a:path>
+              </a:pathLst>
+            </a:custGeom>
+            <a:solidFill>
+              <a:srgbClr val="FFFFFF"/>
+            </a:solidFill>
+            <a:ln w="31750">
+              <a:solidFill>
+                <a:srgbClr val="000000"/>
+              </a:solidFill>
+            </a:ln>
+          </p:spPr>
+          <p:style>
+            <a:lnRef idx="0">
+              <a:scrgbClr r="0" g="0" b="0"/>
+            </a:lnRef>
+            <a:fillRef idx="0">
+              <a:scrgbClr r="0" g="0" b="0"/>
+            </a:fillRef>
+            <a:effectRef idx="0">
+              <a:scrgbClr r="0" g="0" b="0"/>
+            </a:effectRef>
+            <a:fontRef idx="minor"/>
+          </p:style>
+        </p:sp>
+        <p:sp>
+          <p:nvSpPr>
+            <p:cNvPr id="87" name="Freeform 86">
+              <a:extLst>
+                <a:ext uri="{FF2B5EF4-FFF2-40B4-BE49-F238E27FC236}">
+                  <a16:creationId xmlns:a16="http://schemas.microsoft.com/office/drawing/2014/main" id="{F60A1A64-F1B3-349B-0330-5D8AE4528568}"/>
+                </a:ext>
+              </a:extLst>
+            </p:cNvPr>
+            <p:cNvSpPr/>
+            <p:nvPr/>
+          </p:nvSpPr>
+          <p:spPr>
+            <a:xfrm>
+              <a:off x="9540965" y="3445861"/>
+              <a:ext cx="423553" cy="221939"/>
+            </a:xfrm>
+            <a:custGeom>
+              <a:avLst/>
+              <a:gdLst/>
+              <a:ahLst/>
+              <a:cxnLst/>
+              <a:rect l="0" t="0" r="r" b="b"/>
+              <a:pathLst>
+                <a:path w="885" h="257">
+                  <a:moveTo>
+                    <a:pt x="42" y="0"/>
+                  </a:moveTo>
+                  <a:lnTo>
+                    <a:pt x="43" y="0"/>
+                  </a:lnTo>
+                  <a:cubicBezTo>
+                    <a:pt x="35" y="0"/>
+                    <a:pt x="28" y="2"/>
+                    <a:pt x="21" y="6"/>
+                  </a:cubicBezTo>
+                  <a:cubicBezTo>
+                    <a:pt x="15" y="9"/>
+                    <a:pt x="9" y="15"/>
+                    <a:pt x="6" y="21"/>
+                  </a:cubicBezTo>
+                  <a:cubicBezTo>
+                    <a:pt x="2" y="28"/>
+                    <a:pt x="0" y="35"/>
+                    <a:pt x="0" y="43"/>
+                  </a:cubicBezTo>
+                  <a:lnTo>
+                    <a:pt x="0" y="213"/>
+                  </a:lnTo>
+                  <a:lnTo>
+                    <a:pt x="0" y="213"/>
+                  </a:lnTo>
+                  <a:cubicBezTo>
+                    <a:pt x="0" y="221"/>
+                    <a:pt x="2" y="228"/>
+                    <a:pt x="6" y="235"/>
+                  </a:cubicBezTo>
+                  <a:cubicBezTo>
+                    <a:pt x="9" y="241"/>
+                    <a:pt x="15" y="247"/>
+                    <a:pt x="21" y="250"/>
+                  </a:cubicBezTo>
+                  <a:cubicBezTo>
+                    <a:pt x="28" y="254"/>
+                    <a:pt x="35" y="256"/>
+                    <a:pt x="43" y="256"/>
+                  </a:cubicBezTo>
+                  <a:lnTo>
+                    <a:pt x="841" y="256"/>
+                  </a:lnTo>
+                  <a:lnTo>
+                    <a:pt x="841" y="256"/>
+                  </a:lnTo>
+                  <a:cubicBezTo>
+                    <a:pt x="849" y="256"/>
+                    <a:pt x="856" y="254"/>
+                    <a:pt x="863" y="250"/>
+                  </a:cubicBezTo>
+                  <a:cubicBezTo>
+                    <a:pt x="869" y="247"/>
+                    <a:pt x="875" y="241"/>
+                    <a:pt x="878" y="235"/>
+                  </a:cubicBezTo>
+                  <a:cubicBezTo>
+                    <a:pt x="882" y="228"/>
+                    <a:pt x="884" y="221"/>
+                    <a:pt x="884" y="213"/>
+                  </a:cubicBezTo>
+                  <a:lnTo>
+                    <a:pt x="884" y="42"/>
+                  </a:lnTo>
+                  <a:lnTo>
+                    <a:pt x="884" y="43"/>
+                  </a:lnTo>
+                  <a:lnTo>
+                    <a:pt x="884" y="43"/>
+                  </a:lnTo>
+                  <a:cubicBezTo>
+                    <a:pt x="884" y="35"/>
+                    <a:pt x="882" y="28"/>
+                    <a:pt x="878" y="21"/>
+                  </a:cubicBezTo>
+                  <a:cubicBezTo>
+                    <a:pt x="875" y="15"/>
+                    <a:pt x="869" y="9"/>
+                    <a:pt x="863" y="6"/>
+                  </a:cubicBezTo>
+                  <a:cubicBezTo>
+                    <a:pt x="856" y="2"/>
+                    <a:pt x="849" y="0"/>
+                    <a:pt x="841" y="0"/>
+                  </a:cubicBezTo>
+                  <a:lnTo>
+                    <a:pt x="42" y="0"/>
+                  </a:lnTo>
+                </a:path>
+              </a:pathLst>
+            </a:custGeom>
+            <a:solidFill>
+              <a:srgbClr val="FFFFFF"/>
+            </a:solidFill>
+            <a:ln w="31750">
+              <a:solidFill>
+                <a:srgbClr val="000000"/>
+              </a:solidFill>
+            </a:ln>
+          </p:spPr>
+          <p:style>
+            <a:lnRef idx="0">
+              <a:scrgbClr r="0" g="0" b="0"/>
+            </a:lnRef>
+            <a:fillRef idx="0">
+              <a:scrgbClr r="0" g="0" b="0"/>
+            </a:fillRef>
+            <a:effectRef idx="0">
+              <a:scrgbClr r="0" g="0" b="0"/>
+            </a:effectRef>
+            <a:fontRef idx="minor"/>
+          </p:style>
+        </p:sp>
+        <p:sp>
+          <p:nvSpPr>
+            <p:cNvPr id="88" name="Freeform 87">
+              <a:extLst>
+                <a:ext uri="{FF2B5EF4-FFF2-40B4-BE49-F238E27FC236}">
+                  <a16:creationId xmlns:a16="http://schemas.microsoft.com/office/drawing/2014/main" id="{BCF4A492-630A-D0C0-E4C6-878D2EE1D70E}"/>
+                </a:ext>
+              </a:extLst>
+            </p:cNvPr>
+            <p:cNvSpPr/>
+            <p:nvPr/>
+          </p:nvSpPr>
+          <p:spPr>
+            <a:xfrm>
+              <a:off x="9846011" y="3782915"/>
+              <a:ext cx="423553" cy="221939"/>
+            </a:xfrm>
+            <a:custGeom>
+              <a:avLst/>
+              <a:gdLst/>
+              <a:ahLst/>
+              <a:cxnLst/>
+              <a:rect l="0" t="0" r="r" b="b"/>
+              <a:pathLst>
+                <a:path w="885" h="257">
+                  <a:moveTo>
+                    <a:pt x="42" y="0"/>
+                  </a:moveTo>
+                  <a:lnTo>
+                    <a:pt x="43" y="0"/>
+                  </a:lnTo>
+                  <a:cubicBezTo>
+                    <a:pt x="35" y="0"/>
+                    <a:pt x="28" y="2"/>
+                    <a:pt x="21" y="6"/>
+                  </a:cubicBezTo>
+                  <a:cubicBezTo>
+                    <a:pt x="15" y="9"/>
+                    <a:pt x="9" y="15"/>
+                    <a:pt x="6" y="21"/>
+                  </a:cubicBezTo>
+                  <a:cubicBezTo>
+                    <a:pt x="2" y="28"/>
+                    <a:pt x="0" y="35"/>
+                    <a:pt x="0" y="43"/>
+                  </a:cubicBezTo>
+                  <a:lnTo>
+                    <a:pt x="0" y="213"/>
+                  </a:lnTo>
+                  <a:lnTo>
+                    <a:pt x="0" y="213"/>
+                  </a:lnTo>
+                  <a:cubicBezTo>
+                    <a:pt x="0" y="221"/>
+                    <a:pt x="2" y="228"/>
+                    <a:pt x="6" y="235"/>
+                  </a:cubicBezTo>
+                  <a:cubicBezTo>
+                    <a:pt x="9" y="241"/>
+                    <a:pt x="15" y="247"/>
+                    <a:pt x="21" y="250"/>
+                  </a:cubicBezTo>
+                  <a:cubicBezTo>
+                    <a:pt x="28" y="254"/>
+                    <a:pt x="35" y="256"/>
+                    <a:pt x="43" y="256"/>
+                  </a:cubicBezTo>
+                  <a:lnTo>
+                    <a:pt x="841" y="256"/>
+                  </a:lnTo>
+                  <a:lnTo>
+                    <a:pt x="841" y="256"/>
+                  </a:lnTo>
+                  <a:cubicBezTo>
+                    <a:pt x="849" y="256"/>
+                    <a:pt x="856" y="254"/>
+                    <a:pt x="863" y="250"/>
+                  </a:cubicBezTo>
+                  <a:cubicBezTo>
+                    <a:pt x="869" y="247"/>
+                    <a:pt x="875" y="241"/>
+                    <a:pt x="878" y="235"/>
+                  </a:cubicBezTo>
+                  <a:cubicBezTo>
+                    <a:pt x="882" y="228"/>
+                    <a:pt x="884" y="221"/>
+                    <a:pt x="884" y="213"/>
+                  </a:cubicBezTo>
+                  <a:lnTo>
+                    <a:pt x="884" y="42"/>
+                  </a:lnTo>
+                  <a:lnTo>
+                    <a:pt x="884" y="43"/>
+                  </a:lnTo>
+                  <a:lnTo>
+                    <a:pt x="884" y="43"/>
+                  </a:lnTo>
+                  <a:cubicBezTo>
+                    <a:pt x="884" y="35"/>
+                    <a:pt x="882" y="28"/>
+                    <a:pt x="878" y="21"/>
+                  </a:cubicBezTo>
+                  <a:cubicBezTo>
+                    <a:pt x="875" y="15"/>
+                    <a:pt x="869" y="9"/>
+                    <a:pt x="863" y="6"/>
+                  </a:cubicBezTo>
+                  <a:cubicBezTo>
+                    <a:pt x="856" y="2"/>
+                    <a:pt x="849" y="0"/>
+                    <a:pt x="841" y="0"/>
+                  </a:cubicBezTo>
+                  <a:lnTo>
+                    <a:pt x="42" y="0"/>
+                  </a:lnTo>
+                </a:path>
+              </a:pathLst>
+            </a:custGeom>
+            <a:solidFill>
+              <a:srgbClr val="FFFFFF"/>
+            </a:solidFill>
+            <a:ln w="31750">
+              <a:solidFill>
+                <a:srgbClr val="000000"/>
+              </a:solidFill>
+            </a:ln>
+          </p:spPr>
+          <p:style>
+            <a:lnRef idx="0">
+              <a:scrgbClr r="0" g="0" b="0"/>
+            </a:lnRef>
+            <a:fillRef idx="0">
+              <a:scrgbClr r="0" g="0" b="0"/>
+            </a:fillRef>
+            <a:effectRef idx="0">
+              <a:scrgbClr r="0" g="0" b="0"/>
+            </a:effectRef>
+            <a:fontRef idx="minor"/>
+          </p:style>
+        </p:sp>
+        <mc:AlternateContent xmlns:mc="http://schemas.openxmlformats.org/markup-compatibility/2006">
+          <mc:Choice xmlns:a14="http://schemas.microsoft.com/office/drawing/2010/main" Requires="a14">
+            <p:sp>
+              <p:nvSpPr>
+                <p:cNvPr id="427" name="TextBox 426"/>
+                <p:cNvSpPr txBox="1"/>
+                <p:nvPr/>
+              </p:nvSpPr>
+              <p:spPr>
+                <a:xfrm>
+                  <a:off x="10196720" y="4197055"/>
+                  <a:ext cx="6647966" cy="1578960"/>
+                </a:xfrm>
+                <a:prstGeom prst="rect">
+                  <a:avLst/>
+                </a:prstGeom>
+              </p:spPr>
+              <p:txBody>
+                <a:bodyPr/>
+                <a:lstStyle/>
+                <a:p>
+                  <a:pPr/>
+                  <a14:m>
+                    <m:oMathPara xmlns:m="http://schemas.openxmlformats.org/officeDocument/2006/math">
+                      <m:oMathParaPr>
+                        <m:jc m:val="left"/>
+                      </m:oMathParaPr>
+                      <m:oMath xmlns:m="http://schemas.openxmlformats.org/officeDocument/2006/math">
+                        <m:r>
+                          <a:rPr lang="ar-AE" sz="2000" smtClean="0">
+                            <a:latin typeface="Cambria Math" panose="02040503050406030204" pitchFamily="18" charset="0"/>
+                          </a:rPr>
+                          <m:t>𝑃𝐸</m:t>
+                        </m:r>
+                        <m:r>
+                          <a:rPr lang="ar-AE" sz="2000" smtClean="0">
+                            <a:latin typeface="Cambria Math" panose="02040503050406030204" pitchFamily="18" charset="0"/>
+                          </a:rPr>
+                          <m:t>=1−</m:t>
+                        </m:r>
+                        <m:sSubSup>
+                          <m:sSubSupPr>
+                            <m:ctrlPr>
+                              <a:rPr lang="ar-AE" sz="2000" i="1" smtClean="0">
+                                <a:latin typeface="Cambria Math" panose="02040503050406030204" pitchFamily="18" charset="0"/>
+                              </a:rPr>
+                            </m:ctrlPr>
+                          </m:sSubSupPr>
+                          <m:e>
+                            <m:r>
+                              <a:rPr lang="ar-AE" sz="2000">
+                                <a:latin typeface="Cambria Math" panose="02040503050406030204" pitchFamily="18" charset="0"/>
+                              </a:rPr>
+                              <m:t>𝑄</m:t>
+                            </m:r>
+                          </m:e>
+                          <m:sub>
+                            <m:r>
+                              <a:rPr lang="ar-AE" sz="2000">
+                                <a:latin typeface="Cambria Math" panose="02040503050406030204" pitchFamily="18" charset="0"/>
+                              </a:rPr>
+                              <m:t>𝑡</m:t>
+                            </m:r>
+                          </m:sub>
+                          <m:sup>
+                            <m:r>
+                              <a:rPr lang="ar-AE" sz="2000">
+                                <a:latin typeface="Cambria Math" panose="02040503050406030204" pitchFamily="18" charset="0"/>
+                              </a:rPr>
+                              <m:t>𝑀𝑢𝑠𝑖𝑐𝑎𝑙</m:t>
+                            </m:r>
+                            <m:r>
+                              <a:rPr lang="en-US" sz="2000" b="0" i="0" smtClean="0">
+                                <a:latin typeface="Cambria Math" panose="02040503050406030204" pitchFamily="18" charset="0"/>
+                              </a:rPr>
+                              <m:t> </m:t>
+                            </m:r>
+                            <m:r>
+                              <a:rPr lang="ar-AE" sz="2000">
+                                <a:latin typeface="Cambria Math" panose="02040503050406030204" pitchFamily="18" charset="0"/>
+                              </a:rPr>
+                              <m:t>𝐼𝑛𝑠𝑡𝑟𝑢𝑚𝑒𝑛𝑡𝑠</m:t>
+                            </m:r>
+                          </m:sup>
+                        </m:sSubSup>
+                        <m:r>
+                          <a:rPr lang="ar-AE" sz="2000">
+                            <a:latin typeface="Cambria Math" panose="02040503050406030204" pitchFamily="18" charset="0"/>
+                          </a:rPr>
+                          <m:t>=</m:t>
+                        </m:r>
+                      </m:oMath>
+                    </m:oMathPara>
+                  </a14:m>
+                  <a:endParaRPr lang="ar-AE" sz="2000" dirty="0">
+                    <a:latin typeface="Cambria Math" panose="02040503050406030204" pitchFamily="18" charset="0"/>
+                  </a:endParaRPr>
+                </a:p>
+                <a:p>
+                  <a:r>
+                    <a:rPr lang="en-US" sz="2000" dirty="0"/>
+                    <a:t>	</a:t>
+                  </a:r>
+                  <a14:m>
                     <m:oMath xmlns:m="http://schemas.openxmlformats.org/officeDocument/2006/math">
                       <m:r>
-                        <a:rPr>
+                        <a:rPr lang="ar-AE" sz="2000">
                           <a:latin typeface="Cambria Math" panose="02040503050406030204" pitchFamily="18" charset="0"/>
                         </a:rPr>
-                        <m:t>𝑃𝐸</m:t>
+                        <m:t>1−</m:t>
                       </m:r>
                       <m:r>
-                        <a:rPr>
+                        <a:rPr lang="ar-AE" sz="2000" smtClean="0">
+                          <a:solidFill>
+                            <a:schemeClr val="tx1"/>
+                          </a:solidFill>
                           <a:latin typeface="Cambria Math" panose="02040503050406030204" pitchFamily="18" charset="0"/>
                         </a:rPr>
-                        <m:t>=1−</m:t>
+                        <m:t>0.70=</m:t>
                       </m:r>
-                      <m:sSubSup>
-                        <m:sSubSupPr>
-                          <m:ctrlPr>
-                            <a:rPr i="1">
-                              <a:latin typeface="Cambria Math" panose="02040503050406030204" pitchFamily="18" charset="0"/>
-                            </a:rPr>
-                          </m:ctrlPr>
-                        </m:sSubSupPr>
-                        <m:e>
-                          <m:r>
-                            <a:rPr>
-                              <a:latin typeface="Cambria Math" panose="02040503050406030204" pitchFamily="18" charset="0"/>
-                            </a:rPr>
-                            <m:t>𝑄</m:t>
-                          </m:r>
-                        </m:e>
-                        <m:sub>
-                          <m:r>
-                            <a:rPr>
-                              <a:latin typeface="Cambria Math" panose="02040503050406030204" pitchFamily="18" charset="0"/>
-                            </a:rPr>
-                            <m:t>𝑡</m:t>
-                          </m:r>
-                        </m:sub>
-                        <m:sup>
-                          <m:r>
-                            <a:rPr>
-                              <a:latin typeface="Cambria Math" panose="02040503050406030204" pitchFamily="18" charset="0"/>
-                            </a:rPr>
-                            <m:t>𝐻𝑜𝑢𝑠𝑒h𝑜𝑙𝑑𝑜𝑏𝑗𝑒𝑐𝑡𝑠</m:t>
-                          </m:r>
-                        </m:sup>
-                      </m:sSubSup>
                       <m:r>
-                        <a:rPr>
+                        <a:rPr lang="ar-AE" sz="2000" smtClean="0">
+                          <a:solidFill>
+                            <a:srgbClr val="FF0000"/>
+                          </a:solidFill>
                           <a:latin typeface="Cambria Math" panose="02040503050406030204" pitchFamily="18" charset="0"/>
                         </a:rPr>
-                        <m:t>=1−0.30=0.70</m:t>
+                        <m:t>0.30</m:t>
                       </m:r>
                     </m:oMath>
-                  </m:oMathPara>
-                </a14:m>
-                <a:endParaRPr/>
-              </a:p>
-            </p:txBody>
-          </p:sp>
-        </mc:Choice>
-        <mc:Fallback xmlns:p15="http://schemas.microsoft.com/office/powerpoint/2012/main" xmlns:p14="http://schemas.microsoft.com/office/powerpoint/2010/main" xmlns=""/>
-      </mc:AlternateContent>
-      <mc:AlternateContent xmlns:mc="http://schemas.openxmlformats.org/markup-compatibility/2006" xmlns:a14="http://schemas.microsoft.com/office/drawing/2010/main">
-        <mc:Choice Requires="a14">
-          <p:sp>
-            <p:nvSpPr>
-              <p:cNvPr id="496" name="TextBox 495"/>
-              <p:cNvSpPr txBox="1"/>
-              <p:nvPr/>
-            </p:nvSpPr>
-            <p:spPr>
-              <a:xfrm>
-                <a:off x="976680" y="6511680"/>
-                <a:ext cx="1274040" cy="211680"/>
-              </a:xfrm>
-              <a:prstGeom prst="rect">
-                <a:avLst/>
-              </a:prstGeom>
-            </p:spPr>
-            <p:txBody>
-              <a:bodyPr/>
-              <a:lstStyle/>
-              <a:p>
-                <a:pPr/>
-                <a14:m>
-                  <m:oMathPara xmlns:m="http://schemas.openxmlformats.org/officeDocument/2006/math">
-                    <m:oMathParaPr>
-                      <m:jc m:val="centerGroup"/>
-                    </m:oMathParaPr>
-                    <m:oMath xmlns:m="http://schemas.openxmlformats.org/officeDocument/2006/math">
-                      <m:sSubSup>
-                        <m:sSubSupPr>
-                          <m:ctrlPr>
-                            <a:rPr i="1">
-                              <a:latin typeface="Cambria Math" panose="02040503050406030204" pitchFamily="18" charset="0"/>
-                            </a:rPr>
-                          </m:ctrlPr>
-                        </m:sSubSupPr>
-                        <m:e>
-                          <m:r>
-                            <a:rPr>
-                              <a:latin typeface="Cambria Math" panose="02040503050406030204" pitchFamily="18" charset="0"/>
-                            </a:rPr>
-                            <m:t>𝑄</m:t>
-                          </m:r>
-                        </m:e>
-                        <m:sub>
-                          <m:r>
-                            <a:rPr>
-                              <a:latin typeface="Cambria Math" panose="02040503050406030204" pitchFamily="18" charset="0"/>
-                            </a:rPr>
-                            <m:t>𝑡</m:t>
-                          </m:r>
-                        </m:sub>
-                        <m:sup>
-                          <m:r>
-                            <a:rPr>
-                              <a:latin typeface="Cambria Math" panose="02040503050406030204" pitchFamily="18" charset="0"/>
-                            </a:rPr>
-                            <m:t>𝐻𝑜𝑢𝑠𝑒h𝑜𝑙𝑑𝑜𝑏𝑗𝑒𝑐𝑡𝑠</m:t>
-                          </m:r>
-                        </m:sup>
-                      </m:sSubSup>
-                      <m:r>
-                        <a:rPr>
-                          <a:latin typeface="Cambria Math" panose="02040503050406030204" pitchFamily="18" charset="0"/>
-                        </a:rPr>
-                        <m:t>=0.70</m:t>
-                      </m:r>
-                    </m:oMath>
-                  </m:oMathPara>
-                </a14:m>
-                <a:endParaRPr/>
-              </a:p>
-            </p:txBody>
-          </p:sp>
-        </mc:Choice>
-        <mc:Fallback xmlns:p15="http://schemas.microsoft.com/office/powerpoint/2012/main" xmlns:p14="http://schemas.microsoft.com/office/powerpoint/2010/main" xmlns=""/>
-      </mc:AlternateContent>
-      <mc:AlternateContent xmlns:mc="http://schemas.openxmlformats.org/markup-compatibility/2006" xmlns:a14="http://schemas.microsoft.com/office/drawing/2010/main">
-        <mc:Choice Requires="a14">
-          <p:sp>
-            <p:nvSpPr>
-              <p:cNvPr id="497" name="TextBox 496"/>
-              <p:cNvSpPr txBox="1"/>
-              <p:nvPr/>
-            </p:nvSpPr>
-            <p:spPr>
-              <a:xfrm>
-                <a:off x="1005120" y="3536640"/>
-                <a:ext cx="1233000" cy="211680"/>
-              </a:xfrm>
-              <a:prstGeom prst="rect">
-                <a:avLst/>
-              </a:prstGeom>
-            </p:spPr>
-            <p:txBody>
-              <a:bodyPr/>
-              <a:lstStyle/>
-              <a:p>
-                <a:pPr/>
-                <a14:m>
-                  <m:oMathPara xmlns:m="http://schemas.openxmlformats.org/officeDocument/2006/math">
-                    <m:oMathParaPr>
-                      <m:jc m:val="centerGroup"/>
-                    </m:oMathParaPr>
-                    <m:oMath xmlns:m="http://schemas.openxmlformats.org/officeDocument/2006/math">
-                      <m:sSubSup>
-                        <m:sSubSupPr>
-                          <m:ctrlPr>
-                            <a:rPr i="1">
-                              <a:latin typeface="Cambria Math" panose="02040503050406030204" pitchFamily="18" charset="0"/>
-                            </a:rPr>
-                          </m:ctrlPr>
-                        </m:sSubSupPr>
-                        <m:e>
-                          <m:r>
-                            <a:rPr>
-                              <a:latin typeface="Cambria Math" panose="02040503050406030204" pitchFamily="18" charset="0"/>
-                            </a:rPr>
-                            <m:t>𝑄</m:t>
-                          </m:r>
-                        </m:e>
-                        <m:sub>
-                          <m:r>
-                            <a:rPr>
-                              <a:latin typeface="Cambria Math" panose="02040503050406030204" pitchFamily="18" charset="0"/>
-                            </a:rPr>
-                            <m:t>𝑡</m:t>
-                          </m:r>
-                        </m:sub>
-                        <m:sup>
-                          <m:r>
-                            <a:rPr>
-                              <a:latin typeface="Cambria Math" panose="02040503050406030204" pitchFamily="18" charset="0"/>
-                            </a:rPr>
-                            <m:t>𝐻𝑜𝑢𝑠h𝑜𝑙𝑑𝑜𝑏𝑗𝑒𝑐𝑡𝑠</m:t>
-                          </m:r>
-                        </m:sup>
-                      </m:sSubSup>
-                      <m:r>
-                        <a:rPr>
-                          <a:latin typeface="Cambria Math" panose="02040503050406030204" pitchFamily="18" charset="0"/>
-                        </a:rPr>
-                        <m:t>=0.30</m:t>
-                      </m:r>
-                    </m:oMath>
-                  </m:oMathPara>
-                </a14:m>
-                <a:endParaRPr/>
-              </a:p>
-            </p:txBody>
-          </p:sp>
-        </mc:Choice>
-        <mc:Fallback xmlns:p15="http://schemas.microsoft.com/office/powerpoint/2012/main" xmlns:p14="http://schemas.microsoft.com/office/powerpoint/2010/main" xmlns=""/>
-      </mc:AlternateContent>
-      <mc:AlternateContent xmlns:mc="http://schemas.openxmlformats.org/markup-compatibility/2006" xmlns:a14="http://schemas.microsoft.com/office/drawing/2010/main">
-        <mc:Choice Requires="a14">
-          <p:sp>
-            <p:nvSpPr>
-              <p:cNvPr id="498" name="TextBox 497"/>
-              <p:cNvSpPr txBox="1"/>
-              <p:nvPr/>
-            </p:nvSpPr>
-            <p:spPr>
-              <a:xfrm>
-                <a:off x="3931200" y="3079440"/>
-                <a:ext cx="2417760" cy="211680"/>
-              </a:xfrm>
-              <a:prstGeom prst="rect">
-                <a:avLst/>
-              </a:prstGeom>
-            </p:spPr>
-            <p:txBody>
-              <a:bodyPr/>
-              <a:lstStyle/>
-              <a:p>
-                <a:pPr/>
-                <a14:m>
-                  <m:oMathPara xmlns:m="http://schemas.openxmlformats.org/officeDocument/2006/math">
-                    <m:oMathParaPr>
-                      <m:jc m:val="centerGroup"/>
-                    </m:oMathParaPr>
-                    <m:oMath xmlns:m="http://schemas.openxmlformats.org/officeDocument/2006/math">
-                      <m:r>
-                        <a:rPr>
-                          <a:latin typeface="Cambria Math" panose="02040503050406030204" pitchFamily="18" charset="0"/>
-                        </a:rPr>
-                        <m:t>𝑃𝐸</m:t>
-                      </m:r>
-                      <m:r>
-                        <a:rPr>
-                          <a:latin typeface="Cambria Math" panose="02040503050406030204" pitchFamily="18" charset="0"/>
-                        </a:rPr>
-                        <m:t>=1−</m:t>
-                      </m:r>
-                      <m:sSubSup>
-                        <m:sSubSupPr>
-                          <m:ctrlPr>
-                            <a:rPr i="1">
-                              <a:latin typeface="Cambria Math" panose="02040503050406030204" pitchFamily="18" charset="0"/>
-                            </a:rPr>
-                          </m:ctrlPr>
-                        </m:sSubSupPr>
-                        <m:e>
-                          <m:r>
-                            <a:rPr>
-                              <a:latin typeface="Cambria Math" panose="02040503050406030204" pitchFamily="18" charset="0"/>
-                            </a:rPr>
-                            <m:t>𝑄</m:t>
-                          </m:r>
-                        </m:e>
-                        <m:sub>
-                          <m:r>
-                            <a:rPr>
-                              <a:latin typeface="Cambria Math" panose="02040503050406030204" pitchFamily="18" charset="0"/>
-                            </a:rPr>
-                            <m:t>𝑡</m:t>
-                          </m:r>
-                        </m:sub>
-                        <m:sup>
-                          <m:r>
-                            <a:rPr>
-                              <a:latin typeface="Cambria Math" panose="02040503050406030204" pitchFamily="18" charset="0"/>
-                            </a:rPr>
-                            <m:t>𝐻𝑜𝑢𝑠𝑒h𝑜𝑙𝑑𝑜𝑏𝑗𝑒𝑐𝑡𝑠</m:t>
-                          </m:r>
-                        </m:sup>
-                      </m:sSubSup>
-                      <m:r>
-                        <a:rPr>
-                          <a:latin typeface="Cambria Math" panose="02040503050406030204" pitchFamily="18" charset="0"/>
-                        </a:rPr>
-                        <m:t>=1−0.30=0.70</m:t>
-                      </m:r>
-                    </m:oMath>
-                  </m:oMathPara>
-                </a14:m>
-                <a:endParaRPr/>
-              </a:p>
-            </p:txBody>
-          </p:sp>
-        </mc:Choice>
-        <mc:Fallback xmlns:p15="http://schemas.microsoft.com/office/powerpoint/2012/main" xmlns:p14="http://schemas.microsoft.com/office/powerpoint/2010/main" xmlns=""/>
-      </mc:AlternateContent>
+                  </a14:m>
+                  <a:endParaRPr sz="2000" dirty="0"/>
+                </a:p>
+              </p:txBody>
+            </p:sp>
+          </mc:Choice>
+          <mc:Fallback>
+            <p:sp>
+              <p:nvSpPr>
+                <p:cNvPr id="427" name="TextBox 426"/>
+                <p:cNvSpPr txBox="1">
+                  <a:spLocks noRot="1" noChangeAspect="1" noMove="1" noResize="1" noEditPoints="1" noAdjustHandles="1" noChangeArrowheads="1" noChangeShapeType="1" noTextEdit="1"/>
+                </p:cNvSpPr>
+                <p:nvPr/>
+              </p:nvSpPr>
+              <p:spPr>
+                <a:xfrm>
+                  <a:off x="10196720" y="4197055"/>
+                  <a:ext cx="6647966" cy="1578960"/>
+                </a:xfrm>
+                <a:prstGeom prst="rect">
+                  <a:avLst/>
+                </a:prstGeom>
+                <a:blipFill>
+                  <a:blip r:embed="rId8"/>
+                  <a:stretch>
+                    <a:fillRect t="-1587"/>
+                  </a:stretch>
+                </a:blipFill>
+              </p:spPr>
+              <p:txBody>
+                <a:bodyPr/>
+                <a:lstStyle/>
+                <a:p>
+                  <a:r>
+                    <a:rPr lang="en-DE">
+                      <a:noFill/>
+                    </a:rPr>
+                    <a:t> </a:t>
+                  </a:r>
+                </a:p>
+              </p:txBody>
+            </p:sp>
+          </mc:Fallback>
+        </mc:AlternateContent>
+        <p:pic>
+          <p:nvPicPr>
+            <p:cNvPr id="90" name="Imagen 274_1">
+              <a:extLst>
+                <a:ext uri="{FF2B5EF4-FFF2-40B4-BE49-F238E27FC236}">
+                  <a16:creationId xmlns:a16="http://schemas.microsoft.com/office/drawing/2014/main" id="{5F3FC7BB-03CF-FB8A-458F-14DE23479099}"/>
+                </a:ext>
+              </a:extLst>
+            </p:cNvPr>
+            <p:cNvPicPr/>
+            <p:nvPr/>
+          </p:nvPicPr>
+          <p:blipFill>
+            <a:blip r:embed="rId4"/>
+            <a:stretch/>
+          </p:blipFill>
+          <p:spPr>
+            <a:xfrm>
+              <a:off x="4875454" y="2450950"/>
+              <a:ext cx="2012497" cy="1500120"/>
+            </a:xfrm>
+            <a:prstGeom prst="rect">
+              <a:avLst/>
+            </a:prstGeom>
+            <a:ln w="0">
+              <a:noFill/>
+            </a:ln>
+          </p:spPr>
+        </p:pic>
+        <p:sp>
+          <p:nvSpPr>
+            <p:cNvPr id="405" name="CustomShape 11_11"/>
+            <p:cNvSpPr/>
+            <p:nvPr/>
+          </p:nvSpPr>
+          <p:spPr>
+            <a:xfrm>
+              <a:off x="4946992" y="2562120"/>
+              <a:ext cx="1868382" cy="961200"/>
+            </a:xfrm>
+            <a:prstGeom prst="rect">
+              <a:avLst/>
+            </a:prstGeom>
+            <a:solidFill>
+              <a:srgbClr val="EEEEEE"/>
+            </a:solidFill>
+            <a:ln w="36720">
+              <a:noFill/>
+            </a:ln>
+          </p:spPr>
+          <p:style>
+            <a:lnRef idx="0">
+              <a:scrgbClr r="0" g="0" b="0"/>
+            </a:lnRef>
+            <a:fillRef idx="0">
+              <a:scrgbClr r="0" g="0" b="0"/>
+            </a:fillRef>
+            <a:effectRef idx="0">
+              <a:scrgbClr r="0" g="0" b="0"/>
+            </a:effectRef>
+            <a:fontRef idx="minor"/>
+          </p:style>
+          <p:txBody>
+            <a:bodyPr lIns="90000" tIns="45000" rIns="90000" bIns="45000" anchor="t">
+              <a:noAutofit/>
+            </a:bodyPr>
+            <a:lstStyle/>
+            <a:p>
+              <a:pPr algn="ctr">
+                <a:buNone/>
+              </a:pPr>
+              <a:r>
+                <a:rPr lang="en-US" sz="2000" b="0" strike="noStrike" spc="-1" dirty="0">
+                  <a:latin typeface="Arial"/>
+                </a:rPr>
+                <a:t>Musical Instruments</a:t>
+              </a:r>
+            </a:p>
+          </p:txBody>
+        </p:sp>
+        <p:sp>
+          <p:nvSpPr>
+            <p:cNvPr id="91" name="Freeform 90">
+              <a:extLst>
+                <a:ext uri="{FF2B5EF4-FFF2-40B4-BE49-F238E27FC236}">
+                  <a16:creationId xmlns:a16="http://schemas.microsoft.com/office/drawing/2014/main" id="{894E80B0-99A8-D452-3BC5-7E1E3E83AE1C}"/>
+                </a:ext>
+              </a:extLst>
+            </p:cNvPr>
+            <p:cNvSpPr/>
+            <p:nvPr/>
+          </p:nvSpPr>
+          <p:spPr>
+            <a:xfrm>
+              <a:off x="2696873" y="3819039"/>
+              <a:ext cx="423553" cy="221939"/>
+            </a:xfrm>
+            <a:custGeom>
+              <a:avLst/>
+              <a:gdLst/>
+              <a:ahLst/>
+              <a:cxnLst/>
+              <a:rect l="0" t="0" r="r" b="b"/>
+              <a:pathLst>
+                <a:path w="885" h="257">
+                  <a:moveTo>
+                    <a:pt x="42" y="0"/>
+                  </a:moveTo>
+                  <a:lnTo>
+                    <a:pt x="43" y="0"/>
+                  </a:lnTo>
+                  <a:cubicBezTo>
+                    <a:pt x="35" y="0"/>
+                    <a:pt x="28" y="2"/>
+                    <a:pt x="21" y="6"/>
+                  </a:cubicBezTo>
+                  <a:cubicBezTo>
+                    <a:pt x="15" y="9"/>
+                    <a:pt x="9" y="15"/>
+                    <a:pt x="6" y="21"/>
+                  </a:cubicBezTo>
+                  <a:cubicBezTo>
+                    <a:pt x="2" y="28"/>
+                    <a:pt x="0" y="35"/>
+                    <a:pt x="0" y="43"/>
+                  </a:cubicBezTo>
+                  <a:lnTo>
+                    <a:pt x="0" y="213"/>
+                  </a:lnTo>
+                  <a:lnTo>
+                    <a:pt x="0" y="213"/>
+                  </a:lnTo>
+                  <a:cubicBezTo>
+                    <a:pt x="0" y="221"/>
+                    <a:pt x="2" y="228"/>
+                    <a:pt x="6" y="235"/>
+                  </a:cubicBezTo>
+                  <a:cubicBezTo>
+                    <a:pt x="9" y="241"/>
+                    <a:pt x="15" y="247"/>
+                    <a:pt x="21" y="250"/>
+                  </a:cubicBezTo>
+                  <a:cubicBezTo>
+                    <a:pt x="28" y="254"/>
+                    <a:pt x="35" y="256"/>
+                    <a:pt x="43" y="256"/>
+                  </a:cubicBezTo>
+                  <a:lnTo>
+                    <a:pt x="841" y="256"/>
+                  </a:lnTo>
+                  <a:lnTo>
+                    <a:pt x="841" y="256"/>
+                  </a:lnTo>
+                  <a:cubicBezTo>
+                    <a:pt x="849" y="256"/>
+                    <a:pt x="856" y="254"/>
+                    <a:pt x="863" y="250"/>
+                  </a:cubicBezTo>
+                  <a:cubicBezTo>
+                    <a:pt x="869" y="247"/>
+                    <a:pt x="875" y="241"/>
+                    <a:pt x="878" y="235"/>
+                  </a:cubicBezTo>
+                  <a:cubicBezTo>
+                    <a:pt x="882" y="228"/>
+                    <a:pt x="884" y="221"/>
+                    <a:pt x="884" y="213"/>
+                  </a:cubicBezTo>
+                  <a:lnTo>
+                    <a:pt x="884" y="42"/>
+                  </a:lnTo>
+                  <a:lnTo>
+                    <a:pt x="884" y="43"/>
+                  </a:lnTo>
+                  <a:lnTo>
+                    <a:pt x="884" y="43"/>
+                  </a:lnTo>
+                  <a:cubicBezTo>
+                    <a:pt x="884" y="35"/>
+                    <a:pt x="882" y="28"/>
+                    <a:pt x="878" y="21"/>
+                  </a:cubicBezTo>
+                  <a:cubicBezTo>
+                    <a:pt x="875" y="15"/>
+                    <a:pt x="869" y="9"/>
+                    <a:pt x="863" y="6"/>
+                  </a:cubicBezTo>
+                  <a:cubicBezTo>
+                    <a:pt x="856" y="2"/>
+                    <a:pt x="849" y="0"/>
+                    <a:pt x="841" y="0"/>
+                  </a:cubicBezTo>
+                  <a:lnTo>
+                    <a:pt x="42" y="0"/>
+                  </a:lnTo>
+                </a:path>
+              </a:pathLst>
+            </a:custGeom>
+            <a:solidFill>
+              <a:srgbClr val="FFFFFF"/>
+            </a:solidFill>
+            <a:ln w="31750">
+              <a:solidFill>
+                <a:srgbClr val="000000"/>
+              </a:solidFill>
+            </a:ln>
+          </p:spPr>
+          <p:style>
+            <a:lnRef idx="0">
+              <a:scrgbClr r="0" g="0" b="0"/>
+            </a:lnRef>
+            <a:fillRef idx="0">
+              <a:scrgbClr r="0" g="0" b="0"/>
+            </a:fillRef>
+            <a:effectRef idx="0">
+              <a:scrgbClr r="0" g="0" b="0"/>
+            </a:effectRef>
+            <a:fontRef idx="minor"/>
+          </p:style>
+        </p:sp>
+        <p:pic>
+          <p:nvPicPr>
+            <p:cNvPr id="93" name="Imagen 274_1">
+              <a:extLst>
+                <a:ext uri="{FF2B5EF4-FFF2-40B4-BE49-F238E27FC236}">
+                  <a16:creationId xmlns:a16="http://schemas.microsoft.com/office/drawing/2014/main" id="{4F99484A-3280-AEA3-ACBC-7BC4FE7DF0C1}"/>
+                </a:ext>
+              </a:extLst>
+            </p:cNvPr>
+            <p:cNvPicPr/>
+            <p:nvPr/>
+          </p:nvPicPr>
+          <p:blipFill>
+            <a:blip r:embed="rId4"/>
+            <a:stretch/>
+          </p:blipFill>
+          <p:spPr>
+            <a:xfrm>
+              <a:off x="7352427" y="1636756"/>
+              <a:ext cx="1991524" cy="1282385"/>
+            </a:xfrm>
+            <a:prstGeom prst="rect">
+              <a:avLst/>
+            </a:prstGeom>
+            <a:ln w="0">
+              <a:noFill/>
+            </a:ln>
+          </p:spPr>
+        </p:pic>
+        <p:sp>
+          <p:nvSpPr>
+            <p:cNvPr id="92" name="Freeform 91">
+              <a:extLst>
+                <a:ext uri="{FF2B5EF4-FFF2-40B4-BE49-F238E27FC236}">
+                  <a16:creationId xmlns:a16="http://schemas.microsoft.com/office/drawing/2014/main" id="{80A87998-CFF5-E67B-4348-E25385A63101}"/>
+                </a:ext>
+              </a:extLst>
+            </p:cNvPr>
+            <p:cNvSpPr/>
+            <p:nvPr/>
+          </p:nvSpPr>
+          <p:spPr>
+            <a:xfrm>
+              <a:off x="2873520" y="4148681"/>
+              <a:ext cx="423553" cy="221939"/>
+            </a:xfrm>
+            <a:custGeom>
+              <a:avLst/>
+              <a:gdLst/>
+              <a:ahLst/>
+              <a:cxnLst/>
+              <a:rect l="0" t="0" r="r" b="b"/>
+              <a:pathLst>
+                <a:path w="885" h="257">
+                  <a:moveTo>
+                    <a:pt x="42" y="0"/>
+                  </a:moveTo>
+                  <a:lnTo>
+                    <a:pt x="43" y="0"/>
+                  </a:lnTo>
+                  <a:cubicBezTo>
+                    <a:pt x="35" y="0"/>
+                    <a:pt x="28" y="2"/>
+                    <a:pt x="21" y="6"/>
+                  </a:cubicBezTo>
+                  <a:cubicBezTo>
+                    <a:pt x="15" y="9"/>
+                    <a:pt x="9" y="15"/>
+                    <a:pt x="6" y="21"/>
+                  </a:cubicBezTo>
+                  <a:cubicBezTo>
+                    <a:pt x="2" y="28"/>
+                    <a:pt x="0" y="35"/>
+                    <a:pt x="0" y="43"/>
+                  </a:cubicBezTo>
+                  <a:lnTo>
+                    <a:pt x="0" y="213"/>
+                  </a:lnTo>
+                  <a:lnTo>
+                    <a:pt x="0" y="213"/>
+                  </a:lnTo>
+                  <a:cubicBezTo>
+                    <a:pt x="0" y="221"/>
+                    <a:pt x="2" y="228"/>
+                    <a:pt x="6" y="235"/>
+                  </a:cubicBezTo>
+                  <a:cubicBezTo>
+                    <a:pt x="9" y="241"/>
+                    <a:pt x="15" y="247"/>
+                    <a:pt x="21" y="250"/>
+                  </a:cubicBezTo>
+                  <a:cubicBezTo>
+                    <a:pt x="28" y="254"/>
+                    <a:pt x="35" y="256"/>
+                    <a:pt x="43" y="256"/>
+                  </a:cubicBezTo>
+                  <a:lnTo>
+                    <a:pt x="841" y="256"/>
+                  </a:lnTo>
+                  <a:lnTo>
+                    <a:pt x="841" y="256"/>
+                  </a:lnTo>
+                  <a:cubicBezTo>
+                    <a:pt x="849" y="256"/>
+                    <a:pt x="856" y="254"/>
+                    <a:pt x="863" y="250"/>
+                  </a:cubicBezTo>
+                  <a:cubicBezTo>
+                    <a:pt x="869" y="247"/>
+                    <a:pt x="875" y="241"/>
+                    <a:pt x="878" y="235"/>
+                  </a:cubicBezTo>
+                  <a:cubicBezTo>
+                    <a:pt x="882" y="228"/>
+                    <a:pt x="884" y="221"/>
+                    <a:pt x="884" y="213"/>
+                  </a:cubicBezTo>
+                  <a:lnTo>
+                    <a:pt x="884" y="42"/>
+                  </a:lnTo>
+                  <a:lnTo>
+                    <a:pt x="884" y="43"/>
+                  </a:lnTo>
+                  <a:lnTo>
+                    <a:pt x="884" y="43"/>
+                  </a:lnTo>
+                  <a:cubicBezTo>
+                    <a:pt x="884" y="35"/>
+                    <a:pt x="882" y="28"/>
+                    <a:pt x="878" y="21"/>
+                  </a:cubicBezTo>
+                  <a:cubicBezTo>
+                    <a:pt x="875" y="15"/>
+                    <a:pt x="869" y="9"/>
+                    <a:pt x="863" y="6"/>
+                  </a:cubicBezTo>
+                  <a:cubicBezTo>
+                    <a:pt x="856" y="2"/>
+                    <a:pt x="849" y="0"/>
+                    <a:pt x="841" y="0"/>
+                  </a:cubicBezTo>
+                  <a:lnTo>
+                    <a:pt x="42" y="0"/>
+                  </a:lnTo>
+                </a:path>
+              </a:pathLst>
+            </a:custGeom>
+            <a:solidFill>
+              <a:srgbClr val="FFFFFF"/>
+            </a:solidFill>
+            <a:ln w="31750">
+              <a:solidFill>
+                <a:srgbClr val="000000"/>
+              </a:solidFill>
+            </a:ln>
+          </p:spPr>
+          <p:style>
+            <a:lnRef idx="0">
+              <a:scrgbClr r="0" g="0" b="0"/>
+            </a:lnRef>
+            <a:fillRef idx="0">
+              <a:scrgbClr r="0" g="0" b="0"/>
+            </a:fillRef>
+            <a:effectRef idx="0">
+              <a:scrgbClr r="0" g="0" b="0"/>
+            </a:effectRef>
+            <a:fontRef idx="minor"/>
+          </p:style>
+        </p:sp>
+        <p:sp>
+          <p:nvSpPr>
+            <p:cNvPr id="401" name="CustomShape 11_8"/>
+            <p:cNvSpPr/>
+            <p:nvPr/>
+          </p:nvSpPr>
+          <p:spPr>
+            <a:xfrm>
+              <a:off x="7893753" y="1807138"/>
+              <a:ext cx="989750" cy="890431"/>
+            </a:xfrm>
+            <a:prstGeom prst="rect">
+              <a:avLst/>
+            </a:prstGeom>
+            <a:solidFill>
+              <a:srgbClr val="EEEEEE"/>
+            </a:solidFill>
+            <a:ln w="36720">
+              <a:noFill/>
+            </a:ln>
+          </p:spPr>
+          <p:style>
+            <a:lnRef idx="0">
+              <a:scrgbClr r="0" g="0" b="0"/>
+            </a:lnRef>
+            <a:fillRef idx="0">
+              <a:scrgbClr r="0" g="0" b="0"/>
+            </a:fillRef>
+            <a:effectRef idx="0">
+              <a:scrgbClr r="0" g="0" b="0"/>
+            </a:effectRef>
+            <a:fontRef idx="minor"/>
+          </p:style>
+        </p:sp>
+        <p:pic>
+          <p:nvPicPr>
+            <p:cNvPr id="402" name="Picture 13_2"/>
+            <p:cNvPicPr/>
+            <p:nvPr/>
+          </p:nvPicPr>
+          <p:blipFill>
+            <a:blip r:embed="rId9"/>
+            <a:stretch/>
+          </p:blipFill>
+          <p:spPr>
+            <a:xfrm>
+              <a:off x="7987598" y="1885473"/>
+              <a:ext cx="732332" cy="698614"/>
+            </a:xfrm>
+            <a:prstGeom prst="rect">
+              <a:avLst/>
+            </a:prstGeom>
+            <a:ln w="0">
+              <a:noFill/>
+            </a:ln>
+          </p:spPr>
+        </p:pic>
+        <p:pic>
+          <p:nvPicPr>
+            <p:cNvPr id="94" name="Imagen 274_1">
+              <a:extLst>
+                <a:ext uri="{FF2B5EF4-FFF2-40B4-BE49-F238E27FC236}">
+                  <a16:creationId xmlns:a16="http://schemas.microsoft.com/office/drawing/2014/main" id="{863E8833-D961-D925-63F8-2B28D066BD98}"/>
+                </a:ext>
+              </a:extLst>
+            </p:cNvPr>
+            <p:cNvPicPr/>
+            <p:nvPr/>
+          </p:nvPicPr>
+          <p:blipFill>
+            <a:blip r:embed="rId4"/>
+            <a:stretch/>
+          </p:blipFill>
+          <p:spPr>
+            <a:xfrm>
+              <a:off x="7361900" y="3606195"/>
+              <a:ext cx="1991524" cy="1282385"/>
+            </a:xfrm>
+            <a:prstGeom prst="rect">
+              <a:avLst/>
+            </a:prstGeom>
+            <a:ln w="0">
+              <a:noFill/>
+            </a:ln>
+          </p:spPr>
+        </p:pic>
+        <p:sp>
+          <p:nvSpPr>
+            <p:cNvPr id="394" name="CustomShape 11_7"/>
+            <p:cNvSpPr/>
+            <p:nvPr/>
+          </p:nvSpPr>
+          <p:spPr>
+            <a:xfrm>
+              <a:off x="7926263" y="3790570"/>
+              <a:ext cx="864417" cy="820374"/>
+            </a:xfrm>
+            <a:prstGeom prst="rect">
+              <a:avLst/>
+            </a:prstGeom>
+            <a:solidFill>
+              <a:srgbClr val="EEEEEE"/>
+            </a:solidFill>
+            <a:ln w="36720">
+              <a:noFill/>
+            </a:ln>
+          </p:spPr>
+          <p:style>
+            <a:lnRef idx="0">
+              <a:scrgbClr r="0" g="0" b="0"/>
+            </a:lnRef>
+            <a:fillRef idx="0">
+              <a:scrgbClr r="0" g="0" b="0"/>
+            </a:fillRef>
+            <a:effectRef idx="0">
+              <a:scrgbClr r="0" g="0" b="0"/>
+            </a:effectRef>
+            <a:fontRef idx="minor"/>
+          </p:style>
+        </p:sp>
+        <p:pic>
+          <p:nvPicPr>
+            <p:cNvPr id="395" name="Imagen 287_1"/>
+            <p:cNvPicPr/>
+            <p:nvPr/>
+          </p:nvPicPr>
+          <p:blipFill>
+            <a:blip r:embed="rId10"/>
+            <a:stretch/>
+          </p:blipFill>
+          <p:spPr>
+            <a:xfrm>
+              <a:off x="7912961" y="3848286"/>
+              <a:ext cx="891110" cy="730604"/>
+            </a:xfrm>
+            <a:prstGeom prst="rect">
+              <a:avLst/>
+            </a:prstGeom>
+            <a:ln w="0">
+              <a:noFill/>
+            </a:ln>
+          </p:spPr>
+        </p:pic>
+        <p:sp>
+          <p:nvSpPr>
+            <p:cNvPr id="95" name="TextBox 94">
+              <a:extLst>
+                <a:ext uri="{FF2B5EF4-FFF2-40B4-BE49-F238E27FC236}">
+                  <a16:creationId xmlns:a16="http://schemas.microsoft.com/office/drawing/2014/main" id="{8B64C866-9FA0-A00F-1B37-930B210F54A1}"/>
+                </a:ext>
+              </a:extLst>
+            </p:cNvPr>
+            <p:cNvSpPr txBox="1"/>
+            <p:nvPr/>
+          </p:nvSpPr>
+          <p:spPr>
+            <a:xfrm>
+              <a:off x="10451322" y="958833"/>
+              <a:ext cx="3509140" cy="602280"/>
+            </a:xfrm>
+            <a:prstGeom prst="rect">
+              <a:avLst/>
+            </a:prstGeom>
+            <a:noFill/>
+            <a:ln w="0">
+              <a:noFill/>
+            </a:ln>
+          </p:spPr>
+          <p:txBody>
+            <a:bodyPr lIns="90000" tIns="45000" rIns="90000" bIns="45000" anchor="t">
+              <a:noAutofit/>
+            </a:bodyPr>
+            <a:lstStyle/>
+            <a:p>
+              <a:pPr algn="ctr">
+                <a:buNone/>
+              </a:pPr>
+              <a:r>
+                <a:rPr lang="en-US" sz="2000" b="0" strike="noStrike" spc="-1" dirty="0">
+                  <a:latin typeface="Arial"/>
+                </a:rPr>
+                <a:t>Model-derived PE</a:t>
+              </a:r>
+            </a:p>
+          </p:txBody>
+        </p:sp>
+        <p:sp>
+          <p:nvSpPr>
+            <p:cNvPr id="97" name="TextBox 96">
+              <a:extLst>
+                <a:ext uri="{FF2B5EF4-FFF2-40B4-BE49-F238E27FC236}">
+                  <a16:creationId xmlns:a16="http://schemas.microsoft.com/office/drawing/2014/main" id="{6E1C573D-8129-C3FB-95C7-131107464A4F}"/>
+                </a:ext>
+              </a:extLst>
+            </p:cNvPr>
+            <p:cNvSpPr txBox="1"/>
+            <p:nvPr/>
+          </p:nvSpPr>
+          <p:spPr>
+            <a:xfrm>
+              <a:off x="2925625" y="9752079"/>
+              <a:ext cx="3018086" cy="602280"/>
+            </a:xfrm>
+            <a:prstGeom prst="rect">
+              <a:avLst/>
+            </a:prstGeom>
+            <a:noFill/>
+            <a:ln w="0">
+              <a:noFill/>
+            </a:ln>
+          </p:spPr>
+          <p:txBody>
+            <a:bodyPr lIns="90000" tIns="45000" rIns="90000" bIns="45000" anchor="t">
+              <a:noAutofit/>
+            </a:bodyPr>
+            <a:lstStyle/>
+            <a:p>
+              <a:r>
+                <a:rPr lang="en-US" sz="2000" b="0" strike="noStrike" spc="-1" dirty="0">
+                  <a:latin typeface="Arial"/>
+                </a:rPr>
+                <a:t>0	</a:t>
+              </a:r>
+              <a:r>
+                <a:rPr lang="en-US" sz="2000" spc="-1" dirty="0">
+                  <a:latin typeface="Arial"/>
+                </a:rPr>
+                <a:t>                     </a:t>
+              </a:r>
+              <a:r>
+                <a:rPr lang="en-US" sz="2000" b="0" strike="noStrike" spc="-1" dirty="0">
+                  <a:latin typeface="Arial"/>
+                </a:rPr>
+                <a:t> 1</a:t>
+              </a:r>
+            </a:p>
+          </p:txBody>
+        </p:sp>
+        <p:sp>
+          <p:nvSpPr>
+            <p:cNvPr id="113" name="Straight Connector 112">
+              <a:extLst>
+                <a:ext uri="{FF2B5EF4-FFF2-40B4-BE49-F238E27FC236}">
+                  <a16:creationId xmlns:a16="http://schemas.microsoft.com/office/drawing/2014/main" id="{5388340F-A0C7-C117-C94A-05EF4B0E043D}"/>
+                </a:ext>
+              </a:extLst>
+            </p:cNvPr>
+            <p:cNvSpPr/>
+            <p:nvPr/>
+          </p:nvSpPr>
+          <p:spPr>
+            <a:xfrm>
+              <a:off x="5943712" y="6417130"/>
+              <a:ext cx="0" cy="3300032"/>
+            </a:xfrm>
+            <a:prstGeom prst="line">
+              <a:avLst/>
+            </a:prstGeom>
+            <a:ln w="31750">
+              <a:solidFill>
+                <a:srgbClr val="000000"/>
+              </a:solidFill>
+            </a:ln>
+          </p:spPr>
+          <p:style>
+            <a:lnRef idx="0">
+              <a:scrgbClr r="0" g="0" b="0"/>
+            </a:lnRef>
+            <a:fillRef idx="0">
+              <a:scrgbClr r="0" g="0" b="0"/>
+            </a:fillRef>
+            <a:effectRef idx="0">
+              <a:scrgbClr r="0" g="0" b="0"/>
+            </a:effectRef>
+            <a:fontRef idx="minor"/>
+          </p:style>
+          <p:txBody>
+            <a:bodyPr/>
+            <a:lstStyle/>
+            <a:p>
+              <a:endParaRPr lang="en-DE" sz="2000" dirty="0"/>
+            </a:p>
+          </p:txBody>
+        </p:sp>
+        <p:sp>
+          <p:nvSpPr>
+            <p:cNvPr id="114" name="Straight Connector 113">
+              <a:extLst>
+                <a:ext uri="{FF2B5EF4-FFF2-40B4-BE49-F238E27FC236}">
+                  <a16:creationId xmlns:a16="http://schemas.microsoft.com/office/drawing/2014/main" id="{DA2DB904-E0C8-5AB9-EB33-8ADCEB06B93F}"/>
+                </a:ext>
+              </a:extLst>
+            </p:cNvPr>
+            <p:cNvSpPr/>
+            <p:nvPr/>
+          </p:nvSpPr>
+          <p:spPr>
+            <a:xfrm flipH="1">
+              <a:off x="5943711" y="9714592"/>
+              <a:ext cx="2470035" cy="6118"/>
+            </a:xfrm>
+            <a:prstGeom prst="line">
+              <a:avLst/>
+            </a:prstGeom>
+            <a:ln w="31750">
+              <a:solidFill>
+                <a:srgbClr val="000000"/>
+              </a:solidFill>
+            </a:ln>
+          </p:spPr>
+          <p:style>
+            <a:lnRef idx="0">
+              <a:scrgbClr r="0" g="0" b="0"/>
+            </a:lnRef>
+            <a:fillRef idx="0">
+              <a:scrgbClr r="0" g="0" b="0"/>
+            </a:fillRef>
+            <a:effectRef idx="0">
+              <a:scrgbClr r="0" g="0" b="0"/>
+            </a:effectRef>
+            <a:fontRef idx="minor"/>
+          </p:style>
+        </p:sp>
+        <p:sp>
+          <p:nvSpPr>
+            <p:cNvPr id="116" name="Straight Connector 115">
+              <a:extLst>
+                <a:ext uri="{FF2B5EF4-FFF2-40B4-BE49-F238E27FC236}">
+                  <a16:creationId xmlns:a16="http://schemas.microsoft.com/office/drawing/2014/main" id="{6CF3D4EB-A22A-D236-3FBC-323EC46E1FD5}"/>
+                </a:ext>
+              </a:extLst>
+            </p:cNvPr>
+            <p:cNvSpPr/>
+            <p:nvPr/>
+          </p:nvSpPr>
+          <p:spPr>
+            <a:xfrm>
+              <a:off x="8413763" y="6417130"/>
+              <a:ext cx="0" cy="3303580"/>
+            </a:xfrm>
+            <a:prstGeom prst="line">
+              <a:avLst/>
+            </a:prstGeom>
+            <a:ln w="31750">
+              <a:solidFill>
+                <a:srgbClr val="000000"/>
+              </a:solidFill>
+            </a:ln>
+          </p:spPr>
+          <p:style>
+            <a:lnRef idx="0">
+              <a:scrgbClr r="0" g="0" b="0"/>
+            </a:lnRef>
+            <a:fillRef idx="0">
+              <a:scrgbClr r="0" g="0" b="0"/>
+            </a:fillRef>
+            <a:effectRef idx="0">
+              <a:scrgbClr r="0" g="0" b="0"/>
+            </a:effectRef>
+            <a:fontRef idx="minor"/>
+          </p:style>
+        </p:sp>
+        <p:sp>
+          <p:nvSpPr>
+            <p:cNvPr id="118" name="Straight Connector 117">
+              <a:extLst>
+                <a:ext uri="{FF2B5EF4-FFF2-40B4-BE49-F238E27FC236}">
+                  <a16:creationId xmlns:a16="http://schemas.microsoft.com/office/drawing/2014/main" id="{39E6B9B9-8999-3BC3-25D2-B46A67F8A6D2}"/>
+                </a:ext>
+              </a:extLst>
+            </p:cNvPr>
+            <p:cNvSpPr/>
+            <p:nvPr/>
+          </p:nvSpPr>
+          <p:spPr>
+            <a:xfrm flipH="1">
+              <a:off x="5949078" y="6849946"/>
+              <a:ext cx="2464667" cy="3059"/>
+            </a:xfrm>
+            <a:prstGeom prst="line">
+              <a:avLst/>
+            </a:prstGeom>
+            <a:ln w="31750">
+              <a:solidFill>
+                <a:srgbClr val="000000"/>
+              </a:solidFill>
+            </a:ln>
+          </p:spPr>
+          <p:style>
+            <a:lnRef idx="0">
+              <a:scrgbClr r="0" g="0" b="0"/>
+            </a:lnRef>
+            <a:fillRef idx="0">
+              <a:scrgbClr r="0" g="0" b="0"/>
+            </a:fillRef>
+            <a:effectRef idx="0">
+              <a:scrgbClr r="0" g="0" b="0"/>
+            </a:effectRef>
+            <a:fontRef idx="minor"/>
+          </p:style>
+        </p:sp>
+        <p:sp>
+          <p:nvSpPr>
+            <p:cNvPr id="119" name="Straight Connector 118">
+              <a:extLst>
+                <a:ext uri="{FF2B5EF4-FFF2-40B4-BE49-F238E27FC236}">
+                  <a16:creationId xmlns:a16="http://schemas.microsoft.com/office/drawing/2014/main" id="{E5AE2012-CA07-5E9A-7E94-D2C8958EE07C}"/>
+                </a:ext>
+              </a:extLst>
+            </p:cNvPr>
+            <p:cNvSpPr/>
+            <p:nvPr/>
+          </p:nvSpPr>
+          <p:spPr>
+            <a:xfrm flipH="1">
+              <a:off x="5943711" y="6414675"/>
+              <a:ext cx="2470045" cy="2455"/>
+            </a:xfrm>
+            <a:prstGeom prst="line">
+              <a:avLst/>
+            </a:prstGeom>
+            <a:ln w="31750">
+              <a:solidFill>
+                <a:srgbClr val="000000"/>
+              </a:solidFill>
+            </a:ln>
+          </p:spPr>
+          <p:style>
+            <a:lnRef idx="0">
+              <a:scrgbClr r="0" g="0" b="0"/>
+            </a:lnRef>
+            <a:fillRef idx="0">
+              <a:scrgbClr r="0" g="0" b="0"/>
+            </a:fillRef>
+            <a:effectRef idx="0">
+              <a:scrgbClr r="0" g="0" b="0"/>
+            </a:effectRef>
+            <a:fontRef idx="minor"/>
+          </p:style>
+          <p:txBody>
+            <a:bodyPr/>
+            <a:lstStyle/>
+            <a:p>
+              <a:endParaRPr lang="en-DE" sz="2000" dirty="0"/>
+            </a:p>
+          </p:txBody>
+        </p:sp>
+        <p:sp>
+          <p:nvSpPr>
+            <p:cNvPr id="121" name="TextBox 120">
+              <a:extLst>
+                <a:ext uri="{FF2B5EF4-FFF2-40B4-BE49-F238E27FC236}">
+                  <a16:creationId xmlns:a16="http://schemas.microsoft.com/office/drawing/2014/main" id="{CCE686A1-3D28-FD25-5E16-D145F5E8EE12}"/>
+                </a:ext>
+              </a:extLst>
+            </p:cNvPr>
+            <p:cNvSpPr txBox="1"/>
+            <p:nvPr/>
+          </p:nvSpPr>
+          <p:spPr>
+            <a:xfrm>
+              <a:off x="5768147" y="9745073"/>
+              <a:ext cx="3833859" cy="602280"/>
+            </a:xfrm>
+            <a:prstGeom prst="rect">
+              <a:avLst/>
+            </a:prstGeom>
+            <a:noFill/>
+            <a:ln w="0">
+              <a:noFill/>
+            </a:ln>
+          </p:spPr>
+          <p:txBody>
+            <a:bodyPr lIns="90000" tIns="45000" rIns="90000" bIns="45000" anchor="t">
+              <a:noAutofit/>
+            </a:bodyPr>
+            <a:lstStyle/>
+            <a:p>
+              <a:r>
+                <a:rPr lang="en-US" sz="2000" b="0" strike="noStrike" spc="-1" dirty="0">
+                  <a:latin typeface="Arial"/>
+                </a:rPr>
+                <a:t>0	</a:t>
+              </a:r>
+              <a:r>
+                <a:rPr lang="en-US" sz="2000" spc="-1" dirty="0">
+                  <a:latin typeface="Arial"/>
+                </a:rPr>
+                <a:t>                     </a:t>
+              </a:r>
+              <a:r>
+                <a:rPr lang="en-US" sz="2000" b="0" strike="noStrike" spc="-1" dirty="0">
+                  <a:latin typeface="Arial"/>
+                </a:rPr>
+                <a:t> 1</a:t>
+              </a:r>
+            </a:p>
+          </p:txBody>
+        </p:sp>
+        <p:sp>
+          <p:nvSpPr>
+            <p:cNvPr id="122" name="TextBox 121">
+              <a:extLst>
+                <a:ext uri="{FF2B5EF4-FFF2-40B4-BE49-F238E27FC236}">
+                  <a16:creationId xmlns:a16="http://schemas.microsoft.com/office/drawing/2014/main" id="{67ADC0BA-5A39-C8F2-43B3-070E78BDC39A}"/>
+                </a:ext>
+              </a:extLst>
+            </p:cNvPr>
+            <p:cNvSpPr txBox="1"/>
+            <p:nvPr/>
+          </p:nvSpPr>
+          <p:spPr>
+            <a:xfrm rot="16232400">
+              <a:off x="8884847" y="6787785"/>
+              <a:ext cx="2054401" cy="1544382"/>
+            </a:xfrm>
+            <a:prstGeom prst="rect">
+              <a:avLst/>
+            </a:prstGeom>
+            <a:noFill/>
+            <a:ln w="0">
+              <a:noFill/>
+            </a:ln>
+          </p:spPr>
+          <p:txBody>
+            <a:bodyPr lIns="90000" tIns="45000" rIns="90000" bIns="45000" anchor="t">
+              <a:noAutofit/>
+            </a:bodyPr>
+            <a:lstStyle/>
+            <a:p>
+              <a:r>
+                <a:rPr lang="en-US" sz="2000" strike="noStrike" spc="-1" dirty="0">
+                  <a:latin typeface="Arial"/>
+                </a:rPr>
+                <a:t>p(Hit)</a:t>
+              </a:r>
+            </a:p>
+          </p:txBody>
+        </p:sp>
+        <p:sp>
+          <p:nvSpPr>
+            <p:cNvPr id="123" name="TextBox 122">
+              <a:extLst>
+                <a:ext uri="{FF2B5EF4-FFF2-40B4-BE49-F238E27FC236}">
+                  <a16:creationId xmlns:a16="http://schemas.microsoft.com/office/drawing/2014/main" id="{0A1029BB-AABD-7FC3-8579-5D5232632E00}"/>
+                </a:ext>
+              </a:extLst>
+            </p:cNvPr>
+            <p:cNvSpPr txBox="1"/>
+            <p:nvPr/>
+          </p:nvSpPr>
+          <p:spPr>
+            <a:xfrm>
+              <a:off x="10429822" y="5904481"/>
+              <a:ext cx="3946199" cy="840321"/>
+            </a:xfrm>
+            <a:prstGeom prst="rect">
+              <a:avLst/>
+            </a:prstGeom>
+            <a:noFill/>
+            <a:ln w="0">
+              <a:noFill/>
+            </a:ln>
+          </p:spPr>
+          <p:txBody>
+            <a:bodyPr lIns="90000" tIns="45000" rIns="90000" bIns="45000" anchor="t">
+              <a:noAutofit/>
+            </a:bodyPr>
+            <a:lstStyle/>
+            <a:p>
+              <a:pPr algn="ctr">
+                <a:buNone/>
+              </a:pPr>
+              <a:r>
+                <a:rPr lang="en-US" sz="2000" strike="noStrike" spc="-1" dirty="0">
+                  <a:latin typeface="Arial"/>
+                </a:rPr>
+                <a:t>Prediction Outcome</a:t>
+              </a:r>
+            </a:p>
+          </p:txBody>
+        </p:sp>
+        <p:sp>
+          <p:nvSpPr>
+            <p:cNvPr id="124" name="TextBox 123">
+              <a:extLst>
+                <a:ext uri="{FF2B5EF4-FFF2-40B4-BE49-F238E27FC236}">
+                  <a16:creationId xmlns:a16="http://schemas.microsoft.com/office/drawing/2014/main" id="{B62E1D17-EFFB-9F55-354E-221328188A46}"/>
+                </a:ext>
+              </a:extLst>
+            </p:cNvPr>
+            <p:cNvSpPr txBox="1"/>
+            <p:nvPr/>
+          </p:nvSpPr>
+          <p:spPr>
+            <a:xfrm rot="16233600">
+              <a:off x="8020562" y="7636815"/>
+              <a:ext cx="3383182" cy="1042421"/>
+            </a:xfrm>
+            <a:prstGeom prst="rect">
+              <a:avLst/>
+            </a:prstGeom>
+            <a:noFill/>
+            <a:ln w="0">
+              <a:noFill/>
+            </a:ln>
+          </p:spPr>
+          <p:txBody>
+            <a:bodyPr lIns="90000" tIns="45000" rIns="90000" bIns="45000" anchor="t">
+              <a:noAutofit/>
+            </a:bodyPr>
+            <a:lstStyle/>
+            <a:p>
+              <a:r>
+                <a:rPr lang="en-US" sz="2000" b="0" strike="noStrike" spc="-1" dirty="0">
+                  <a:latin typeface="Arial"/>
+                </a:rPr>
+                <a:t>0		              1</a:t>
+              </a:r>
+            </a:p>
+          </p:txBody>
+        </p:sp>
+        <p:sp>
+          <p:nvSpPr>
+            <p:cNvPr id="125" name="Straight Connector 124">
+              <a:extLst>
+                <a:ext uri="{FF2B5EF4-FFF2-40B4-BE49-F238E27FC236}">
+                  <a16:creationId xmlns:a16="http://schemas.microsoft.com/office/drawing/2014/main" id="{DFA0C542-1E7D-E68A-FFAD-6C58F147EE4C}"/>
+                </a:ext>
+              </a:extLst>
+            </p:cNvPr>
+            <p:cNvSpPr/>
+            <p:nvPr/>
+          </p:nvSpPr>
+          <p:spPr>
+            <a:xfrm>
+              <a:off x="9743892" y="6405546"/>
+              <a:ext cx="0" cy="3300032"/>
+            </a:xfrm>
+            <a:prstGeom prst="line">
+              <a:avLst/>
+            </a:prstGeom>
+            <a:ln w="31750">
+              <a:solidFill>
+                <a:srgbClr val="000000"/>
+              </a:solidFill>
+            </a:ln>
+          </p:spPr>
+          <p:style>
+            <a:lnRef idx="0">
+              <a:scrgbClr r="0" g="0" b="0"/>
+            </a:lnRef>
+            <a:fillRef idx="0">
+              <a:scrgbClr r="0" g="0" b="0"/>
+            </a:fillRef>
+            <a:effectRef idx="0">
+              <a:scrgbClr r="0" g="0" b="0"/>
+            </a:effectRef>
+            <a:fontRef idx="minor"/>
+          </p:style>
+          <p:txBody>
+            <a:bodyPr/>
+            <a:lstStyle/>
+            <a:p>
+              <a:endParaRPr lang="en-DE" sz="2000" dirty="0"/>
+            </a:p>
+          </p:txBody>
+        </p:sp>
+        <p:sp>
+          <p:nvSpPr>
+            <p:cNvPr id="126" name="Straight Connector 125">
+              <a:extLst>
+                <a:ext uri="{FF2B5EF4-FFF2-40B4-BE49-F238E27FC236}">
+                  <a16:creationId xmlns:a16="http://schemas.microsoft.com/office/drawing/2014/main" id="{60462829-D681-BDFF-9C41-9D977D247994}"/>
+                </a:ext>
+              </a:extLst>
+            </p:cNvPr>
+            <p:cNvSpPr/>
+            <p:nvPr/>
+          </p:nvSpPr>
+          <p:spPr>
+            <a:xfrm flipH="1">
+              <a:off x="9743891" y="9703008"/>
+              <a:ext cx="2470035" cy="6118"/>
+            </a:xfrm>
+            <a:prstGeom prst="line">
+              <a:avLst/>
+            </a:prstGeom>
+            <a:ln w="31750">
+              <a:solidFill>
+                <a:srgbClr val="000000"/>
+              </a:solidFill>
+            </a:ln>
+          </p:spPr>
+          <p:style>
+            <a:lnRef idx="0">
+              <a:scrgbClr r="0" g="0" b="0"/>
+            </a:lnRef>
+            <a:fillRef idx="0">
+              <a:scrgbClr r="0" g="0" b="0"/>
+            </a:fillRef>
+            <a:effectRef idx="0">
+              <a:scrgbClr r="0" g="0" b="0"/>
+            </a:effectRef>
+            <a:fontRef idx="minor"/>
+          </p:style>
+        </p:sp>
+        <p:pic>
+          <p:nvPicPr>
+            <p:cNvPr id="128" name="Picture 127">
+              <a:extLst>
+                <a:ext uri="{FF2B5EF4-FFF2-40B4-BE49-F238E27FC236}">
+                  <a16:creationId xmlns:a16="http://schemas.microsoft.com/office/drawing/2014/main" id="{30397523-AC29-C293-A8A8-E70FE8CEF7E7}"/>
+                </a:ext>
+              </a:extLst>
+            </p:cNvPr>
+            <p:cNvPicPr>
+              <a:picLocks noChangeAspect="1"/>
+            </p:cNvPicPr>
+            <p:nvPr/>
+          </p:nvPicPr>
+          <p:blipFill>
+            <a:blip r:embed="rId3"/>
+            <a:srcRect l="38593" t="27069" r="16398" b="24703"/>
+            <a:stretch/>
+          </p:blipFill>
+          <p:spPr>
+            <a:xfrm rot="937800">
+              <a:off x="12997572" y="6998917"/>
+              <a:ext cx="2124000" cy="2664864"/>
+            </a:xfrm>
+            <a:prstGeom prst="rect">
+              <a:avLst/>
+            </a:prstGeom>
+            <a:ln w="0">
+              <a:noFill/>
+            </a:ln>
+          </p:spPr>
+        </p:pic>
+        <p:sp>
+          <p:nvSpPr>
+            <p:cNvPr id="129" name="Straight Connector 128">
+              <a:extLst>
+                <a:ext uri="{FF2B5EF4-FFF2-40B4-BE49-F238E27FC236}">
+                  <a16:creationId xmlns:a16="http://schemas.microsoft.com/office/drawing/2014/main" id="{9FEA6D71-D874-0C31-5B9F-FF6B62EC3932}"/>
+                </a:ext>
+              </a:extLst>
+            </p:cNvPr>
+            <p:cNvSpPr/>
+            <p:nvPr/>
+          </p:nvSpPr>
+          <p:spPr>
+            <a:xfrm>
+              <a:off x="12213943" y="6405546"/>
+              <a:ext cx="0" cy="3303580"/>
+            </a:xfrm>
+            <a:prstGeom prst="line">
+              <a:avLst/>
+            </a:prstGeom>
+            <a:ln w="31750">
+              <a:solidFill>
+                <a:srgbClr val="000000"/>
+              </a:solidFill>
+            </a:ln>
+          </p:spPr>
+          <p:style>
+            <a:lnRef idx="0">
+              <a:scrgbClr r="0" g="0" b="0"/>
+            </a:lnRef>
+            <a:fillRef idx="0">
+              <a:scrgbClr r="0" g="0" b="0"/>
+            </a:fillRef>
+            <a:effectRef idx="0">
+              <a:scrgbClr r="0" g="0" b="0"/>
+            </a:effectRef>
+            <a:fontRef idx="minor"/>
+          </p:style>
+        </p:sp>
+        <p:sp>
+          <p:nvSpPr>
+            <p:cNvPr id="130" name="TextBox 129">
+              <a:extLst>
+                <a:ext uri="{FF2B5EF4-FFF2-40B4-BE49-F238E27FC236}">
+                  <a16:creationId xmlns:a16="http://schemas.microsoft.com/office/drawing/2014/main" id="{698D533E-4D38-CEDE-622C-D7446CA7EF69}"/>
+                </a:ext>
+              </a:extLst>
+            </p:cNvPr>
+            <p:cNvSpPr txBox="1"/>
+            <p:nvPr/>
+          </p:nvSpPr>
+          <p:spPr>
+            <a:xfrm>
+              <a:off x="10449884" y="6439301"/>
+              <a:ext cx="1563676" cy="989418"/>
+            </a:xfrm>
+            <a:prstGeom prst="rect">
+              <a:avLst/>
+            </a:prstGeom>
+            <a:noFill/>
+            <a:ln w="0">
+              <a:noFill/>
+            </a:ln>
+          </p:spPr>
+          <p:txBody>
+            <a:bodyPr lIns="90000" tIns="45000" rIns="90000" bIns="45000" anchor="t">
+              <a:noAutofit/>
+            </a:bodyPr>
+            <a:lstStyle/>
+            <a:p>
+              <a:r>
+                <a:rPr lang="en-US" sz="2000" b="0" strike="noStrike" spc="-1" dirty="0">
+                  <a:highlight>
+                    <a:srgbClr val="FFFFFF"/>
+                  </a:highlight>
+                  <a:latin typeface="Arial"/>
+                </a:rPr>
+                <a:t>Incorrect</a:t>
+              </a:r>
+              <a:endParaRPr lang="en-US" sz="2000" b="0" strike="noStrike" spc="-1" dirty="0">
+                <a:latin typeface="Arial"/>
+              </a:endParaRPr>
+            </a:p>
+          </p:txBody>
+        </p:sp>
+        <p:sp>
+          <p:nvSpPr>
+            <p:cNvPr id="131" name="TextBox 130">
+              <a:extLst>
+                <a:ext uri="{FF2B5EF4-FFF2-40B4-BE49-F238E27FC236}">
+                  <a16:creationId xmlns:a16="http://schemas.microsoft.com/office/drawing/2014/main" id="{15DDA2F7-9988-A669-9DAC-A6CEFA38CBCD}"/>
+                </a:ext>
+              </a:extLst>
+            </p:cNvPr>
+            <p:cNvSpPr txBox="1"/>
+            <p:nvPr/>
+          </p:nvSpPr>
+          <p:spPr>
+            <a:xfrm>
+              <a:off x="13312245" y="6410171"/>
+              <a:ext cx="1666509" cy="989418"/>
+            </a:xfrm>
+            <a:prstGeom prst="rect">
+              <a:avLst/>
+            </a:prstGeom>
+            <a:noFill/>
+            <a:ln w="0">
+              <a:noFill/>
+            </a:ln>
+          </p:spPr>
+          <p:txBody>
+            <a:bodyPr lIns="90000" tIns="45000" rIns="90000" bIns="45000" anchor="t">
+              <a:noAutofit/>
+            </a:bodyPr>
+            <a:lstStyle/>
+            <a:p>
+              <a:r>
+                <a:rPr lang="en-US" sz="2000" b="0" strike="noStrike" spc="-1" dirty="0">
+                  <a:highlight>
+                    <a:srgbClr val="FFFFFF"/>
+                  </a:highlight>
+                  <a:latin typeface="Arial"/>
+                </a:rPr>
+                <a:t>Correct</a:t>
+              </a:r>
+              <a:endParaRPr lang="en-US" sz="2000" b="0" strike="noStrike" spc="-1" dirty="0">
+                <a:latin typeface="Arial"/>
+              </a:endParaRPr>
+            </a:p>
+          </p:txBody>
+        </p:sp>
+        <p:sp>
+          <p:nvSpPr>
+            <p:cNvPr id="132" name="Straight Connector 131">
+              <a:extLst>
+                <a:ext uri="{FF2B5EF4-FFF2-40B4-BE49-F238E27FC236}">
+                  <a16:creationId xmlns:a16="http://schemas.microsoft.com/office/drawing/2014/main" id="{38566AAE-2D31-A296-1CEA-C526D9082FAF}"/>
+                </a:ext>
+              </a:extLst>
+            </p:cNvPr>
+            <p:cNvSpPr/>
+            <p:nvPr/>
+          </p:nvSpPr>
+          <p:spPr>
+            <a:xfrm flipH="1">
+              <a:off x="9738528" y="6809848"/>
+              <a:ext cx="2486857" cy="6118"/>
+            </a:xfrm>
+            <a:prstGeom prst="line">
+              <a:avLst/>
+            </a:prstGeom>
+            <a:ln w="31750">
+              <a:solidFill>
+                <a:srgbClr val="000000"/>
+              </a:solidFill>
+            </a:ln>
+          </p:spPr>
+          <p:style>
+            <a:lnRef idx="0">
+              <a:scrgbClr r="0" g="0" b="0"/>
+            </a:lnRef>
+            <a:fillRef idx="0">
+              <a:scrgbClr r="0" g="0" b="0"/>
+            </a:fillRef>
+            <a:effectRef idx="0">
+              <a:scrgbClr r="0" g="0" b="0"/>
+            </a:effectRef>
+            <a:fontRef idx="minor"/>
+          </p:style>
+        </p:sp>
+        <p:sp>
+          <p:nvSpPr>
+            <p:cNvPr id="133" name="Straight Connector 132">
+              <a:extLst>
+                <a:ext uri="{FF2B5EF4-FFF2-40B4-BE49-F238E27FC236}">
+                  <a16:creationId xmlns:a16="http://schemas.microsoft.com/office/drawing/2014/main" id="{E9A66CCF-E8D6-3598-B1CB-488D23918841}"/>
+                </a:ext>
+              </a:extLst>
+            </p:cNvPr>
+            <p:cNvSpPr/>
+            <p:nvPr/>
+          </p:nvSpPr>
+          <p:spPr>
+            <a:xfrm flipH="1">
+              <a:off x="9743891" y="6403091"/>
+              <a:ext cx="2470045" cy="2455"/>
+            </a:xfrm>
+            <a:prstGeom prst="line">
+              <a:avLst/>
+            </a:prstGeom>
+            <a:ln w="31750">
+              <a:solidFill>
+                <a:srgbClr val="000000"/>
+              </a:solidFill>
+            </a:ln>
+          </p:spPr>
+          <p:style>
+            <a:lnRef idx="0">
+              <a:scrgbClr r="0" g="0" b="0"/>
+            </a:lnRef>
+            <a:fillRef idx="0">
+              <a:scrgbClr r="0" g="0" b="0"/>
+            </a:fillRef>
+            <a:effectRef idx="0">
+              <a:scrgbClr r="0" g="0" b="0"/>
+            </a:effectRef>
+            <a:fontRef idx="minor"/>
+          </p:style>
+          <p:txBody>
+            <a:bodyPr/>
+            <a:lstStyle/>
+            <a:p>
+              <a:endParaRPr lang="en-DE" sz="2000" dirty="0"/>
+            </a:p>
+          </p:txBody>
+        </p:sp>
+        <p:sp>
+          <p:nvSpPr>
+            <p:cNvPr id="135" name="TextBox 134">
+              <a:extLst>
+                <a:ext uri="{FF2B5EF4-FFF2-40B4-BE49-F238E27FC236}">
+                  <a16:creationId xmlns:a16="http://schemas.microsoft.com/office/drawing/2014/main" id="{254AB784-9EEC-B2EC-4E35-9D7D91947602}"/>
+                </a:ext>
+              </a:extLst>
+            </p:cNvPr>
+            <p:cNvSpPr txBox="1"/>
+            <p:nvPr/>
+          </p:nvSpPr>
+          <p:spPr>
+            <a:xfrm>
+              <a:off x="9576139" y="9748161"/>
+              <a:ext cx="3833859" cy="602280"/>
+            </a:xfrm>
+            <a:prstGeom prst="rect">
+              <a:avLst/>
+            </a:prstGeom>
+            <a:noFill/>
+            <a:ln w="0">
+              <a:noFill/>
+            </a:ln>
+          </p:spPr>
+          <p:txBody>
+            <a:bodyPr lIns="90000" tIns="45000" rIns="90000" bIns="45000" anchor="t">
+              <a:noAutofit/>
+            </a:bodyPr>
+            <a:lstStyle/>
+            <a:p>
+              <a:r>
+                <a:rPr lang="en-US" sz="2000" b="0" strike="noStrike" spc="-1" dirty="0">
+                  <a:latin typeface="Arial"/>
+                </a:rPr>
+                <a:t>0	</a:t>
+              </a:r>
+              <a:r>
+                <a:rPr lang="en-US" sz="2000" spc="-1" dirty="0">
+                  <a:latin typeface="Arial"/>
+                </a:rPr>
+                <a:t>                     </a:t>
+              </a:r>
+              <a:r>
+                <a:rPr lang="en-US" sz="2000" b="0" strike="noStrike" spc="-1" dirty="0">
+                  <a:latin typeface="Arial"/>
+                </a:rPr>
+                <a:t> 1</a:t>
+              </a:r>
+            </a:p>
+          </p:txBody>
+        </p:sp>
+        <p:sp>
+          <p:nvSpPr>
+            <p:cNvPr id="136" name="Straight Connector 135">
+              <a:extLst>
+                <a:ext uri="{FF2B5EF4-FFF2-40B4-BE49-F238E27FC236}">
+                  <a16:creationId xmlns:a16="http://schemas.microsoft.com/office/drawing/2014/main" id="{B51600B4-DBBC-7959-BE2D-3CE27B1EDA4C}"/>
+                </a:ext>
+              </a:extLst>
+            </p:cNvPr>
+            <p:cNvSpPr/>
+            <p:nvPr/>
+          </p:nvSpPr>
+          <p:spPr>
+            <a:xfrm>
+              <a:off x="12593269" y="6380090"/>
+              <a:ext cx="0" cy="3300032"/>
+            </a:xfrm>
+            <a:prstGeom prst="line">
+              <a:avLst/>
+            </a:prstGeom>
+            <a:ln w="31750">
+              <a:solidFill>
+                <a:srgbClr val="000000"/>
+              </a:solidFill>
+            </a:ln>
+          </p:spPr>
+          <p:style>
+            <a:lnRef idx="0">
+              <a:scrgbClr r="0" g="0" b="0"/>
+            </a:lnRef>
+            <a:fillRef idx="0">
+              <a:scrgbClr r="0" g="0" b="0"/>
+            </a:fillRef>
+            <a:effectRef idx="0">
+              <a:scrgbClr r="0" g="0" b="0"/>
+            </a:effectRef>
+            <a:fontRef idx="minor"/>
+          </p:style>
+          <p:txBody>
+            <a:bodyPr/>
+            <a:lstStyle/>
+            <a:p>
+              <a:endParaRPr lang="en-DE" sz="2000" dirty="0"/>
+            </a:p>
+          </p:txBody>
+        </p:sp>
+        <p:sp>
+          <p:nvSpPr>
+            <p:cNvPr id="137" name="Straight Connector 136">
+              <a:extLst>
+                <a:ext uri="{FF2B5EF4-FFF2-40B4-BE49-F238E27FC236}">
+                  <a16:creationId xmlns:a16="http://schemas.microsoft.com/office/drawing/2014/main" id="{1DA6B640-D47D-F6BA-ACD2-09135D1D1F1F}"/>
+                </a:ext>
+              </a:extLst>
+            </p:cNvPr>
+            <p:cNvSpPr/>
+            <p:nvPr/>
+          </p:nvSpPr>
+          <p:spPr>
+            <a:xfrm flipH="1">
+              <a:off x="12593268" y="9677552"/>
+              <a:ext cx="2470035" cy="6118"/>
+            </a:xfrm>
+            <a:prstGeom prst="line">
+              <a:avLst/>
+            </a:prstGeom>
+            <a:ln w="31750">
+              <a:solidFill>
+                <a:srgbClr val="000000"/>
+              </a:solidFill>
+            </a:ln>
+          </p:spPr>
+          <p:style>
+            <a:lnRef idx="0">
+              <a:scrgbClr r="0" g="0" b="0"/>
+            </a:lnRef>
+            <a:fillRef idx="0">
+              <a:scrgbClr r="0" g="0" b="0"/>
+            </a:fillRef>
+            <a:effectRef idx="0">
+              <a:scrgbClr r="0" g="0" b="0"/>
+            </a:effectRef>
+            <a:fontRef idx="minor"/>
+          </p:style>
+        </p:sp>
+        <p:sp>
+          <p:nvSpPr>
+            <p:cNvPr id="138" name="Straight Connector 137">
+              <a:extLst>
+                <a:ext uri="{FF2B5EF4-FFF2-40B4-BE49-F238E27FC236}">
+                  <a16:creationId xmlns:a16="http://schemas.microsoft.com/office/drawing/2014/main" id="{4A73C8C7-1F9F-F75C-D81A-F93BDF13F20A}"/>
+                </a:ext>
+              </a:extLst>
+            </p:cNvPr>
+            <p:cNvSpPr/>
+            <p:nvPr/>
+          </p:nvSpPr>
+          <p:spPr>
+            <a:xfrm>
+              <a:off x="15063320" y="6380090"/>
+              <a:ext cx="0" cy="3303580"/>
+            </a:xfrm>
+            <a:prstGeom prst="line">
+              <a:avLst/>
+            </a:prstGeom>
+            <a:ln w="31750">
+              <a:solidFill>
+                <a:srgbClr val="000000"/>
+              </a:solidFill>
+            </a:ln>
+          </p:spPr>
+          <p:style>
+            <a:lnRef idx="0">
+              <a:scrgbClr r="0" g="0" b="0"/>
+            </a:lnRef>
+            <a:fillRef idx="0">
+              <a:scrgbClr r="0" g="0" b="0"/>
+            </a:fillRef>
+            <a:effectRef idx="0">
+              <a:scrgbClr r="0" g="0" b="0"/>
+            </a:effectRef>
+            <a:fontRef idx="minor"/>
+          </p:style>
+        </p:sp>
+        <p:sp>
+          <p:nvSpPr>
+            <p:cNvPr id="139" name="Straight Connector 138">
+              <a:extLst>
+                <a:ext uri="{FF2B5EF4-FFF2-40B4-BE49-F238E27FC236}">
+                  <a16:creationId xmlns:a16="http://schemas.microsoft.com/office/drawing/2014/main" id="{E0211FA3-00D1-2F4A-D8CB-BDDD2109D92A}"/>
+                </a:ext>
+              </a:extLst>
+            </p:cNvPr>
+            <p:cNvSpPr/>
+            <p:nvPr/>
+          </p:nvSpPr>
+          <p:spPr>
+            <a:xfrm flipH="1">
+              <a:off x="12598635" y="6812906"/>
+              <a:ext cx="2464667" cy="3059"/>
+            </a:xfrm>
+            <a:prstGeom prst="line">
+              <a:avLst/>
+            </a:prstGeom>
+            <a:ln w="31750">
+              <a:solidFill>
+                <a:srgbClr val="000000"/>
+              </a:solidFill>
+            </a:ln>
+          </p:spPr>
+          <p:style>
+            <a:lnRef idx="0">
+              <a:scrgbClr r="0" g="0" b="0"/>
+            </a:lnRef>
+            <a:fillRef idx="0">
+              <a:scrgbClr r="0" g="0" b="0"/>
+            </a:fillRef>
+            <a:effectRef idx="0">
+              <a:scrgbClr r="0" g="0" b="0"/>
+            </a:effectRef>
+            <a:fontRef idx="minor"/>
+          </p:style>
+        </p:sp>
+        <p:sp>
+          <p:nvSpPr>
+            <p:cNvPr id="140" name="Straight Connector 139">
+              <a:extLst>
+                <a:ext uri="{FF2B5EF4-FFF2-40B4-BE49-F238E27FC236}">
+                  <a16:creationId xmlns:a16="http://schemas.microsoft.com/office/drawing/2014/main" id="{0C95A44F-2C1F-27A6-4864-E0FEA0A53CB4}"/>
+                </a:ext>
+              </a:extLst>
+            </p:cNvPr>
+            <p:cNvSpPr/>
+            <p:nvPr/>
+          </p:nvSpPr>
+          <p:spPr>
+            <a:xfrm flipH="1">
+              <a:off x="12593268" y="6377635"/>
+              <a:ext cx="2470045" cy="2455"/>
+            </a:xfrm>
+            <a:prstGeom prst="line">
+              <a:avLst/>
+            </a:prstGeom>
+            <a:ln w="31750">
+              <a:solidFill>
+                <a:srgbClr val="000000"/>
+              </a:solidFill>
+            </a:ln>
+          </p:spPr>
+          <p:style>
+            <a:lnRef idx="0">
+              <a:scrgbClr r="0" g="0" b="0"/>
+            </a:lnRef>
+            <a:fillRef idx="0">
+              <a:scrgbClr r="0" g="0" b="0"/>
+            </a:fillRef>
+            <a:effectRef idx="0">
+              <a:scrgbClr r="0" g="0" b="0"/>
+            </a:effectRef>
+            <a:fontRef idx="minor"/>
+          </p:style>
+          <p:txBody>
+            <a:bodyPr/>
+            <a:lstStyle/>
+            <a:p>
+              <a:endParaRPr lang="en-DE" sz="2000" dirty="0"/>
+            </a:p>
+          </p:txBody>
+        </p:sp>
+        <p:sp>
+          <p:nvSpPr>
+            <p:cNvPr id="141" name="TextBox 140">
+              <a:extLst>
+                <a:ext uri="{FF2B5EF4-FFF2-40B4-BE49-F238E27FC236}">
+                  <a16:creationId xmlns:a16="http://schemas.microsoft.com/office/drawing/2014/main" id="{EBFCE93E-A510-CC47-AD61-03D51CB32020}"/>
+                </a:ext>
+              </a:extLst>
+            </p:cNvPr>
+            <p:cNvSpPr txBox="1"/>
+            <p:nvPr/>
+          </p:nvSpPr>
+          <p:spPr>
+            <a:xfrm>
+              <a:off x="12427705" y="9742261"/>
+              <a:ext cx="3833859" cy="602280"/>
+            </a:xfrm>
+            <a:prstGeom prst="rect">
+              <a:avLst/>
+            </a:prstGeom>
+            <a:noFill/>
+            <a:ln w="0">
+              <a:noFill/>
+            </a:ln>
+          </p:spPr>
+          <p:txBody>
+            <a:bodyPr lIns="90000" tIns="45000" rIns="90000" bIns="45000" anchor="t">
+              <a:noAutofit/>
+            </a:bodyPr>
+            <a:lstStyle/>
+            <a:p>
+              <a:r>
+                <a:rPr lang="en-US" sz="2000" b="0" strike="noStrike" spc="-1" dirty="0">
+                  <a:latin typeface="Arial"/>
+                </a:rPr>
+                <a:t>0	    </a:t>
+              </a:r>
+              <a:r>
+                <a:rPr lang="en-US" sz="2000" spc="-1" dirty="0">
+                  <a:latin typeface="Arial"/>
+                </a:rPr>
+                <a:t>                 </a:t>
+              </a:r>
+              <a:r>
+                <a:rPr lang="en-US" sz="2000" b="0" strike="noStrike" spc="-1" dirty="0">
+                  <a:latin typeface="Arial"/>
+                </a:rPr>
+                <a:t> 1</a:t>
+              </a:r>
+            </a:p>
+          </p:txBody>
+        </p:sp>
+        <p:pic>
+          <p:nvPicPr>
+            <p:cNvPr id="142" name="Picture 141">
+              <a:extLst>
+                <a:ext uri="{FF2B5EF4-FFF2-40B4-BE49-F238E27FC236}">
+                  <a16:creationId xmlns:a16="http://schemas.microsoft.com/office/drawing/2014/main" id="{E2775B19-18F7-7D04-0096-73DA462FCFE8}"/>
+                </a:ext>
+              </a:extLst>
+            </p:cNvPr>
+            <p:cNvPicPr>
+              <a:picLocks noChangeAspect="1"/>
+            </p:cNvPicPr>
+            <p:nvPr/>
+          </p:nvPicPr>
+          <p:blipFill>
+            <a:blip r:embed="rId3"/>
+            <a:srcRect l="38593" t="27069" r="16398" b="24703"/>
+            <a:stretch/>
+          </p:blipFill>
+          <p:spPr>
+            <a:xfrm rot="5639867">
+              <a:off x="9823742" y="7255550"/>
+              <a:ext cx="2124000" cy="2435043"/>
+            </a:xfrm>
+            <a:prstGeom prst="rect">
+              <a:avLst/>
+            </a:prstGeom>
+            <a:ln w="0">
+              <a:noFill/>
+            </a:ln>
+          </p:spPr>
+        </p:pic>
+        <p:sp>
+          <p:nvSpPr>
+            <p:cNvPr id="143" name="TextBox 142">
+              <a:extLst>
+                <a:ext uri="{FF2B5EF4-FFF2-40B4-BE49-F238E27FC236}">
+                  <a16:creationId xmlns:a16="http://schemas.microsoft.com/office/drawing/2014/main" id="{540CE023-97B0-DB45-0566-ACC693EC99BA}"/>
+                </a:ext>
+              </a:extLst>
+            </p:cNvPr>
+            <p:cNvSpPr txBox="1"/>
+            <p:nvPr/>
+          </p:nvSpPr>
+          <p:spPr>
+            <a:xfrm>
+              <a:off x="3949956" y="10162843"/>
+              <a:ext cx="3509140" cy="602280"/>
+            </a:xfrm>
+            <a:prstGeom prst="rect">
+              <a:avLst/>
+            </a:prstGeom>
+            <a:noFill/>
+            <a:ln w="0">
+              <a:noFill/>
+            </a:ln>
+          </p:spPr>
+          <p:txBody>
+            <a:bodyPr lIns="90000" tIns="45000" rIns="90000" bIns="45000" anchor="t">
+              <a:noAutofit/>
+            </a:bodyPr>
+            <a:lstStyle/>
+            <a:p>
+              <a:pPr algn="ctr">
+                <a:buNone/>
+              </a:pPr>
+              <a:r>
+                <a:rPr lang="en-US" sz="2000" b="0" strike="noStrike" spc="-1" dirty="0">
+                  <a:latin typeface="Arial"/>
+                </a:rPr>
+                <a:t>Model-derived PE</a:t>
+              </a:r>
+            </a:p>
+          </p:txBody>
+        </p:sp>
+        <p:sp>
+          <p:nvSpPr>
+            <p:cNvPr id="144" name="TextBox 143">
+              <a:extLst>
+                <a:ext uri="{FF2B5EF4-FFF2-40B4-BE49-F238E27FC236}">
+                  <a16:creationId xmlns:a16="http://schemas.microsoft.com/office/drawing/2014/main" id="{E8D94E3F-E60A-9AAF-9D24-F1E2C680F79A}"/>
+                </a:ext>
+              </a:extLst>
+            </p:cNvPr>
+            <p:cNvSpPr txBox="1"/>
+            <p:nvPr/>
+          </p:nvSpPr>
+          <p:spPr>
+            <a:xfrm>
+              <a:off x="10448515" y="10157835"/>
+              <a:ext cx="3509140" cy="602280"/>
+            </a:xfrm>
+            <a:prstGeom prst="rect">
+              <a:avLst/>
+            </a:prstGeom>
+            <a:noFill/>
+            <a:ln w="0">
+              <a:noFill/>
+            </a:ln>
+          </p:spPr>
+          <p:txBody>
+            <a:bodyPr lIns="90000" tIns="45000" rIns="90000" bIns="45000" anchor="t">
+              <a:noAutofit/>
+            </a:bodyPr>
+            <a:lstStyle/>
+            <a:p>
+              <a:pPr algn="ctr">
+                <a:buNone/>
+              </a:pPr>
+              <a:r>
+                <a:rPr lang="en-US" sz="2000" b="0" strike="noStrike" spc="-1" dirty="0">
+                  <a:latin typeface="Arial"/>
+                </a:rPr>
+                <a:t>Model-derived PE</a:t>
+              </a:r>
+            </a:p>
+          </p:txBody>
+        </p:sp>
+      </p:grpSp>
     </p:spTree>
+    <p:extLst>
+      <p:ext uri="{BB962C8B-B14F-4D97-AF65-F5344CB8AC3E}">
+        <p14:creationId xmlns:p14="http://schemas.microsoft.com/office/powerpoint/2010/main" val="4100034356"/>
+      </p:ext>
+    </p:extLst>
   </p:cSld>
   <p:clrMapOvr>
     <a:masterClrMapping/>
